--- a/Archit PPT.pptx
+++ b/Archit PPT.pptx
@@ -5,7 +5,7 @@
     <p:sldMasterId id="2147483648" r:id="rId1"/>
   </p:sldMasterIdLst>
   <p:notesMasterIdLst>
-    <p:notesMasterId r:id="rId40"/>
+    <p:notesMasterId r:id="rId22"/>
   </p:notesMasterIdLst>
   <p:sldIdLst>
     <p:sldId id="256" r:id="rId2"/>
@@ -28,24 +28,6 @@
     <p:sldId id="274" r:id="rId19"/>
     <p:sldId id="275" r:id="rId20"/>
     <p:sldId id="276" r:id="rId21"/>
-    <p:sldId id="277" r:id="rId22"/>
-    <p:sldId id="278" r:id="rId23"/>
-    <p:sldId id="279" r:id="rId24"/>
-    <p:sldId id="280" r:id="rId25"/>
-    <p:sldId id="281" r:id="rId26"/>
-    <p:sldId id="282" r:id="rId27"/>
-    <p:sldId id="283" r:id="rId28"/>
-    <p:sldId id="284" r:id="rId29"/>
-    <p:sldId id="285" r:id="rId30"/>
-    <p:sldId id="286" r:id="rId31"/>
-    <p:sldId id="287" r:id="rId32"/>
-    <p:sldId id="288" r:id="rId33"/>
-    <p:sldId id="289" r:id="rId34"/>
-    <p:sldId id="290" r:id="rId35"/>
-    <p:sldId id="291" r:id="rId36"/>
-    <p:sldId id="292" r:id="rId37"/>
-    <p:sldId id="293" r:id="rId38"/>
-    <p:sldId id="294" r:id="rId39"/>
   </p:sldIdLst>
   <p:sldSz cx="7772400" cy="10058400"/>
   <p:notesSz cx="7772400" cy="10058400"/>
@@ -245,7 +227,7 @@
           <a:p>
             <a:fld id="{3253E82A-7E80-4EC8-986E-4DDF74E9209F}" type="datetimeFigureOut">
               <a:rPr lang="en-US" smtClean="0"/>
-              <a:t>5/26/2024</a:t>
+              <a:t>6/2/2024</a:t>
             </a:fld>
             <a:endParaRPr lang="en-US"/>
           </a:p>
@@ -512,90 +494,6 @@
 </p:notesMaster>
 </file>
 
-<file path=ppt/notesSlides/notesSlide1.xml><?xml version="1.0" encoding="utf-8"?>
-<p:notes xmlns:a="http://schemas.openxmlformats.org/drawingml/2006/main" xmlns:r="http://schemas.openxmlformats.org/officeDocument/2006/relationships" xmlns:p="http://schemas.openxmlformats.org/presentationml/2006/main">
-  <p:cSld>
-    <p:spTree>
-      <p:nvGrpSpPr>
-        <p:cNvPr id="1" name=""/>
-        <p:cNvGrpSpPr/>
-        <p:nvPr/>
-      </p:nvGrpSpPr>
-      <p:grpSpPr>
-        <a:xfrm>
-          <a:off x="0" y="0"/>
-          <a:ext cx="0" cy="0"/>
-          <a:chOff x="0" y="0"/>
-          <a:chExt cx="0" cy="0"/>
-        </a:xfrm>
-      </p:grpSpPr>
-      <p:sp>
-        <p:nvSpPr>
-          <p:cNvPr id="2" name="Slide Image Placeholder 1"/>
-          <p:cNvSpPr>
-            <a:spLocks noGrp="1" noRot="1" noChangeAspect="1"/>
-          </p:cNvSpPr>
-          <p:nvPr>
-            <p:ph type="sldImg"/>
-          </p:nvPr>
-        </p:nvSpPr>
-        <p:spPr/>
-      </p:sp>
-      <p:sp>
-        <p:nvSpPr>
-          <p:cNvPr id="3" name="Notes Placeholder 2"/>
-          <p:cNvSpPr>
-            <a:spLocks noGrp="1"/>
-          </p:cNvSpPr>
-          <p:nvPr>
-            <p:ph type="body" idx="1"/>
-          </p:nvPr>
-        </p:nvSpPr>
-        <p:spPr/>
-        <p:txBody>
-          <a:bodyPr/>
-          <a:lstStyle/>
-          <a:p>
-            <a:endParaRPr lang="en-US" dirty="0"/>
-          </a:p>
-        </p:txBody>
-      </p:sp>
-      <p:sp>
-        <p:nvSpPr>
-          <p:cNvPr id="4" name="Slide Number Placeholder 3"/>
-          <p:cNvSpPr>
-            <a:spLocks noGrp="1"/>
-          </p:cNvSpPr>
-          <p:nvPr>
-            <p:ph type="sldNum" sz="quarter" idx="5"/>
-          </p:nvPr>
-        </p:nvSpPr>
-        <p:spPr/>
-        <p:txBody>
-          <a:bodyPr/>
-          <a:lstStyle/>
-          <a:p>
-            <a:fld id="{F0DDEBF7-9EC3-4F12-BE80-E81FE5B6C137}" type="slidenum">
-              <a:rPr lang="en-US" smtClean="0"/>
-              <a:t>24</a:t>
-            </a:fld>
-            <a:endParaRPr lang="en-US"/>
-          </a:p>
-        </p:txBody>
-      </p:sp>
-    </p:spTree>
-    <p:extLst>
-      <p:ext uri="{BB962C8B-B14F-4D97-AF65-F5344CB8AC3E}">
-        <p14:creationId xmlns:p14="http://schemas.microsoft.com/office/powerpoint/2010/main" val="3305833130"/>
-      </p:ext>
-    </p:extLst>
-  </p:cSld>
-  <p:clrMapOvr>
-    <a:masterClrMapping/>
-  </p:clrMapOvr>
-</p:notes>
-</file>
-
 <file path=ppt/slideLayouts/slideLayout1.xml><?xml version="1.0" encoding="utf-8"?>
 <p:sldLayout xmlns:a="http://schemas.openxmlformats.org/drawingml/2006/main" xmlns:r="http://schemas.openxmlformats.org/officeDocument/2006/relationships" xmlns:p="http://schemas.openxmlformats.org/presentationml/2006/main" showMasterSp="0" type="obj" preserve="1">
   <p:cSld name="Title Slide">
@@ -735,7 +633,7 @@
           <a:p>
             <a:fld id="{1D8BD707-D9CF-40AE-B4C6-C98DA3205C09}" type="datetimeFigureOut">
               <a:rPr lang="en-US"/>
-              <a:t>5/26/2024</a:t>
+              <a:t>6/2/2024</a:t>
             </a:fld>
             <a:endParaRPr lang="en-US"/>
           </a:p>
@@ -900,7 +798,7 @@
           <a:p>
             <a:fld id="{1D8BD707-D9CF-40AE-B4C6-C98DA3205C09}" type="datetimeFigureOut">
               <a:rPr lang="en-US"/>
-              <a:t>5/26/2024</a:t>
+              <a:t>6/2/2024</a:t>
             </a:fld>
             <a:endParaRPr lang="en-US"/>
           </a:p>
@@ -1108,7 +1006,7 @@
           <a:p>
             <a:fld id="{1D8BD707-D9CF-40AE-B4C6-C98DA3205C09}" type="datetimeFigureOut">
               <a:rPr lang="en-US"/>
-              <a:t>5/26/2024</a:t>
+              <a:t>6/2/2024</a:t>
             </a:fld>
             <a:endParaRPr lang="en-US"/>
           </a:p>
@@ -1250,7 +1148,7 @@
           <a:p>
             <a:fld id="{1D8BD707-D9CF-40AE-B4C6-C98DA3205C09}" type="datetimeFigureOut">
               <a:rPr lang="en-US"/>
-              <a:t>5/26/2024</a:t>
+              <a:t>6/2/2024</a:t>
             </a:fld>
             <a:endParaRPr lang="en-US"/>
           </a:p>
@@ -1369,7 +1267,7 @@
           <a:p>
             <a:fld id="{1D8BD707-D9CF-40AE-B4C6-C98DA3205C09}" type="datetimeFigureOut">
               <a:rPr lang="en-US"/>
-              <a:t>5/26/2024</a:t>
+              <a:t>6/2/2024</a:t>
             </a:fld>
             <a:endParaRPr lang="en-US"/>
           </a:p>
@@ -1584,7 +1482,7 @@
           <a:p>
             <a:fld id="{1D8BD707-D9CF-40AE-B4C6-C98DA3205C09}" type="datetimeFigureOut">
               <a:rPr lang="en-US"/>
-              <a:t>5/26/2024</a:t>
+              <a:t>6/2/2024</a:t>
             </a:fld>
             <a:endParaRPr lang="en-US"/>
           </a:p>
@@ -2836,22 +2734,449 @@
           </a:p>
         </p:txBody>
       </p:sp>
+      <p:sp>
+        <p:nvSpPr>
+          <p:cNvPr id="5" name="TextBox 4">
+            <a:extLst>
+              <a:ext uri="{FF2B5EF4-FFF2-40B4-BE49-F238E27FC236}">
+                <a16:creationId xmlns:a16="http://schemas.microsoft.com/office/drawing/2014/main" id="{BB34EA7D-A187-9F37-9F7C-7651DF3694F1}"/>
+              </a:ext>
+            </a:extLst>
+          </p:cNvPr>
+          <p:cNvSpPr txBox="1"/>
+          <p:nvPr/>
+        </p:nvSpPr>
+        <p:spPr>
+          <a:xfrm>
+            <a:off x="152400" y="228600"/>
+            <a:ext cx="7467600" cy="7150675"/>
+          </a:xfrm>
+          <a:prstGeom prst="rect">
+            <a:avLst/>
+          </a:prstGeom>
+          <a:noFill/>
+        </p:spPr>
+        <p:txBody>
+          <a:bodyPr wrap="square">
+            <a:spAutoFit/>
+          </a:bodyPr>
+          <a:lstStyle/>
+          <a:p>
+            <a:pPr marL="365125" marR="0" indent="-226060">
+              <a:spcBef>
+                <a:spcPts val="975"/>
+              </a:spcBef>
+              <a:spcAft>
+                <a:spcPts val="0"/>
+              </a:spcAft>
+              <a:tabLst>
+                <a:tab pos="365760" algn="l"/>
+                <a:tab pos="5776595" algn="r"/>
+              </a:tabLst>
+            </a:pPr>
+            <a:r>
+              <a:rPr lang="en-US" sz="1800" b="1" dirty="0">
+                <a:effectLst/>
+                <a:latin typeface="Times New Roman" panose="02020603050405020304" pitchFamily="18" charset="0"/>
+                <a:ea typeface="SimSun" panose="02010600030101010101" pitchFamily="2" charset="-122"/>
+              </a:rPr>
+              <a:t>3. Camera Setup:</a:t>
+            </a:r>
+            <a:endParaRPr lang="en-US" sz="1800" dirty="0">
+              <a:effectLst/>
+              <a:latin typeface="Times New Roman" panose="02020603050405020304" pitchFamily="18" charset="0"/>
+              <a:ea typeface="Times New Roman" panose="02020603050405020304" pitchFamily="18" charset="0"/>
+            </a:endParaRPr>
+          </a:p>
+          <a:p>
+            <a:pPr marL="342900" marR="0" lvl="0" indent="-342900">
+              <a:spcBef>
+                <a:spcPts val="975"/>
+              </a:spcBef>
+              <a:spcAft>
+                <a:spcPts val="0"/>
+              </a:spcAft>
+              <a:buFont typeface="Symbol" panose="05050102010706020507" pitchFamily="18" charset="2"/>
+              <a:buChar char=""/>
+              <a:tabLst>
+                <a:tab pos="365760" algn="l"/>
+                <a:tab pos="5776595" algn="r"/>
+              </a:tabLst>
+            </a:pPr>
+            <a:r>
+              <a:rPr lang="en-US" sz="1800" dirty="0">
+                <a:effectLst/>
+                <a:latin typeface="Times New Roman" panose="02020603050405020304" pitchFamily="18" charset="0"/>
+                <a:ea typeface="SimSun" panose="02010600030101010101" pitchFamily="2" charset="-122"/>
+              </a:rPr>
+              <a:t>Create a new camera Game Object to serve as the player's perspective.</a:t>
+            </a:r>
+            <a:endParaRPr lang="en-US" sz="1800" dirty="0">
+              <a:effectLst/>
+              <a:latin typeface="Times New Roman" panose="02020603050405020304" pitchFamily="18" charset="0"/>
+              <a:ea typeface="Times New Roman" panose="02020603050405020304" pitchFamily="18" charset="0"/>
+            </a:endParaRPr>
+          </a:p>
+          <a:p>
+            <a:pPr marL="342900" marR="0" lvl="0" indent="-342900">
+              <a:spcBef>
+                <a:spcPts val="975"/>
+              </a:spcBef>
+              <a:spcAft>
+                <a:spcPts val="0"/>
+              </a:spcAft>
+              <a:buFont typeface="Symbol" panose="05050102010706020507" pitchFamily="18" charset="2"/>
+              <a:buChar char=""/>
+              <a:tabLst>
+                <a:tab pos="365760" algn="l"/>
+                <a:tab pos="5776595" algn="r"/>
+              </a:tabLst>
+            </a:pPr>
+            <a:r>
+              <a:rPr lang="en-US" sz="1800" dirty="0">
+                <a:effectLst/>
+                <a:latin typeface="Times New Roman" panose="02020603050405020304" pitchFamily="18" charset="0"/>
+                <a:ea typeface="SimSun" panose="02010600030101010101" pitchFamily="2" charset="-122"/>
+              </a:rPr>
+              <a:t>Adjust the camera's position, rotation, and field of view to provide optimal visibility and gameplay experience.</a:t>
+            </a:r>
+            <a:endParaRPr lang="en-US" sz="1800" dirty="0">
+              <a:effectLst/>
+              <a:latin typeface="Times New Roman" panose="02020603050405020304" pitchFamily="18" charset="0"/>
+              <a:ea typeface="Times New Roman" panose="02020603050405020304" pitchFamily="18" charset="0"/>
+            </a:endParaRPr>
+          </a:p>
+          <a:p>
+            <a:pPr marL="342900" marR="0" lvl="0" indent="-342900">
+              <a:spcBef>
+                <a:spcPts val="975"/>
+              </a:spcBef>
+              <a:spcAft>
+                <a:spcPts val="0"/>
+              </a:spcAft>
+              <a:buFont typeface="Symbol" panose="05050102010706020507" pitchFamily="18" charset="2"/>
+              <a:buChar char=""/>
+              <a:tabLst>
+                <a:tab pos="365760" algn="l"/>
+                <a:tab pos="5776595" algn="r"/>
+              </a:tabLst>
+            </a:pPr>
+            <a:r>
+              <a:rPr lang="en-US" sz="1800" dirty="0">
+                <a:effectLst/>
+                <a:latin typeface="Times New Roman" panose="02020603050405020304" pitchFamily="18" charset="0"/>
+                <a:ea typeface="SimSun" panose="02010600030101010101" pitchFamily="2" charset="-122"/>
+              </a:rPr>
+              <a:t>Implement camera controls (e.g., mouse or joystick </a:t>
+            </a:r>
+            <a:r>
+              <a:rPr lang="en-US" sz="1800" dirty="0" err="1">
+                <a:effectLst/>
+                <a:latin typeface="Times New Roman" panose="02020603050405020304" pitchFamily="18" charset="0"/>
+                <a:ea typeface="SimSun" panose="02010600030101010101" pitchFamily="2" charset="-122"/>
+              </a:rPr>
+              <a:t>inpu</a:t>
+            </a:r>
+            <a:endParaRPr lang="en-US" sz="1800" dirty="0">
+              <a:effectLst/>
+              <a:latin typeface="Times New Roman" panose="02020603050405020304" pitchFamily="18" charset="0"/>
+              <a:ea typeface="SimSun" panose="02010600030101010101" pitchFamily="2" charset="-122"/>
+            </a:endParaRPr>
+          </a:p>
+          <a:p>
+            <a:pPr marL="342900" marR="0" lvl="0" indent="-342900">
+              <a:spcBef>
+                <a:spcPts val="975"/>
+              </a:spcBef>
+              <a:spcAft>
+                <a:spcPts val="0"/>
+              </a:spcAft>
+              <a:buFont typeface="Symbol" panose="05050102010706020507" pitchFamily="18" charset="2"/>
+              <a:buChar char=""/>
+              <a:tabLst>
+                <a:tab pos="365760" algn="l"/>
+                <a:tab pos="5776595" algn="r"/>
+              </a:tabLst>
+            </a:pPr>
+            <a:r>
+              <a:rPr lang="en-US" sz="1800" dirty="0">
+                <a:effectLst/>
+                <a:latin typeface="Times New Roman" panose="02020603050405020304" pitchFamily="18" charset="0"/>
+                <a:ea typeface="SimSun" panose="02010600030101010101" pitchFamily="2" charset="-122"/>
+              </a:rPr>
+              <a:t>t) to enable players to move the camera view freely or focus on specific targets.</a:t>
+            </a:r>
+            <a:endParaRPr lang="en-US" sz="1800" dirty="0">
+              <a:effectLst/>
+              <a:latin typeface="Times New Roman" panose="02020603050405020304" pitchFamily="18" charset="0"/>
+              <a:ea typeface="Times New Roman" panose="02020603050405020304" pitchFamily="18" charset="0"/>
+            </a:endParaRPr>
+          </a:p>
+          <a:p>
+            <a:pPr marL="365125" marR="0" indent="-226060">
+              <a:spcBef>
+                <a:spcPts val="975"/>
+              </a:spcBef>
+              <a:spcAft>
+                <a:spcPts val="0"/>
+              </a:spcAft>
+              <a:tabLst>
+                <a:tab pos="365760" algn="l"/>
+                <a:tab pos="5776595" algn="r"/>
+              </a:tabLst>
+            </a:pPr>
+            <a:r>
+              <a:rPr lang="en-US" sz="1800" b="1" dirty="0">
+                <a:effectLst/>
+                <a:latin typeface="Times New Roman" panose="02020603050405020304" pitchFamily="18" charset="0"/>
+                <a:ea typeface="SimSun" panose="02010600030101010101" pitchFamily="2" charset="-122"/>
+              </a:rPr>
+              <a:t>4. Environment Assets:</a:t>
+            </a:r>
+            <a:endParaRPr lang="en-US" sz="1800" dirty="0">
+              <a:effectLst/>
+              <a:latin typeface="Times New Roman" panose="02020603050405020304" pitchFamily="18" charset="0"/>
+              <a:ea typeface="Times New Roman" panose="02020603050405020304" pitchFamily="18" charset="0"/>
+            </a:endParaRPr>
+          </a:p>
+          <a:p>
+            <a:pPr marL="342900" marR="0" lvl="0" indent="-342900">
+              <a:spcBef>
+                <a:spcPts val="975"/>
+              </a:spcBef>
+              <a:spcAft>
+                <a:spcPts val="0"/>
+              </a:spcAft>
+              <a:buFont typeface="Symbol" panose="05050102010706020507" pitchFamily="18" charset="2"/>
+              <a:buChar char=""/>
+              <a:tabLst>
+                <a:tab pos="365760" algn="l"/>
+                <a:tab pos="5776595" algn="r"/>
+              </a:tabLst>
+            </a:pPr>
+            <a:r>
+              <a:rPr lang="en-US" sz="1800" dirty="0">
+                <a:effectLst/>
+                <a:latin typeface="Times New Roman" panose="02020603050405020304" pitchFamily="18" charset="0"/>
+                <a:ea typeface="SimSun" panose="02010600030101010101" pitchFamily="2" charset="-122"/>
+              </a:rPr>
+              <a:t>Populate the scene with environmental assets such as buildings, foliage, rocks, and other props to create a realistic and immersive setting.</a:t>
+            </a:r>
+            <a:endParaRPr lang="en-US" sz="1800" dirty="0">
+              <a:effectLst/>
+              <a:latin typeface="Times New Roman" panose="02020603050405020304" pitchFamily="18" charset="0"/>
+              <a:ea typeface="Times New Roman" panose="02020603050405020304" pitchFamily="18" charset="0"/>
+            </a:endParaRPr>
+          </a:p>
+          <a:p>
+            <a:pPr marL="342900" marR="0" lvl="0" indent="-342900">
+              <a:spcBef>
+                <a:spcPts val="975"/>
+              </a:spcBef>
+              <a:spcAft>
+                <a:spcPts val="0"/>
+              </a:spcAft>
+              <a:buFont typeface="Symbol" panose="05050102010706020507" pitchFamily="18" charset="2"/>
+              <a:buChar char=""/>
+              <a:tabLst>
+                <a:tab pos="365760" algn="l"/>
+                <a:tab pos="5776595" algn="r"/>
+              </a:tabLst>
+            </a:pPr>
+            <a:r>
+              <a:rPr lang="en-US" sz="1800" dirty="0">
+                <a:effectLst/>
+                <a:latin typeface="Times New Roman" panose="02020603050405020304" pitchFamily="18" charset="0"/>
+                <a:ea typeface="SimSun" panose="02010600030101010101" pitchFamily="2" charset="-122"/>
+              </a:rPr>
+              <a:t>Place interactive objects like doors, switches, or destructible elements to add depth to the gameplay and encourage exploration.</a:t>
+            </a:r>
+          </a:p>
+          <a:p>
+            <a:pPr marR="0" lvl="0">
+              <a:spcBef>
+                <a:spcPts val="975"/>
+              </a:spcBef>
+              <a:spcAft>
+                <a:spcPts val="0"/>
+              </a:spcAft>
+              <a:tabLst>
+                <a:tab pos="365760" algn="l"/>
+                <a:tab pos="5776595" algn="r"/>
+              </a:tabLst>
+            </a:pPr>
+            <a:r>
+              <a:rPr lang="en-US" dirty="0">
+                <a:latin typeface="Times New Roman" panose="02020603050405020304" pitchFamily="18" charset="0"/>
+                <a:ea typeface="SimSun" panose="02010600030101010101" pitchFamily="2" charset="-122"/>
+              </a:rPr>
+              <a:t>   </a:t>
+            </a:r>
+          </a:p>
+          <a:p>
+            <a:pPr marR="0" lvl="0">
+              <a:spcBef>
+                <a:spcPts val="975"/>
+              </a:spcBef>
+              <a:spcAft>
+                <a:spcPts val="0"/>
+              </a:spcAft>
+              <a:tabLst>
+                <a:tab pos="365760" algn="l"/>
+                <a:tab pos="5776595" algn="r"/>
+              </a:tabLst>
+            </a:pPr>
+            <a:endParaRPr lang="en-US" sz="1800" dirty="0">
+              <a:effectLst/>
+              <a:latin typeface="Times New Roman" panose="02020603050405020304" pitchFamily="18" charset="0"/>
+              <a:ea typeface="SimSun" panose="02010600030101010101" pitchFamily="2" charset="-122"/>
+            </a:endParaRPr>
+          </a:p>
+          <a:p>
+            <a:pPr marR="0" lvl="0">
+              <a:spcBef>
+                <a:spcPts val="975"/>
+              </a:spcBef>
+              <a:spcAft>
+                <a:spcPts val="0"/>
+              </a:spcAft>
+              <a:tabLst>
+                <a:tab pos="365760" algn="l"/>
+                <a:tab pos="5776595" algn="r"/>
+              </a:tabLst>
+            </a:pPr>
+            <a:endParaRPr lang="en-US" dirty="0">
+              <a:latin typeface="Times New Roman" panose="02020603050405020304" pitchFamily="18" charset="0"/>
+              <a:ea typeface="SimSun" panose="02010600030101010101" pitchFamily="2" charset="-122"/>
+            </a:endParaRPr>
+          </a:p>
+          <a:p>
+            <a:pPr marR="0" lvl="0">
+              <a:spcBef>
+                <a:spcPts val="975"/>
+              </a:spcBef>
+              <a:spcAft>
+                <a:spcPts val="0"/>
+              </a:spcAft>
+              <a:tabLst>
+                <a:tab pos="365760" algn="l"/>
+                <a:tab pos="5776595" algn="r"/>
+              </a:tabLst>
+            </a:pPr>
+            <a:endParaRPr lang="en-US" sz="1800" dirty="0">
+              <a:effectLst/>
+              <a:latin typeface="Times New Roman" panose="02020603050405020304" pitchFamily="18" charset="0"/>
+              <a:ea typeface="Times New Roman" panose="02020603050405020304" pitchFamily="18" charset="0"/>
+            </a:endParaRPr>
+          </a:p>
+          <a:p>
+            <a:pPr marL="365125" marR="0" indent="-226060">
+              <a:spcBef>
+                <a:spcPts val="975"/>
+              </a:spcBef>
+              <a:spcAft>
+                <a:spcPts val="0"/>
+              </a:spcAft>
+              <a:tabLst>
+                <a:tab pos="365760" algn="l"/>
+                <a:tab pos="5776595" algn="r"/>
+              </a:tabLst>
+            </a:pPr>
+            <a:r>
+              <a:rPr lang="en-US" sz="1800" b="1" dirty="0">
+                <a:effectLst/>
+                <a:latin typeface="Times New Roman" panose="02020603050405020304" pitchFamily="18" charset="0"/>
+                <a:ea typeface="SimSun" panose="02010600030101010101" pitchFamily="2" charset="-122"/>
+              </a:rPr>
+              <a:t>5. Player and Enemy Spawning:</a:t>
+            </a:r>
+          </a:p>
+          <a:p>
+            <a:pPr marL="365125" marR="0" indent="-226060">
+              <a:spcBef>
+                <a:spcPts val="975"/>
+              </a:spcBef>
+              <a:spcAft>
+                <a:spcPts val="0"/>
+              </a:spcAft>
+              <a:tabLst>
+                <a:tab pos="365760" algn="l"/>
+                <a:tab pos="5776595" algn="r"/>
+              </a:tabLst>
+            </a:pPr>
+            <a:endParaRPr lang="en-US" sz="1800" b="1" dirty="0">
+              <a:effectLst/>
+              <a:latin typeface="Times New Roman" panose="02020603050405020304" pitchFamily="18" charset="0"/>
+              <a:ea typeface="SimSun" panose="02010600030101010101" pitchFamily="2" charset="-122"/>
+            </a:endParaRPr>
+          </a:p>
+          <a:p>
+            <a:pPr marL="365125" marR="0" indent="-226060">
+              <a:spcBef>
+                <a:spcPts val="975"/>
+              </a:spcBef>
+              <a:spcAft>
+                <a:spcPts val="0"/>
+              </a:spcAft>
+              <a:tabLst>
+                <a:tab pos="365760" algn="l"/>
+                <a:tab pos="5776595" algn="r"/>
+              </a:tabLst>
+            </a:pPr>
+            <a:endParaRPr lang="en-US" sz="1800" b="1" dirty="0">
+              <a:effectLst/>
+              <a:latin typeface="Times New Roman" panose="02020603050405020304" pitchFamily="18" charset="0"/>
+              <a:ea typeface="SimSun" panose="02010600030101010101" pitchFamily="2" charset="-122"/>
+            </a:endParaRPr>
+          </a:p>
+        </p:txBody>
+      </p:sp>
       <p:pic>
         <p:nvPicPr>
-          <p:cNvPr id="3073" name="Picture 2">
+          <p:cNvPr id="6" name="Picture 5">
             <a:extLst>
               <a:ext uri="{FF2B5EF4-FFF2-40B4-BE49-F238E27FC236}">
-                <a16:creationId xmlns:a16="http://schemas.microsoft.com/office/drawing/2014/main" id="{A99CC2D4-6F61-9862-1B02-467204FE2363}"/>
+                <a16:creationId xmlns:a16="http://schemas.microsoft.com/office/drawing/2014/main" id="{CFDD3F74-BF9E-91FC-D9D4-B359B47C02AB}"/>
               </a:ext>
             </a:extLst>
           </p:cNvPr>
           <p:cNvPicPr>
-            <a:picLocks noChangeAspect="1" noChangeArrowheads="1"/>
+            <a:picLocks noChangeAspect="1"/>
           </p:cNvPicPr>
           <p:nvPr/>
         </p:nvPicPr>
         <p:blipFill>
-          <a:blip r:embed="rId2">
+          <a:blip r:embed="rId2"/>
+          <a:stretch>
+            <a:fillRect/>
+          </a:stretch>
+        </p:blipFill>
+        <p:spPr>
+          <a:xfrm>
+            <a:off x="609600" y="4648200"/>
+            <a:ext cx="5943600" cy="1352550"/>
+          </a:xfrm>
+          <a:prstGeom prst="rect">
+            <a:avLst/>
+          </a:prstGeom>
+        </p:spPr>
+      </p:pic>
+      <p:pic>
+        <p:nvPicPr>
+          <p:cNvPr id="7" name="Picture 6">
+            <a:extLst>
+              <a:ext uri="{FF2B5EF4-FFF2-40B4-BE49-F238E27FC236}">
+                <a16:creationId xmlns:a16="http://schemas.microsoft.com/office/drawing/2014/main" id="{E8971661-5774-B4FF-122C-6C4A5A7DDD7D}"/>
+              </a:ext>
+            </a:extLst>
+          </p:cNvPr>
+          <p:cNvPicPr>
+            <a:picLocks noChangeAspect="1"/>
+          </p:cNvPicPr>
+          <p:nvPr/>
+        </p:nvPicPr>
+        <p:blipFill>
+          <a:blip r:embed="rId3" cstate="print">
             <a:extLst>
               <a:ext uri="{28A0092B-C50C-407E-A947-70E740481C1C}">
                 <a14:useLocalDpi xmlns:a14="http://schemas.microsoft.com/office/drawing/2010/main" val="0"/>
@@ -2865,42 +3190,8 @@
         </p:blipFill>
         <p:spPr bwMode="auto">
           <a:xfrm>
-            <a:off x="685800" y="762000"/>
+            <a:off x="762000" y="6629400"/>
             <a:ext cx="5937250" cy="2546350"/>
-          </a:xfrm>
-          <a:prstGeom prst="rect">
-            <a:avLst/>
-          </a:prstGeom>
-          <a:noFill/>
-          <a:extLst>
-            <a:ext uri="{909E8E84-426E-40DD-AFC4-6F175D3DCCD1}">
-              <a14:hiddenFill xmlns:a14="http://schemas.microsoft.com/office/drawing/2010/main">
-                <a:solidFill>
-                  <a:srgbClr val="FFFFFF"/>
-                </a:solidFill>
-              </a14:hiddenFill>
-            </a:ext>
-          </a:extLst>
-        </p:spPr>
-      </p:pic>
-      <p:sp>
-        <p:nvSpPr>
-          <p:cNvPr id="4" name="Rectangle 3">
-            <a:extLst>
-              <a:ext uri="{FF2B5EF4-FFF2-40B4-BE49-F238E27FC236}">
-                <a16:creationId xmlns:a16="http://schemas.microsoft.com/office/drawing/2014/main" id="{4E2C014C-8BE1-0E14-2110-B980FEA1A653}"/>
-              </a:ext>
-            </a:extLst>
-          </p:cNvPr>
-          <p:cNvSpPr>
-            <a:spLocks noChangeArrowheads="1"/>
-          </p:cNvSpPr>
-          <p:nvPr/>
-        </p:nvSpPr>
-        <p:spPr bwMode="auto">
-          <a:xfrm>
-            <a:off x="381000" y="3576935"/>
-            <a:ext cx="6642100" cy="3970318"/>
           </a:xfrm>
           <a:prstGeom prst="rect">
             <a:avLst/>
@@ -2909,704 +3200,8 @@
           <a:ln>
             <a:noFill/>
           </a:ln>
-          <a:effectLst/>
-          <a:extLst>
-            <a:ext uri="{909E8E84-426E-40DD-AFC4-6F175D3DCCD1}">
-              <a14:hiddenFill xmlns:a14="http://schemas.microsoft.com/office/drawing/2010/main">
-                <a:solidFill>
-                  <a:schemeClr val="accent1"/>
-                </a:solidFill>
-              </a14:hiddenFill>
-            </a:ext>
-            <a:ext uri="{91240B29-F687-4F45-9708-019B960494DF}">
-              <a14:hiddenLine xmlns:a14="http://schemas.microsoft.com/office/drawing/2010/main" w="9525">
-                <a:solidFill>
-                  <a:schemeClr val="tx1"/>
-                </a:solidFill>
-                <a:miter lim="800000"/>
-                <a:headEnd/>
-                <a:tailEnd/>
-              </a14:hiddenLine>
-            </a:ext>
-            <a:ext uri="{AF507438-7753-43E0-B8FC-AC1667EBCBE1}">
-              <a14:hiddenEffects xmlns:a14="http://schemas.microsoft.com/office/drawing/2010/main">
-                <a:effectLst>
-                  <a:outerShdw dist="35921" dir="2700000" algn="ctr" rotWithShape="0">
-                    <a:schemeClr val="bg2"/>
-                  </a:outerShdw>
-                </a:effectLst>
-              </a14:hiddenEffects>
-            </a:ext>
-          </a:extLst>
         </p:spPr>
-        <p:txBody>
-          <a:bodyPr vert="horz" wrap="square" lIns="91440" tIns="45720" rIns="91440" bIns="45720" numCol="1" anchor="ctr" anchorCtr="0" compatLnSpc="1">
-            <a:prstTxWarp prst="textNoShape">
-              <a:avLst/>
-            </a:prstTxWarp>
-            <a:spAutoFit/>
-          </a:bodyPr>
-          <a:lstStyle>
-            <a:lvl1pPr eaLnBrk="0" fontAlgn="base" hangingPunct="0">
-              <a:spcBef>
-                <a:spcPct val="0"/>
-              </a:spcBef>
-              <a:spcAft>
-                <a:spcPct val="0"/>
-              </a:spcAft>
-              <a:tabLst>
-                <a:tab pos="365125" algn="l"/>
-                <a:tab pos="5776913" algn="r"/>
-              </a:tabLst>
-              <a:defRPr>
-                <a:solidFill>
-                  <a:schemeClr val="tx1"/>
-                </a:solidFill>
-                <a:latin typeface="Arial" panose="020B0604020202020204" pitchFamily="34" charset="0"/>
-              </a:defRPr>
-            </a:lvl1pPr>
-            <a:lvl2pPr eaLnBrk="0" fontAlgn="base" hangingPunct="0">
-              <a:spcBef>
-                <a:spcPct val="0"/>
-              </a:spcBef>
-              <a:spcAft>
-                <a:spcPct val="0"/>
-              </a:spcAft>
-              <a:tabLst>
-                <a:tab pos="365125" algn="l"/>
-                <a:tab pos="5776913" algn="r"/>
-              </a:tabLst>
-              <a:defRPr>
-                <a:solidFill>
-                  <a:schemeClr val="tx1"/>
-                </a:solidFill>
-                <a:latin typeface="Arial" panose="020B0604020202020204" pitchFamily="34" charset="0"/>
-              </a:defRPr>
-            </a:lvl2pPr>
-            <a:lvl3pPr eaLnBrk="0" fontAlgn="base" hangingPunct="0">
-              <a:spcBef>
-                <a:spcPct val="0"/>
-              </a:spcBef>
-              <a:spcAft>
-                <a:spcPct val="0"/>
-              </a:spcAft>
-              <a:tabLst>
-                <a:tab pos="365125" algn="l"/>
-                <a:tab pos="5776913" algn="r"/>
-              </a:tabLst>
-              <a:defRPr>
-                <a:solidFill>
-                  <a:schemeClr val="tx1"/>
-                </a:solidFill>
-                <a:latin typeface="Arial" panose="020B0604020202020204" pitchFamily="34" charset="0"/>
-              </a:defRPr>
-            </a:lvl3pPr>
-            <a:lvl4pPr eaLnBrk="0" fontAlgn="base" hangingPunct="0">
-              <a:spcBef>
-                <a:spcPct val="0"/>
-              </a:spcBef>
-              <a:spcAft>
-                <a:spcPct val="0"/>
-              </a:spcAft>
-              <a:tabLst>
-                <a:tab pos="365125" algn="l"/>
-                <a:tab pos="5776913" algn="r"/>
-              </a:tabLst>
-              <a:defRPr>
-                <a:solidFill>
-                  <a:schemeClr val="tx1"/>
-                </a:solidFill>
-                <a:latin typeface="Arial" panose="020B0604020202020204" pitchFamily="34" charset="0"/>
-              </a:defRPr>
-            </a:lvl4pPr>
-            <a:lvl5pPr eaLnBrk="0" fontAlgn="base" hangingPunct="0">
-              <a:spcBef>
-                <a:spcPct val="0"/>
-              </a:spcBef>
-              <a:spcAft>
-                <a:spcPct val="0"/>
-              </a:spcAft>
-              <a:tabLst>
-                <a:tab pos="365125" algn="l"/>
-                <a:tab pos="5776913" algn="r"/>
-              </a:tabLst>
-              <a:defRPr>
-                <a:solidFill>
-                  <a:schemeClr val="tx1"/>
-                </a:solidFill>
-                <a:latin typeface="Arial" panose="020B0604020202020204" pitchFamily="34" charset="0"/>
-              </a:defRPr>
-            </a:lvl5pPr>
-            <a:lvl6pPr eaLnBrk="0" fontAlgn="base" hangingPunct="0">
-              <a:spcBef>
-                <a:spcPct val="0"/>
-              </a:spcBef>
-              <a:spcAft>
-                <a:spcPct val="0"/>
-              </a:spcAft>
-              <a:tabLst>
-                <a:tab pos="365125" algn="l"/>
-                <a:tab pos="5776913" algn="r"/>
-              </a:tabLst>
-              <a:defRPr>
-                <a:solidFill>
-                  <a:schemeClr val="tx1"/>
-                </a:solidFill>
-                <a:latin typeface="Arial" panose="020B0604020202020204" pitchFamily="34" charset="0"/>
-              </a:defRPr>
-            </a:lvl6pPr>
-            <a:lvl7pPr eaLnBrk="0" fontAlgn="base" hangingPunct="0">
-              <a:spcBef>
-                <a:spcPct val="0"/>
-              </a:spcBef>
-              <a:spcAft>
-                <a:spcPct val="0"/>
-              </a:spcAft>
-              <a:tabLst>
-                <a:tab pos="365125" algn="l"/>
-                <a:tab pos="5776913" algn="r"/>
-              </a:tabLst>
-              <a:defRPr>
-                <a:solidFill>
-                  <a:schemeClr val="tx1"/>
-                </a:solidFill>
-                <a:latin typeface="Arial" panose="020B0604020202020204" pitchFamily="34" charset="0"/>
-              </a:defRPr>
-            </a:lvl7pPr>
-            <a:lvl8pPr eaLnBrk="0" fontAlgn="base" hangingPunct="0">
-              <a:spcBef>
-                <a:spcPct val="0"/>
-              </a:spcBef>
-              <a:spcAft>
-                <a:spcPct val="0"/>
-              </a:spcAft>
-              <a:tabLst>
-                <a:tab pos="365125" algn="l"/>
-                <a:tab pos="5776913" algn="r"/>
-              </a:tabLst>
-              <a:defRPr>
-                <a:solidFill>
-                  <a:schemeClr val="tx1"/>
-                </a:solidFill>
-                <a:latin typeface="Arial" panose="020B0604020202020204" pitchFamily="34" charset="0"/>
-              </a:defRPr>
-            </a:lvl8pPr>
-            <a:lvl9pPr eaLnBrk="0" fontAlgn="base" hangingPunct="0">
-              <a:spcBef>
-                <a:spcPct val="0"/>
-              </a:spcBef>
-              <a:spcAft>
-                <a:spcPct val="0"/>
-              </a:spcAft>
-              <a:tabLst>
-                <a:tab pos="365125" algn="l"/>
-                <a:tab pos="5776913" algn="r"/>
-              </a:tabLst>
-              <a:defRPr>
-                <a:solidFill>
-                  <a:schemeClr val="tx1"/>
-                </a:solidFill>
-                <a:latin typeface="Arial" panose="020B0604020202020204" pitchFamily="34" charset="0"/>
-              </a:defRPr>
-            </a:lvl9pPr>
-          </a:lstStyle>
-          <a:p>
-            <a:pPr marL="0" marR="0" lvl="0" indent="0" algn="l" defTabSz="914400" rtl="0" eaLnBrk="0" fontAlgn="base" latinLnBrk="0" hangingPunct="0">
-              <a:lnSpc>
-                <a:spcPct val="100000"/>
-              </a:lnSpc>
-              <a:spcBef>
-                <a:spcPct val="0"/>
-              </a:spcBef>
-              <a:spcAft>
-                <a:spcPct val="0"/>
-              </a:spcAft>
-              <a:buClrTx/>
-              <a:buSzTx/>
-              <a:buFontTx/>
-              <a:buChar char="•"/>
-              <a:tabLst>
-                <a:tab pos="365125" algn="l"/>
-                <a:tab pos="5776913" algn="r"/>
-              </a:tabLst>
-            </a:pPr>
-            <a:r>
-              <a:rPr kumimoji="0" lang="en-US" altLang="zh-CN" sz="1400" b="0" i="0" u="none" strike="noStrike" cap="none" normalizeH="0" baseline="0" dirty="0">
-                <a:ln>
-                  <a:noFill/>
-                </a:ln>
-                <a:solidFill>
-                  <a:schemeClr val="tx1"/>
-                </a:solidFill>
-                <a:effectLst/>
-                <a:latin typeface="Arial" panose="020B0604020202020204" pitchFamily="34" charset="0"/>
-                <a:ea typeface="SimSun" panose="02010600030101010101" pitchFamily="2" charset="-122"/>
-              </a:rPr>
-              <a:t>Position spawn points for players and enemies strategically throughout the level.</a:t>
-            </a:r>
-            <a:endParaRPr kumimoji="0" lang="en-US" altLang="zh-CN" sz="1400" b="0" i="0" u="none" strike="noStrike" cap="none" normalizeH="0" baseline="0" dirty="0">
-              <a:ln>
-                <a:noFill/>
-              </a:ln>
-              <a:solidFill>
-                <a:schemeClr val="tx1"/>
-              </a:solidFill>
-              <a:effectLst/>
-              <a:latin typeface="Arial" panose="020B0604020202020204" pitchFamily="34" charset="0"/>
-            </a:endParaRPr>
-          </a:p>
-          <a:p>
-            <a:pPr marL="0" marR="0" lvl="0" indent="0" algn="l" defTabSz="914400" rtl="0" eaLnBrk="0" fontAlgn="base" latinLnBrk="0" hangingPunct="0">
-              <a:lnSpc>
-                <a:spcPct val="100000"/>
-              </a:lnSpc>
-              <a:spcBef>
-                <a:spcPct val="0"/>
-              </a:spcBef>
-              <a:spcAft>
-                <a:spcPct val="0"/>
-              </a:spcAft>
-              <a:buClrTx/>
-              <a:buSzTx/>
-              <a:buFontTx/>
-              <a:buChar char="•"/>
-              <a:tabLst>
-                <a:tab pos="365125" algn="l"/>
-                <a:tab pos="5776913" algn="r"/>
-              </a:tabLst>
-            </a:pPr>
-            <a:r>
-              <a:rPr kumimoji="0" lang="en-US" altLang="zh-CN" sz="1400" b="0" i="0" u="none" strike="noStrike" cap="none" normalizeH="0" baseline="0" dirty="0">
-                <a:ln>
-                  <a:noFill/>
-                </a:ln>
-                <a:solidFill>
-                  <a:schemeClr val="tx1"/>
-                </a:solidFill>
-                <a:effectLst/>
-                <a:latin typeface="Arial" panose="020B0604020202020204" pitchFamily="34" charset="0"/>
-                <a:ea typeface="SimSun" panose="02010600030101010101" pitchFamily="2" charset="-122"/>
-              </a:rPr>
-              <a:t>Ensure spawn points are placed in safe locations for players and provide sufficient cover to avoid spawn camping.</a:t>
-            </a:r>
-            <a:endParaRPr kumimoji="0" lang="en-US" altLang="zh-CN" sz="1400" b="0" i="0" u="none" strike="noStrike" cap="none" normalizeH="0" baseline="0" dirty="0">
-              <a:ln>
-                <a:noFill/>
-              </a:ln>
-              <a:solidFill>
-                <a:schemeClr val="tx1"/>
-              </a:solidFill>
-              <a:effectLst/>
-              <a:latin typeface="Arial" panose="020B0604020202020204" pitchFamily="34" charset="0"/>
-            </a:endParaRPr>
-          </a:p>
-          <a:p>
-            <a:pPr marL="0" marR="0" lvl="0" indent="0" algn="l" defTabSz="914400" rtl="0" eaLnBrk="0" fontAlgn="base" latinLnBrk="0" hangingPunct="0">
-              <a:lnSpc>
-                <a:spcPct val="100000"/>
-              </a:lnSpc>
-              <a:spcBef>
-                <a:spcPct val="0"/>
-              </a:spcBef>
-              <a:spcAft>
-                <a:spcPct val="0"/>
-              </a:spcAft>
-              <a:buClrTx/>
-              <a:buSzTx/>
-              <a:buFontTx/>
-              <a:buChar char="•"/>
-              <a:tabLst>
-                <a:tab pos="365125" algn="l"/>
-                <a:tab pos="5776913" algn="r"/>
-              </a:tabLst>
-            </a:pPr>
-            <a:r>
-              <a:rPr kumimoji="0" lang="en-US" altLang="zh-CN" sz="1400" b="0" i="0" u="none" strike="noStrike" cap="none" normalizeH="0" baseline="0" dirty="0">
-                <a:ln>
-                  <a:noFill/>
-                </a:ln>
-                <a:solidFill>
-                  <a:schemeClr val="tx1"/>
-                </a:solidFill>
-                <a:effectLst/>
-                <a:latin typeface="Arial" panose="020B0604020202020204" pitchFamily="34" charset="0"/>
-                <a:ea typeface="SimSun" panose="02010600030101010101" pitchFamily="2" charset="-122"/>
-              </a:rPr>
-              <a:t>Implement spawning logic to dynamically generate enemies based on player proximity or predefined triggers.</a:t>
-            </a:r>
-            <a:endParaRPr kumimoji="0" lang="en-US" altLang="zh-CN" sz="1400" b="0" i="0" u="none" strike="noStrike" cap="none" normalizeH="0" baseline="0" dirty="0">
-              <a:ln>
-                <a:noFill/>
-              </a:ln>
-              <a:solidFill>
-                <a:schemeClr val="tx1"/>
-              </a:solidFill>
-              <a:effectLst/>
-              <a:latin typeface="Arial" panose="020B0604020202020204" pitchFamily="34" charset="0"/>
-            </a:endParaRPr>
-          </a:p>
-          <a:p>
-            <a:pPr marL="0" marR="0" lvl="0" indent="0" algn="l" defTabSz="914400" rtl="0" eaLnBrk="0" fontAlgn="base" latinLnBrk="0" hangingPunct="0">
-              <a:lnSpc>
-                <a:spcPct val="100000"/>
-              </a:lnSpc>
-              <a:spcBef>
-                <a:spcPct val="0"/>
-              </a:spcBef>
-              <a:spcAft>
-                <a:spcPct val="0"/>
-              </a:spcAft>
-              <a:buClrTx/>
-              <a:buSzTx/>
-              <a:buFontTx/>
-              <a:buNone/>
-              <a:tabLst>
-                <a:tab pos="365125" algn="l"/>
-                <a:tab pos="5776913" algn="r"/>
-              </a:tabLst>
-            </a:pPr>
-            <a:r>
-              <a:rPr kumimoji="0" lang="en-US" altLang="zh-CN" sz="1400" b="1" i="0" u="none" strike="noStrike" cap="none" normalizeH="0" baseline="0" dirty="0">
-                <a:ln>
-                  <a:noFill/>
-                </a:ln>
-                <a:solidFill>
-                  <a:schemeClr val="tx1"/>
-                </a:solidFill>
-                <a:effectLst/>
-                <a:latin typeface="Arial" panose="020B0604020202020204" pitchFamily="34" charset="0"/>
-                <a:ea typeface="SimSun" panose="02010600030101010101" pitchFamily="2" charset="-122"/>
-              </a:rPr>
-              <a:t>6. Weapon and Ammo Placement:</a:t>
-            </a:r>
-            <a:endParaRPr kumimoji="0" lang="en-US" altLang="zh-CN" sz="1400" b="0" i="0" u="none" strike="noStrike" cap="none" normalizeH="0" baseline="0" dirty="0">
-              <a:ln>
-                <a:noFill/>
-              </a:ln>
-              <a:solidFill>
-                <a:schemeClr val="tx1"/>
-              </a:solidFill>
-              <a:effectLst/>
-              <a:latin typeface="Arial" panose="020B0604020202020204" pitchFamily="34" charset="0"/>
-            </a:endParaRPr>
-          </a:p>
-          <a:p>
-            <a:pPr marL="0" marR="0" lvl="0" indent="0" algn="l" defTabSz="914400" rtl="0" eaLnBrk="0" fontAlgn="base" latinLnBrk="0" hangingPunct="0">
-              <a:lnSpc>
-                <a:spcPct val="100000"/>
-              </a:lnSpc>
-              <a:spcBef>
-                <a:spcPct val="0"/>
-              </a:spcBef>
-              <a:spcAft>
-                <a:spcPct val="0"/>
-              </a:spcAft>
-              <a:buClrTx/>
-              <a:buSzTx/>
-              <a:buFontTx/>
-              <a:buChar char="•"/>
-              <a:tabLst>
-                <a:tab pos="365125" algn="l"/>
-                <a:tab pos="5776913" algn="r"/>
-              </a:tabLst>
-            </a:pPr>
-            <a:r>
-              <a:rPr kumimoji="0" lang="en-US" altLang="zh-CN" sz="1400" b="0" i="0" u="none" strike="noStrike" cap="none" normalizeH="0" baseline="0" dirty="0">
-                <a:ln>
-                  <a:noFill/>
-                </a:ln>
-                <a:solidFill>
-                  <a:schemeClr val="tx1"/>
-                </a:solidFill>
-                <a:effectLst/>
-                <a:latin typeface="Arial" panose="020B0604020202020204" pitchFamily="34" charset="0"/>
-                <a:ea typeface="SimSun" panose="02010600030101010101" pitchFamily="2" charset="-122"/>
-              </a:rPr>
-              <a:t>Scatter weapon pickups and ammo crates across the level to supply players with firepower and ammunition.</a:t>
-            </a:r>
-            <a:endParaRPr kumimoji="0" lang="en-US" altLang="zh-CN" sz="1400" b="0" i="0" u="none" strike="noStrike" cap="none" normalizeH="0" baseline="0" dirty="0">
-              <a:ln>
-                <a:noFill/>
-              </a:ln>
-              <a:solidFill>
-                <a:schemeClr val="tx1"/>
-              </a:solidFill>
-              <a:effectLst/>
-              <a:latin typeface="Arial" panose="020B0604020202020204" pitchFamily="34" charset="0"/>
-            </a:endParaRPr>
-          </a:p>
-          <a:p>
-            <a:pPr marL="0" marR="0" lvl="0" indent="0" algn="l" defTabSz="914400" rtl="0" eaLnBrk="0" fontAlgn="base" latinLnBrk="0" hangingPunct="0">
-              <a:lnSpc>
-                <a:spcPct val="100000"/>
-              </a:lnSpc>
-              <a:spcBef>
-                <a:spcPct val="0"/>
-              </a:spcBef>
-              <a:spcAft>
-                <a:spcPct val="0"/>
-              </a:spcAft>
-              <a:buClrTx/>
-              <a:buSzTx/>
-              <a:buFontTx/>
-              <a:buChar char="•"/>
-              <a:tabLst>
-                <a:tab pos="365125" algn="l"/>
-                <a:tab pos="5776913" algn="r"/>
-              </a:tabLst>
-            </a:pPr>
-            <a:r>
-              <a:rPr kumimoji="0" lang="en-US" altLang="zh-CN" sz="1400" b="0" i="0" u="none" strike="noStrike" cap="none" normalizeH="0" baseline="0" dirty="0">
-                <a:ln>
-                  <a:noFill/>
-                </a:ln>
-                <a:solidFill>
-                  <a:schemeClr val="tx1"/>
-                </a:solidFill>
-                <a:effectLst/>
-                <a:latin typeface="Arial" panose="020B0604020202020204" pitchFamily="34" charset="0"/>
-                <a:ea typeface="SimSun" panose="02010600030101010101" pitchFamily="2" charset="-122"/>
-              </a:rPr>
-              <a:t>Distribute weapons strategically to encourage exploration and risk-reward decisions.</a:t>
-            </a:r>
-            <a:endParaRPr kumimoji="0" lang="en-US" altLang="zh-CN" sz="1400" b="0" i="0" u="none" strike="noStrike" cap="none" normalizeH="0" baseline="0" dirty="0">
-              <a:ln>
-                <a:noFill/>
-              </a:ln>
-              <a:solidFill>
-                <a:schemeClr val="tx1"/>
-              </a:solidFill>
-              <a:effectLst/>
-              <a:latin typeface="Arial" panose="020B0604020202020204" pitchFamily="34" charset="0"/>
-            </a:endParaRPr>
-          </a:p>
-          <a:p>
-            <a:pPr marL="0" marR="0" lvl="0" indent="0" algn="l" defTabSz="914400" rtl="0" eaLnBrk="0" fontAlgn="base" latinLnBrk="0" hangingPunct="0">
-              <a:lnSpc>
-                <a:spcPct val="100000"/>
-              </a:lnSpc>
-              <a:spcBef>
-                <a:spcPct val="0"/>
-              </a:spcBef>
-              <a:spcAft>
-                <a:spcPct val="0"/>
-              </a:spcAft>
-              <a:buClrTx/>
-              <a:buSzTx/>
-              <a:buFontTx/>
-              <a:buChar char="•"/>
-              <a:tabLst>
-                <a:tab pos="365125" algn="l"/>
-                <a:tab pos="5776913" algn="r"/>
-              </a:tabLst>
-            </a:pPr>
-            <a:r>
-              <a:rPr kumimoji="0" lang="en-US" altLang="zh-CN" sz="1400" b="0" i="0" u="none" strike="noStrike" cap="none" normalizeH="0" baseline="0" dirty="0">
-                <a:ln>
-                  <a:noFill/>
-                </a:ln>
-                <a:solidFill>
-                  <a:schemeClr val="tx1"/>
-                </a:solidFill>
-                <a:effectLst/>
-                <a:latin typeface="Arial" panose="020B0604020202020204" pitchFamily="34" charset="0"/>
-                <a:ea typeface="SimSun" panose="02010600030101010101" pitchFamily="2" charset="-122"/>
-              </a:rPr>
-              <a:t>Use scripting to respawn weapons and ammo over time or upon player interaction.</a:t>
-            </a:r>
-            <a:endParaRPr kumimoji="0" lang="en-US" altLang="zh-CN" sz="1400" b="0" i="0" u="none" strike="noStrike" cap="none" normalizeH="0" baseline="0" dirty="0">
-              <a:ln>
-                <a:noFill/>
-              </a:ln>
-              <a:solidFill>
-                <a:schemeClr val="tx1"/>
-              </a:solidFill>
-              <a:effectLst/>
-              <a:latin typeface="Arial" panose="020B0604020202020204" pitchFamily="34" charset="0"/>
-            </a:endParaRPr>
-          </a:p>
-          <a:p>
-            <a:pPr marL="0" marR="0" lvl="0" indent="0" algn="l" defTabSz="914400" rtl="0" eaLnBrk="0" fontAlgn="base" latinLnBrk="0" hangingPunct="0">
-              <a:lnSpc>
-                <a:spcPct val="100000"/>
-              </a:lnSpc>
-              <a:spcBef>
-                <a:spcPct val="0"/>
-              </a:spcBef>
-              <a:spcAft>
-                <a:spcPct val="0"/>
-              </a:spcAft>
-              <a:buClrTx/>
-              <a:buSzTx/>
-              <a:buFontTx/>
-              <a:buNone/>
-              <a:tabLst>
-                <a:tab pos="365125" algn="l"/>
-                <a:tab pos="5776913" algn="r"/>
-              </a:tabLst>
-            </a:pPr>
-            <a:r>
-              <a:rPr kumimoji="0" lang="en-US" altLang="zh-CN" sz="1400" b="1" i="0" u="none" strike="noStrike" cap="none" normalizeH="0" baseline="0" dirty="0">
-                <a:ln>
-                  <a:noFill/>
-                </a:ln>
-                <a:solidFill>
-                  <a:schemeClr val="tx1"/>
-                </a:solidFill>
-                <a:effectLst/>
-                <a:latin typeface="Arial" panose="020B0604020202020204" pitchFamily="34" charset="0"/>
-                <a:ea typeface="SimSun" panose="02010600030101010101" pitchFamily="2" charset="-122"/>
-              </a:rPr>
-              <a:t>7. Navigation and Pathfinding:</a:t>
-            </a:r>
-            <a:endParaRPr kumimoji="0" lang="en-US" altLang="zh-CN" sz="1400" b="0" i="0" u="none" strike="noStrike" cap="none" normalizeH="0" baseline="0" dirty="0">
-              <a:ln>
-                <a:noFill/>
-              </a:ln>
-              <a:solidFill>
-                <a:schemeClr val="tx1"/>
-              </a:solidFill>
-              <a:effectLst/>
-              <a:latin typeface="Arial" panose="020B0604020202020204" pitchFamily="34" charset="0"/>
-            </a:endParaRPr>
-          </a:p>
-          <a:p>
-            <a:pPr marL="0" marR="0" lvl="0" indent="0" algn="l" defTabSz="914400" rtl="0" eaLnBrk="0" fontAlgn="base" latinLnBrk="0" hangingPunct="0">
-              <a:lnSpc>
-                <a:spcPct val="100000"/>
-              </a:lnSpc>
-              <a:spcBef>
-                <a:spcPct val="0"/>
-              </a:spcBef>
-              <a:spcAft>
-                <a:spcPct val="0"/>
-              </a:spcAft>
-              <a:buClrTx/>
-              <a:buSzTx/>
-              <a:buFontTx/>
-              <a:buChar char="•"/>
-              <a:tabLst>
-                <a:tab pos="365125" algn="l"/>
-                <a:tab pos="5776913" algn="r"/>
-              </a:tabLst>
-            </a:pPr>
-            <a:r>
-              <a:rPr kumimoji="0" lang="en-US" altLang="zh-CN" sz="1400" b="0" i="0" u="none" strike="noStrike" cap="none" normalizeH="0" baseline="0" dirty="0">
-                <a:ln>
-                  <a:noFill/>
-                </a:ln>
-                <a:solidFill>
-                  <a:schemeClr val="tx1"/>
-                </a:solidFill>
-                <a:effectLst/>
-                <a:latin typeface="Arial" panose="020B0604020202020204" pitchFamily="34" charset="0"/>
-                <a:ea typeface="SimSun" panose="02010600030101010101" pitchFamily="2" charset="-122"/>
-              </a:rPr>
-              <a:t>Set up navigation meshes or waypoints to enable AI-controlled enemies to navigate the environment intelligently.</a:t>
-            </a:r>
-            <a:endParaRPr kumimoji="0" lang="en-US" altLang="zh-CN" sz="1400" b="0" i="0" u="none" strike="noStrike" cap="none" normalizeH="0" baseline="0" dirty="0">
-              <a:ln>
-                <a:noFill/>
-              </a:ln>
-              <a:solidFill>
-                <a:schemeClr val="tx1"/>
-              </a:solidFill>
-              <a:effectLst/>
-              <a:latin typeface="Arial" panose="020B0604020202020204" pitchFamily="34" charset="0"/>
-            </a:endParaRPr>
-          </a:p>
-          <a:p>
-            <a:pPr marL="0" marR="0" lvl="0" indent="0" algn="l" defTabSz="914400" rtl="0" eaLnBrk="0" fontAlgn="base" latinLnBrk="0" hangingPunct="0">
-              <a:lnSpc>
-                <a:spcPct val="100000"/>
-              </a:lnSpc>
-              <a:spcBef>
-                <a:spcPct val="0"/>
-              </a:spcBef>
-              <a:spcAft>
-                <a:spcPct val="0"/>
-              </a:spcAft>
-              <a:buClrTx/>
-              <a:buSzTx/>
-              <a:buFontTx/>
-              <a:buChar char="•"/>
-              <a:tabLst>
-                <a:tab pos="365125" algn="l"/>
-                <a:tab pos="5776913" algn="r"/>
-              </a:tabLst>
-            </a:pPr>
-            <a:r>
-              <a:rPr kumimoji="0" lang="en-US" altLang="zh-CN" sz="1400" b="0" i="0" u="none" strike="noStrike" cap="none" normalizeH="0" baseline="0" dirty="0">
-                <a:ln>
-                  <a:noFill/>
-                </a:ln>
-                <a:solidFill>
-                  <a:schemeClr val="tx1"/>
-                </a:solidFill>
-                <a:effectLst/>
-                <a:latin typeface="Arial" panose="020B0604020202020204" pitchFamily="34" charset="0"/>
-                <a:ea typeface="SimSun" panose="02010600030101010101" pitchFamily="2" charset="-122"/>
-              </a:rPr>
-              <a:t>Implement pathfinding algorithms (e.g., A* algorithm) to calculate optimal routes for enemies to pursue players or patrol designated areas.</a:t>
-            </a:r>
-            <a:endParaRPr kumimoji="0" lang="en-US" altLang="zh-CN" sz="1400" b="0" i="0" u="none" strike="noStrike" cap="none" normalizeH="0" baseline="0" dirty="0">
-              <a:ln>
-                <a:noFill/>
-              </a:ln>
-              <a:solidFill>
-                <a:schemeClr val="tx1"/>
-              </a:solidFill>
-              <a:effectLst/>
-              <a:latin typeface="Arial" panose="020B0604020202020204" pitchFamily="34" charset="0"/>
-            </a:endParaRPr>
-          </a:p>
-          <a:p>
-            <a:pPr marL="0" marR="0" lvl="0" indent="0" algn="l" defTabSz="914400" rtl="0" eaLnBrk="0" fontAlgn="base" latinLnBrk="0" hangingPunct="0">
-              <a:lnSpc>
-                <a:spcPct val="100000"/>
-              </a:lnSpc>
-              <a:spcBef>
-                <a:spcPct val="0"/>
-              </a:spcBef>
-              <a:spcAft>
-                <a:spcPct val="0"/>
-              </a:spcAft>
-              <a:buClrTx/>
-              <a:buSzTx/>
-              <a:buFontTx/>
-              <a:buNone/>
-              <a:tabLst>
-                <a:tab pos="365125" algn="l"/>
-                <a:tab pos="5776913" algn="r"/>
-              </a:tabLst>
-            </a:pPr>
-            <a:r>
-              <a:rPr kumimoji="0" lang="en-US" altLang="zh-CN" sz="1400" b="1" i="0" u="none" strike="noStrike" cap="none" normalizeH="0" baseline="0" dirty="0">
-                <a:ln>
-                  <a:noFill/>
-                </a:ln>
-                <a:solidFill>
-                  <a:schemeClr val="tx1"/>
-                </a:solidFill>
-                <a:effectLst/>
-                <a:latin typeface="Arial" panose="020B0604020202020204" pitchFamily="34" charset="0"/>
-                <a:ea typeface="SimSun" panose="02010600030101010101" pitchFamily="2" charset="-122"/>
-              </a:rPr>
-              <a:t>8. Audio Integration:</a:t>
-            </a:r>
-            <a:endParaRPr kumimoji="0" lang="en-US" altLang="zh-CN" sz="1400" b="0" i="0" u="none" strike="noStrike" cap="none" normalizeH="0" baseline="0" dirty="0">
-              <a:ln>
-                <a:noFill/>
-              </a:ln>
-              <a:solidFill>
-                <a:schemeClr val="tx1"/>
-              </a:solidFill>
-              <a:effectLst/>
-              <a:latin typeface="Arial" panose="020B0604020202020204" pitchFamily="34" charset="0"/>
-            </a:endParaRPr>
-          </a:p>
-        </p:txBody>
-      </p:sp>
+      </p:pic>
     </p:spTree>
   </p:cSld>
   <p:clrMapOvr>
@@ -3654,6 +3249,317 @@
           <a:chExt cx="0" cy="0"/>
         </a:xfrm>
       </p:grpSpPr>
+      <p:sp>
+        <p:nvSpPr>
+          <p:cNvPr id="3" name="TextBox 2">
+            <a:extLst>
+              <a:ext uri="{FF2B5EF4-FFF2-40B4-BE49-F238E27FC236}">
+                <a16:creationId xmlns:a16="http://schemas.microsoft.com/office/drawing/2014/main" id="{C4D75C12-8829-0C69-A1E5-1A19F123D8CC}"/>
+              </a:ext>
+            </a:extLst>
+          </p:cNvPr>
+          <p:cNvSpPr txBox="1"/>
+          <p:nvPr/>
+        </p:nvSpPr>
+        <p:spPr>
+          <a:xfrm>
+            <a:off x="152400" y="304800"/>
+            <a:ext cx="7467600" cy="2169825"/>
+          </a:xfrm>
+          <a:prstGeom prst="rect">
+            <a:avLst/>
+          </a:prstGeom>
+          <a:noFill/>
+        </p:spPr>
+        <p:txBody>
+          <a:bodyPr wrap="square">
+            <a:spAutoFit/>
+          </a:bodyPr>
+          <a:lstStyle/>
+          <a:p>
+            <a:pPr marL="342900" lvl="0" indent="-342900">
+              <a:spcBef>
+                <a:spcPts val="975"/>
+              </a:spcBef>
+              <a:buFont typeface="+mj-lt"/>
+              <a:buAutoNum type="arabicPeriod" startAt="4"/>
+              <a:tabLst>
+                <a:tab pos="365760" algn="l"/>
+                <a:tab pos="5776595" algn="r"/>
+              </a:tabLst>
+            </a:pPr>
+            <a:r>
+              <a:rPr lang="en-IN" sz="3200" b="1" dirty="0">
+                <a:effectLst/>
+                <a:latin typeface="Times New Roman" panose="02020603050405020304" pitchFamily="18" charset="0"/>
+                <a:ea typeface="SimSun" panose="02010600030101010101" pitchFamily="2" charset="-122"/>
+              </a:rPr>
+              <a:t> </a:t>
+            </a:r>
+            <a:r>
+              <a:rPr lang="en-US" sz="3200" b="1" u="sng" dirty="0">
+                <a:effectLst/>
+                <a:latin typeface="Times New Roman" panose="02020603050405020304" pitchFamily="18" charset="0"/>
+                <a:ea typeface="SimSun" panose="02010600030101010101" pitchFamily="2" charset="-122"/>
+              </a:rPr>
+              <a:t>Player Controller Setup:</a:t>
+            </a:r>
+            <a:endParaRPr lang="en-IN" sz="1600" dirty="0">
+              <a:effectLst/>
+              <a:latin typeface="Times New Roman" panose="02020603050405020304" pitchFamily="18" charset="0"/>
+              <a:ea typeface="Times New Roman" panose="02020603050405020304" pitchFamily="18" charset="0"/>
+            </a:endParaRPr>
+          </a:p>
+          <a:p>
+            <a:pPr marL="342900" indent="-226060">
+              <a:spcBef>
+                <a:spcPts val="975"/>
+              </a:spcBef>
+              <a:tabLst>
+                <a:tab pos="365760" algn="l"/>
+                <a:tab pos="5776595" algn="r"/>
+              </a:tabLst>
+            </a:pPr>
+            <a:r>
+              <a:rPr lang="en-US" sz="2400" b="1" dirty="0">
+                <a:effectLst/>
+                <a:latin typeface="Times New Roman" panose="02020603050405020304" pitchFamily="18" charset="0"/>
+                <a:ea typeface="SimSun" panose="02010600030101010101" pitchFamily="2" charset="-122"/>
+              </a:rPr>
+              <a:t>Character Controller component reference</a:t>
+            </a:r>
+            <a:endParaRPr lang="en-IN" sz="1600" dirty="0">
+              <a:effectLst/>
+              <a:latin typeface="Times New Roman" panose="02020603050405020304" pitchFamily="18" charset="0"/>
+              <a:ea typeface="Times New Roman" panose="02020603050405020304" pitchFamily="18" charset="0"/>
+            </a:endParaRPr>
+          </a:p>
+          <a:p>
+            <a:pPr marL="342900" indent="-226060">
+              <a:spcBef>
+                <a:spcPts val="975"/>
+              </a:spcBef>
+              <a:tabLst>
+                <a:tab pos="365760" algn="l"/>
+                <a:tab pos="5776595" algn="r"/>
+              </a:tabLst>
+            </a:pPr>
+            <a:r>
+              <a:rPr lang="en-US" sz="1800" b="1" dirty="0">
+                <a:effectLst/>
+                <a:latin typeface="Times New Roman" panose="02020603050405020304" pitchFamily="18" charset="0"/>
+                <a:ea typeface="SimSun" panose="02010600030101010101" pitchFamily="2" charset="-122"/>
+              </a:rPr>
+              <a:t>SWITCH TO SCRIPTING</a:t>
+            </a:r>
+            <a:endParaRPr lang="en-IN" sz="1600" dirty="0">
+              <a:effectLst/>
+              <a:latin typeface="Times New Roman" panose="02020603050405020304" pitchFamily="18" charset="0"/>
+              <a:ea typeface="Times New Roman" panose="02020603050405020304" pitchFamily="18" charset="0"/>
+            </a:endParaRPr>
+          </a:p>
+          <a:p>
+            <a:pPr marL="342900" indent="-226060">
+              <a:spcBef>
+                <a:spcPts val="975"/>
+              </a:spcBef>
+              <a:tabLst>
+                <a:tab pos="365760" algn="l"/>
+                <a:tab pos="5776595" algn="r"/>
+              </a:tabLst>
+            </a:pPr>
+            <a:r>
+              <a:rPr lang="en-US" sz="1800" dirty="0">
+                <a:effectLst/>
+                <a:latin typeface="Times New Roman" panose="02020603050405020304" pitchFamily="18" charset="0"/>
+                <a:ea typeface="SimSun" panose="02010600030101010101" pitchFamily="2" charset="-122"/>
+              </a:rPr>
+              <a:t>   The Character Controller is mainly used for third-person or first-person player control that does not make use of Rigid body physics.</a:t>
+            </a:r>
+            <a:endParaRPr lang="en-IN" sz="1600" dirty="0">
+              <a:effectLst/>
+              <a:latin typeface="Times New Roman" panose="02020603050405020304" pitchFamily="18" charset="0"/>
+              <a:ea typeface="Times New Roman" panose="02020603050405020304" pitchFamily="18" charset="0"/>
+            </a:endParaRPr>
+          </a:p>
+        </p:txBody>
+      </p:sp>
+      <p:pic>
+        <p:nvPicPr>
+          <p:cNvPr id="4" name="Picture 3" descr="A screenshot of a video game&#10;&#10;Description automatically generated">
+            <a:extLst>
+              <a:ext uri="{FF2B5EF4-FFF2-40B4-BE49-F238E27FC236}">
+                <a16:creationId xmlns:a16="http://schemas.microsoft.com/office/drawing/2014/main" id="{CD37EB9C-93A5-6D98-A88E-D5E93FBCE9B5}"/>
+              </a:ext>
+            </a:extLst>
+          </p:cNvPr>
+          <p:cNvPicPr>
+            <a:picLocks noChangeAspect="1"/>
+          </p:cNvPicPr>
+          <p:nvPr/>
+        </p:nvPicPr>
+        <p:blipFill>
+          <a:blip r:embed="rId3"/>
+          <a:stretch>
+            <a:fillRect/>
+          </a:stretch>
+        </p:blipFill>
+        <p:spPr>
+          <a:xfrm>
+            <a:off x="533400" y="2667000"/>
+            <a:ext cx="6934200" cy="2514600"/>
+          </a:xfrm>
+          <a:prstGeom prst="rect">
+            <a:avLst/>
+          </a:prstGeom>
+        </p:spPr>
+      </p:pic>
+      <p:sp>
+        <p:nvSpPr>
+          <p:cNvPr id="6" name="TextBox 5">
+            <a:extLst>
+              <a:ext uri="{FF2B5EF4-FFF2-40B4-BE49-F238E27FC236}">
+                <a16:creationId xmlns:a16="http://schemas.microsoft.com/office/drawing/2014/main" id="{80332CBC-9607-E07B-F0CB-BB44A8178122}"/>
+              </a:ext>
+            </a:extLst>
+          </p:cNvPr>
+          <p:cNvSpPr txBox="1"/>
+          <p:nvPr/>
+        </p:nvSpPr>
+        <p:spPr>
+          <a:xfrm>
+            <a:off x="320040" y="5358735"/>
+            <a:ext cx="7147560" cy="1549142"/>
+          </a:xfrm>
+          <a:prstGeom prst="rect">
+            <a:avLst/>
+          </a:prstGeom>
+          <a:noFill/>
+        </p:spPr>
+        <p:txBody>
+          <a:bodyPr wrap="square">
+            <a:spAutoFit/>
+          </a:bodyPr>
+          <a:lstStyle/>
+          <a:p>
+            <a:pPr marL="139065" indent="-226060">
+              <a:spcBef>
+                <a:spcPts val="975"/>
+              </a:spcBef>
+              <a:tabLst>
+                <a:tab pos="365760" algn="l"/>
+                <a:tab pos="5776595" algn="r"/>
+              </a:tabLst>
+            </a:pPr>
+            <a:r>
+              <a:rPr lang="en-US" sz="2400" b="1" dirty="0">
+                <a:effectLst/>
+                <a:latin typeface="Times New Roman" panose="02020603050405020304" pitchFamily="18" charset="0"/>
+                <a:ea typeface="SimSun" panose="02010600030101010101" pitchFamily="2" charset="-122"/>
+              </a:rPr>
+              <a:t>1. Creating the Player Controller Script:</a:t>
+            </a:r>
+            <a:endParaRPr lang="en-IN" sz="1600" dirty="0">
+              <a:effectLst/>
+              <a:latin typeface="Times New Roman" panose="02020603050405020304" pitchFamily="18" charset="0"/>
+              <a:ea typeface="Times New Roman" panose="02020603050405020304" pitchFamily="18" charset="0"/>
+            </a:endParaRPr>
+          </a:p>
+          <a:p>
+            <a:pPr marL="342900" lvl="0" indent="-342900">
+              <a:spcBef>
+                <a:spcPts val="975"/>
+              </a:spcBef>
+              <a:buFont typeface="Symbol" panose="05050102010706020507" pitchFamily="18" charset="2"/>
+              <a:buChar char=""/>
+              <a:tabLst>
+                <a:tab pos="365760" algn="l"/>
+                <a:tab pos="5776595" algn="r"/>
+              </a:tabLst>
+            </a:pPr>
+            <a:r>
+              <a:rPr lang="en-US" sz="1800" dirty="0">
+                <a:effectLst/>
+                <a:latin typeface="Times New Roman" panose="02020603050405020304" pitchFamily="18" charset="0"/>
+                <a:ea typeface="SimSun" panose="02010600030101010101" pitchFamily="2" charset="-122"/>
+              </a:rPr>
+              <a:t>Open your preferred code editor (e.g., Visual Studio or JetBrains Rider).</a:t>
+            </a:r>
+            <a:endParaRPr lang="en-IN" sz="1600" dirty="0">
+              <a:effectLst/>
+              <a:latin typeface="Times New Roman" panose="02020603050405020304" pitchFamily="18" charset="0"/>
+              <a:ea typeface="Times New Roman" panose="02020603050405020304" pitchFamily="18" charset="0"/>
+            </a:endParaRPr>
+          </a:p>
+          <a:p>
+            <a:pPr marL="342900" lvl="0" indent="-342900">
+              <a:spcBef>
+                <a:spcPts val="975"/>
+              </a:spcBef>
+              <a:buFont typeface="Symbol" panose="05050102010706020507" pitchFamily="18" charset="2"/>
+              <a:buChar char=""/>
+              <a:tabLst>
+                <a:tab pos="365760" algn="l"/>
+                <a:tab pos="5776595" algn="r"/>
+              </a:tabLst>
+            </a:pPr>
+            <a:r>
+              <a:rPr lang="en-US" sz="1800" dirty="0">
+                <a:effectLst/>
+                <a:latin typeface="Times New Roman" panose="02020603050405020304" pitchFamily="18" charset="0"/>
+                <a:ea typeface="SimSun" panose="02010600030101010101" pitchFamily="2" charset="-122"/>
+              </a:rPr>
+              <a:t>Create a new C# script named "Player Controller" or a similar descriptive name.</a:t>
+            </a:r>
+            <a:endParaRPr lang="en-IN" sz="1600" dirty="0">
+              <a:effectLst/>
+              <a:latin typeface="Times New Roman" panose="02020603050405020304" pitchFamily="18" charset="0"/>
+              <a:ea typeface="Times New Roman" panose="02020603050405020304" pitchFamily="18" charset="0"/>
+            </a:endParaRPr>
+          </a:p>
+        </p:txBody>
+      </p:sp>
+      <p:pic>
+        <p:nvPicPr>
+          <p:cNvPr id="7" name="Picture 6">
+            <a:extLst>
+              <a:ext uri="{FF2B5EF4-FFF2-40B4-BE49-F238E27FC236}">
+                <a16:creationId xmlns:a16="http://schemas.microsoft.com/office/drawing/2014/main" id="{07BC2C18-CDB6-21A2-B778-BE7DE922800B}"/>
+              </a:ext>
+            </a:extLst>
+          </p:cNvPr>
+          <p:cNvPicPr>
+            <a:picLocks noChangeAspect="1"/>
+          </p:cNvPicPr>
+          <p:nvPr/>
+        </p:nvPicPr>
+        <p:blipFill>
+          <a:blip r:embed="rId4">
+            <a:extLst>
+              <a:ext uri="{28A0092B-C50C-407E-A947-70E740481C1C}">
+                <a14:useLocalDpi xmlns:a14="http://schemas.microsoft.com/office/drawing/2010/main" val="0"/>
+              </a:ext>
+            </a:extLst>
+          </a:blip>
+          <a:srcRect/>
+          <a:stretch>
+            <a:fillRect/>
+          </a:stretch>
+        </p:blipFill>
+        <p:spPr bwMode="auto">
+          <a:xfrm>
+            <a:off x="917575" y="7085011"/>
+            <a:ext cx="5937250" cy="2706975"/>
+          </a:xfrm>
+          <a:prstGeom prst="rect">
+            <a:avLst/>
+          </a:prstGeom>
+          <a:noFill/>
+          <a:ln>
+            <a:noFill/>
+          </a:ln>
+        </p:spPr>
+      </p:pic>
     </p:spTree>
   </p:cSld>
   <p:clrMapOvr>
@@ -3691,6 +3597,235 @@
           <a:chExt cx="0" cy="0"/>
         </a:xfrm>
       </p:grpSpPr>
+      <p:sp>
+        <p:nvSpPr>
+          <p:cNvPr id="3" name="TextBox 2">
+            <a:extLst>
+              <a:ext uri="{FF2B5EF4-FFF2-40B4-BE49-F238E27FC236}">
+                <a16:creationId xmlns:a16="http://schemas.microsoft.com/office/drawing/2014/main" id="{F195202F-8F9D-EBA8-FB7A-B672E9AEE155}"/>
+              </a:ext>
+            </a:extLst>
+          </p:cNvPr>
+          <p:cNvSpPr txBox="1"/>
+          <p:nvPr/>
+        </p:nvSpPr>
+        <p:spPr>
+          <a:xfrm>
+            <a:off x="152400" y="152400"/>
+            <a:ext cx="7543800" cy="3595856"/>
+          </a:xfrm>
+          <a:prstGeom prst="rect">
+            <a:avLst/>
+          </a:prstGeom>
+          <a:noFill/>
+        </p:spPr>
+        <p:txBody>
+          <a:bodyPr wrap="square">
+            <a:spAutoFit/>
+          </a:bodyPr>
+          <a:lstStyle/>
+          <a:p>
+            <a:pPr marL="139065" indent="-226060">
+              <a:spcBef>
+                <a:spcPts val="975"/>
+              </a:spcBef>
+              <a:tabLst>
+                <a:tab pos="365760" algn="l"/>
+                <a:tab pos="5776595" algn="r"/>
+              </a:tabLst>
+            </a:pPr>
+            <a:r>
+              <a:rPr lang="en-US" sz="2400" b="1" dirty="0">
+                <a:effectLst/>
+                <a:latin typeface="Times New Roman" panose="02020603050405020304" pitchFamily="18" charset="0"/>
+                <a:ea typeface="SimSun" panose="02010600030101010101" pitchFamily="2" charset="-122"/>
+              </a:rPr>
+              <a:t>2. Implementing Player Movement and Shooting:</a:t>
+            </a:r>
+            <a:endParaRPr lang="en-IN" sz="1600" dirty="0">
+              <a:effectLst/>
+              <a:latin typeface="Times New Roman" panose="02020603050405020304" pitchFamily="18" charset="0"/>
+              <a:ea typeface="Times New Roman" panose="02020603050405020304" pitchFamily="18" charset="0"/>
+            </a:endParaRPr>
+          </a:p>
+          <a:p>
+            <a:pPr marL="342900" lvl="0" indent="-342900">
+              <a:spcBef>
+                <a:spcPts val="975"/>
+              </a:spcBef>
+              <a:buFont typeface="Symbol" panose="05050102010706020507" pitchFamily="18" charset="2"/>
+              <a:buChar char=""/>
+              <a:tabLst>
+                <a:tab pos="365760" algn="l"/>
+                <a:tab pos="5776595" algn="r"/>
+              </a:tabLst>
+            </a:pPr>
+            <a:r>
+              <a:rPr lang="en-US" sz="1800" dirty="0">
+                <a:effectLst/>
+                <a:latin typeface="Times New Roman" panose="02020603050405020304" pitchFamily="18" charset="0"/>
+                <a:ea typeface="SimSun" panose="02010600030101010101" pitchFamily="2" charset="-122"/>
+              </a:rPr>
+              <a:t>Within the Player Controller script, define variables for player movement speed, jump force, and shooting mechanics.</a:t>
+            </a:r>
+            <a:endParaRPr lang="en-IN" sz="1600" dirty="0">
+              <a:effectLst/>
+              <a:latin typeface="Times New Roman" panose="02020603050405020304" pitchFamily="18" charset="0"/>
+              <a:ea typeface="Times New Roman" panose="02020603050405020304" pitchFamily="18" charset="0"/>
+            </a:endParaRPr>
+          </a:p>
+          <a:p>
+            <a:pPr marL="342900" lvl="0" indent="-342900">
+              <a:spcBef>
+                <a:spcPts val="975"/>
+              </a:spcBef>
+              <a:buFont typeface="Symbol" panose="05050102010706020507" pitchFamily="18" charset="2"/>
+              <a:buChar char=""/>
+              <a:tabLst>
+                <a:tab pos="365760" algn="l"/>
+                <a:tab pos="5776595" algn="r"/>
+              </a:tabLst>
+            </a:pPr>
+            <a:r>
+              <a:rPr lang="en-US" sz="1800" dirty="0">
+                <a:effectLst/>
+                <a:latin typeface="Times New Roman" panose="02020603050405020304" pitchFamily="18" charset="0"/>
+                <a:ea typeface="SimSun" panose="02010600030101010101" pitchFamily="2" charset="-122"/>
+              </a:rPr>
+              <a:t>Use Unity's Input system to capture player input for movement (e.g., WASD keys or joystick) and shooting (e.g., left mouse button or gamepad trigger).</a:t>
+            </a:r>
+            <a:endParaRPr lang="en-IN" sz="1600" dirty="0">
+              <a:effectLst/>
+              <a:latin typeface="Times New Roman" panose="02020603050405020304" pitchFamily="18" charset="0"/>
+              <a:ea typeface="Times New Roman" panose="02020603050405020304" pitchFamily="18" charset="0"/>
+            </a:endParaRPr>
+          </a:p>
+          <a:p>
+            <a:pPr marL="342900" lvl="0" indent="-342900">
+              <a:spcBef>
+                <a:spcPts val="975"/>
+              </a:spcBef>
+              <a:buFont typeface="Symbol" panose="05050102010706020507" pitchFamily="18" charset="2"/>
+              <a:buChar char=""/>
+              <a:tabLst>
+                <a:tab pos="365760" algn="l"/>
+                <a:tab pos="5776595" algn="r"/>
+              </a:tabLst>
+            </a:pPr>
+            <a:r>
+              <a:rPr lang="en-US" sz="1800" dirty="0">
+                <a:effectLst/>
+                <a:latin typeface="Times New Roman" panose="02020603050405020304" pitchFamily="18" charset="0"/>
+                <a:ea typeface="SimSun" panose="02010600030101010101" pitchFamily="2" charset="-122"/>
+              </a:rPr>
+              <a:t>Implement functions to handle player movement, including character rotation, forward/backward movement, strafing, and jumping.</a:t>
+            </a:r>
+            <a:endParaRPr lang="en-IN" sz="1600" dirty="0">
+              <a:effectLst/>
+              <a:latin typeface="Times New Roman" panose="02020603050405020304" pitchFamily="18" charset="0"/>
+              <a:ea typeface="Times New Roman" panose="02020603050405020304" pitchFamily="18" charset="0"/>
+            </a:endParaRPr>
+          </a:p>
+          <a:p>
+            <a:pPr marL="342900" lvl="0" indent="-342900">
+              <a:spcBef>
+                <a:spcPts val="975"/>
+              </a:spcBef>
+              <a:buFont typeface="Symbol" panose="05050102010706020507" pitchFamily="18" charset="2"/>
+              <a:buChar char=""/>
+              <a:tabLst>
+                <a:tab pos="365760" algn="l"/>
+                <a:tab pos="5776595" algn="r"/>
+              </a:tabLst>
+            </a:pPr>
+            <a:r>
+              <a:rPr lang="en-US" sz="1800" dirty="0">
+                <a:effectLst/>
+                <a:latin typeface="Times New Roman" panose="02020603050405020304" pitchFamily="18" charset="0"/>
+                <a:ea typeface="SimSun" panose="02010600030101010101" pitchFamily="2" charset="-122"/>
+              </a:rPr>
+              <a:t>Implement a shooting function to instantiate bullets or projectiles from the player's weapon, applying force or damage to enemies upon collision.</a:t>
+            </a:r>
+          </a:p>
+          <a:p>
+            <a:pPr marL="342900" lvl="0" indent="-342900">
+              <a:spcBef>
+                <a:spcPts val="975"/>
+              </a:spcBef>
+              <a:buFont typeface="Symbol" panose="05050102010706020507" pitchFamily="18" charset="2"/>
+              <a:buChar char=""/>
+              <a:tabLst>
+                <a:tab pos="365760" algn="l"/>
+                <a:tab pos="5776595" algn="r"/>
+              </a:tabLst>
+            </a:pPr>
+            <a:endParaRPr lang="en-US" dirty="0">
+              <a:latin typeface="Times New Roman" panose="02020603050405020304" pitchFamily="18" charset="0"/>
+              <a:ea typeface="SimSun" panose="02010600030101010101" pitchFamily="2" charset="-122"/>
+            </a:endParaRPr>
+          </a:p>
+        </p:txBody>
+      </p:sp>
+      <p:pic>
+        <p:nvPicPr>
+          <p:cNvPr id="4" name="Picture 3">
+            <a:extLst>
+              <a:ext uri="{FF2B5EF4-FFF2-40B4-BE49-F238E27FC236}">
+                <a16:creationId xmlns:a16="http://schemas.microsoft.com/office/drawing/2014/main" id="{A6F6D94F-F214-7024-0DB8-FA637E440BF9}"/>
+              </a:ext>
+            </a:extLst>
+          </p:cNvPr>
+          <p:cNvPicPr>
+            <a:picLocks noChangeAspect="1"/>
+          </p:cNvPicPr>
+          <p:nvPr/>
+        </p:nvPicPr>
+        <p:blipFill>
+          <a:blip r:embed="rId2"/>
+          <a:stretch>
+            <a:fillRect/>
+          </a:stretch>
+        </p:blipFill>
+        <p:spPr>
+          <a:xfrm>
+            <a:off x="762000" y="3505200"/>
+            <a:ext cx="6248400" cy="3461385"/>
+          </a:xfrm>
+          <a:prstGeom prst="rect">
+            <a:avLst/>
+          </a:prstGeom>
+        </p:spPr>
+      </p:pic>
+      <p:pic>
+        <p:nvPicPr>
+          <p:cNvPr id="5" name="Picture 4">
+            <a:extLst>
+              <a:ext uri="{FF2B5EF4-FFF2-40B4-BE49-F238E27FC236}">
+                <a16:creationId xmlns:a16="http://schemas.microsoft.com/office/drawing/2014/main" id="{A19D393C-6CE3-4ABD-3025-FE02D4C07120}"/>
+              </a:ext>
+            </a:extLst>
+          </p:cNvPr>
+          <p:cNvPicPr>
+            <a:picLocks noChangeAspect="1"/>
+          </p:cNvPicPr>
+          <p:nvPr/>
+        </p:nvPicPr>
+        <p:blipFill>
+          <a:blip r:embed="rId3"/>
+          <a:stretch>
+            <a:fillRect/>
+          </a:stretch>
+        </p:blipFill>
+        <p:spPr>
+          <a:xfrm>
+            <a:off x="762000" y="7239000"/>
+            <a:ext cx="6248400" cy="2209800"/>
+          </a:xfrm>
+          <a:prstGeom prst="rect">
+            <a:avLst/>
+          </a:prstGeom>
+        </p:spPr>
+      </p:pic>
     </p:spTree>
   </p:cSld>
   <p:clrMapOvr>
@@ -3728,6 +3863,220 @@
           <a:chExt cx="0" cy="0"/>
         </a:xfrm>
       </p:grpSpPr>
+      <p:sp>
+        <p:nvSpPr>
+          <p:cNvPr id="3" name="TextBox 2">
+            <a:extLst>
+              <a:ext uri="{FF2B5EF4-FFF2-40B4-BE49-F238E27FC236}">
+                <a16:creationId xmlns:a16="http://schemas.microsoft.com/office/drawing/2014/main" id="{CE44620E-D8E1-8BC7-0592-4AB1CAD2EADC}"/>
+              </a:ext>
+            </a:extLst>
+          </p:cNvPr>
+          <p:cNvSpPr txBox="1"/>
+          <p:nvPr/>
+        </p:nvSpPr>
+        <p:spPr>
+          <a:xfrm>
+            <a:off x="228600" y="304800"/>
+            <a:ext cx="7315200" cy="369332"/>
+          </a:xfrm>
+          <a:prstGeom prst="rect">
+            <a:avLst/>
+          </a:prstGeom>
+          <a:noFill/>
+        </p:spPr>
+        <p:txBody>
+          <a:bodyPr wrap="square">
+            <a:spAutoFit/>
+          </a:bodyPr>
+          <a:lstStyle/>
+          <a:p>
+            <a:pPr marL="342900" lvl="0" indent="-342900">
+              <a:spcBef>
+                <a:spcPts val="975"/>
+              </a:spcBef>
+              <a:buFont typeface="+mj-lt"/>
+              <a:buAutoNum type="arabicPeriod"/>
+              <a:tabLst>
+                <a:tab pos="365760" algn="l"/>
+                <a:tab pos="5776595" algn="r"/>
+              </a:tabLst>
+            </a:pPr>
+            <a:r>
+              <a:rPr lang="en-US" sz="1800" b="1" dirty="0">
+                <a:effectLst/>
+                <a:latin typeface="Times New Roman" panose="02020603050405020304" pitchFamily="18" charset="0"/>
+                <a:ea typeface="SimSun" panose="02010600030101010101" pitchFamily="2" charset="-122"/>
+              </a:rPr>
+              <a:t>Attaching the Script to the Player Game Object:</a:t>
+            </a:r>
+            <a:endParaRPr lang="en-IN" sz="1200" dirty="0">
+              <a:effectLst/>
+              <a:latin typeface="Times New Roman" panose="02020603050405020304" pitchFamily="18" charset="0"/>
+              <a:ea typeface="Times New Roman" panose="02020603050405020304" pitchFamily="18" charset="0"/>
+            </a:endParaRPr>
+          </a:p>
+        </p:txBody>
+      </p:sp>
+      <p:pic>
+        <p:nvPicPr>
+          <p:cNvPr id="4" name="Picture 3">
+            <a:extLst>
+              <a:ext uri="{FF2B5EF4-FFF2-40B4-BE49-F238E27FC236}">
+                <a16:creationId xmlns:a16="http://schemas.microsoft.com/office/drawing/2014/main" id="{51B44A26-7816-0906-B995-E4039D327725}"/>
+              </a:ext>
+            </a:extLst>
+          </p:cNvPr>
+          <p:cNvPicPr>
+            <a:picLocks noChangeAspect="1"/>
+          </p:cNvPicPr>
+          <p:nvPr/>
+        </p:nvPicPr>
+        <p:blipFill>
+          <a:blip r:embed="rId2"/>
+          <a:stretch>
+            <a:fillRect/>
+          </a:stretch>
+        </p:blipFill>
+        <p:spPr>
+          <a:xfrm>
+            <a:off x="838200" y="762000"/>
+            <a:ext cx="4944110" cy="5257800"/>
+          </a:xfrm>
+          <a:prstGeom prst="rect">
+            <a:avLst/>
+          </a:prstGeom>
+        </p:spPr>
+      </p:pic>
+      <p:sp>
+        <p:nvSpPr>
+          <p:cNvPr id="6" name="TextBox 5">
+            <a:extLst>
+              <a:ext uri="{FF2B5EF4-FFF2-40B4-BE49-F238E27FC236}">
+                <a16:creationId xmlns:a16="http://schemas.microsoft.com/office/drawing/2014/main" id="{F6A9D46A-0FC0-1137-A74B-3A791FBAB78C}"/>
+              </a:ext>
+            </a:extLst>
+          </p:cNvPr>
+          <p:cNvSpPr txBox="1"/>
+          <p:nvPr/>
+        </p:nvSpPr>
+        <p:spPr>
+          <a:xfrm>
+            <a:off x="381000" y="6239153"/>
+            <a:ext cx="7162800" cy="2072362"/>
+          </a:xfrm>
+          <a:prstGeom prst="rect">
+            <a:avLst/>
+          </a:prstGeom>
+          <a:noFill/>
+        </p:spPr>
+        <p:txBody>
+          <a:bodyPr wrap="square">
+            <a:spAutoFit/>
+          </a:bodyPr>
+          <a:lstStyle/>
+          <a:p>
+            <a:pPr marL="342900" lvl="0" indent="-342900">
+              <a:spcBef>
+                <a:spcPts val="975"/>
+              </a:spcBef>
+              <a:buFont typeface="+mj-lt"/>
+              <a:buAutoNum type="arabicPeriod" startAt="4"/>
+              <a:tabLst>
+                <a:tab pos="365760" algn="l"/>
+                <a:tab pos="5776595" algn="r"/>
+              </a:tabLst>
+            </a:pPr>
+            <a:r>
+              <a:rPr lang="en-US" sz="2800" b="1" dirty="0">
+                <a:effectLst/>
+                <a:latin typeface="Times New Roman" panose="02020603050405020304" pitchFamily="18" charset="0"/>
+                <a:ea typeface="SimSun" panose="02010600030101010101" pitchFamily="2" charset="-122"/>
+              </a:rPr>
+              <a:t>UI Development for Gun Game:</a:t>
+            </a:r>
+            <a:endParaRPr lang="en-IN" sz="1600" dirty="0">
+              <a:effectLst/>
+              <a:latin typeface="Times New Roman" panose="02020603050405020304" pitchFamily="18" charset="0"/>
+              <a:ea typeface="Times New Roman" panose="02020603050405020304" pitchFamily="18" charset="0"/>
+            </a:endParaRPr>
+          </a:p>
+          <a:p>
+            <a:pPr marL="367665" indent="-226060">
+              <a:spcBef>
+                <a:spcPts val="975"/>
+              </a:spcBef>
+              <a:tabLst>
+                <a:tab pos="365760" algn="l"/>
+                <a:tab pos="5776595" algn="r"/>
+              </a:tabLst>
+            </a:pPr>
+            <a:r>
+              <a:rPr lang="en-US" sz="2400" b="1" dirty="0">
+                <a:effectLst/>
+                <a:latin typeface="Times New Roman" panose="02020603050405020304" pitchFamily="18" charset="0"/>
+                <a:ea typeface="SimSun" panose="02010600030101010101" pitchFamily="2" charset="-122"/>
+              </a:rPr>
+              <a:t>1. Creating UI Elements:</a:t>
+            </a:r>
+            <a:endParaRPr lang="en-IN" sz="1600" dirty="0">
+              <a:effectLst/>
+              <a:latin typeface="Times New Roman" panose="02020603050405020304" pitchFamily="18" charset="0"/>
+              <a:ea typeface="Times New Roman" panose="02020603050405020304" pitchFamily="18" charset="0"/>
+            </a:endParaRPr>
+          </a:p>
+          <a:p>
+            <a:pPr marL="342900" lvl="0" indent="-342900">
+              <a:spcBef>
+                <a:spcPts val="975"/>
+              </a:spcBef>
+              <a:buFont typeface="Symbol" panose="05050102010706020507" pitchFamily="18" charset="2"/>
+              <a:buChar char=""/>
+              <a:tabLst>
+                <a:tab pos="365760" algn="l"/>
+                <a:tab pos="5776595" algn="r"/>
+              </a:tabLst>
+            </a:pPr>
+            <a:r>
+              <a:rPr lang="en-US" sz="1800" b="1" dirty="0">
+                <a:effectLst/>
+                <a:latin typeface="Times New Roman" panose="02020603050405020304" pitchFamily="18" charset="0"/>
+                <a:ea typeface="SimSun" panose="02010600030101010101" pitchFamily="2" charset="-122"/>
+              </a:rPr>
+              <a:t>HUD (Heads-Up Display):</a:t>
+            </a:r>
+            <a:r>
+              <a:rPr lang="en-US" sz="1800" dirty="0">
+                <a:effectLst/>
+                <a:latin typeface="Times New Roman" panose="02020603050405020304" pitchFamily="18" charset="0"/>
+                <a:ea typeface="SimSun" panose="02010600030101010101" pitchFamily="2" charset="-122"/>
+              </a:rPr>
+              <a:t> Design elements like health</a:t>
+            </a:r>
+            <a:r>
+              <a:rPr lang="en-US" sz="2400" dirty="0">
+                <a:effectLst/>
+                <a:latin typeface="Times New Roman" panose="02020603050405020304" pitchFamily="18" charset="0"/>
+                <a:ea typeface="SimSun" panose="02010600030101010101" pitchFamily="2" charset="-122"/>
+              </a:rPr>
+              <a:t> </a:t>
+            </a:r>
+            <a:r>
+              <a:rPr lang="en-US" sz="1800" dirty="0">
+                <a:effectLst/>
+                <a:latin typeface="Times New Roman" panose="02020603050405020304" pitchFamily="18" charset="0"/>
+                <a:ea typeface="SimSun" panose="02010600030101010101" pitchFamily="2" charset="-122"/>
+              </a:rPr>
+              <a:t>bars, ammo counters, and mini-maps to provide essential information to players during gameplay.</a:t>
+            </a:r>
+            <a:endParaRPr lang="en-IN" sz="1600" dirty="0">
+              <a:effectLst/>
+              <a:latin typeface="Times New Roman" panose="02020603050405020304" pitchFamily="18" charset="0"/>
+              <a:ea typeface="Times New Roman" panose="02020603050405020304" pitchFamily="18" charset="0"/>
+            </a:endParaRPr>
+          </a:p>
+        </p:txBody>
+      </p:sp>
     </p:spTree>
   </p:cSld>
   <p:clrMapOvr>
@@ -3765,6 +4114,122 @@
           <a:chExt cx="0" cy="0"/>
         </a:xfrm>
       </p:grpSpPr>
+      <p:pic>
+        <p:nvPicPr>
+          <p:cNvPr id="2" name="Picture 1">
+            <a:extLst>
+              <a:ext uri="{FF2B5EF4-FFF2-40B4-BE49-F238E27FC236}">
+                <a16:creationId xmlns:a16="http://schemas.microsoft.com/office/drawing/2014/main" id="{A1C10933-41D5-FF83-9DAF-C13AA081A87B}"/>
+              </a:ext>
+            </a:extLst>
+          </p:cNvPr>
+          <p:cNvPicPr>
+            <a:picLocks noChangeAspect="1"/>
+          </p:cNvPicPr>
+          <p:nvPr/>
+        </p:nvPicPr>
+        <p:blipFill>
+          <a:blip r:embed="rId2"/>
+          <a:stretch>
+            <a:fillRect/>
+          </a:stretch>
+        </p:blipFill>
+        <p:spPr>
+          <a:xfrm>
+            <a:off x="914400" y="381000"/>
+            <a:ext cx="5943600" cy="4267200"/>
+          </a:xfrm>
+          <a:prstGeom prst="rect">
+            <a:avLst/>
+          </a:prstGeom>
+        </p:spPr>
+      </p:pic>
+      <p:sp>
+        <p:nvSpPr>
+          <p:cNvPr id="4" name="TextBox 3">
+            <a:extLst>
+              <a:ext uri="{FF2B5EF4-FFF2-40B4-BE49-F238E27FC236}">
+                <a16:creationId xmlns:a16="http://schemas.microsoft.com/office/drawing/2014/main" id="{D9BFD5D9-7C8D-9AFE-463E-0CBC72049E75}"/>
+              </a:ext>
+            </a:extLst>
+          </p:cNvPr>
+          <p:cNvSpPr txBox="1"/>
+          <p:nvPr/>
+        </p:nvSpPr>
+        <p:spPr>
+          <a:xfrm>
+            <a:off x="304800" y="4876800"/>
+            <a:ext cx="7315200" cy="1477328"/>
+          </a:xfrm>
+          <a:prstGeom prst="rect">
+            <a:avLst/>
+          </a:prstGeom>
+          <a:noFill/>
+        </p:spPr>
+        <p:txBody>
+          <a:bodyPr wrap="square">
+            <a:spAutoFit/>
+          </a:bodyPr>
+          <a:lstStyle/>
+          <a:p>
+            <a:r>
+              <a:rPr lang="en-US" sz="1800" b="1" dirty="0">
+                <a:effectLst/>
+                <a:latin typeface="Times New Roman" panose="02020603050405020304" pitchFamily="18" charset="0"/>
+                <a:ea typeface="SimSun" panose="02010600030101010101" pitchFamily="2" charset="-122"/>
+              </a:rPr>
+              <a:t>Menus:</a:t>
+            </a:r>
+            <a:r>
+              <a:rPr lang="en-US" sz="1800" dirty="0">
+                <a:effectLst/>
+                <a:latin typeface="Times New Roman" panose="02020603050405020304" pitchFamily="18" charset="0"/>
+                <a:ea typeface="SimSun" panose="02010600030101010101" pitchFamily="2" charset="-122"/>
+              </a:rPr>
+              <a:t> Create menus such as the main menu, pause menu, settings menu, and game over menu. Include options to start or resume the game, adjust settings, and quit the game</a:t>
+            </a:r>
+          </a:p>
+          <a:p>
+            <a:endParaRPr lang="en-US" dirty="0">
+              <a:latin typeface="Times New Roman" panose="02020603050405020304" pitchFamily="18" charset="0"/>
+              <a:ea typeface="SimSun" panose="02010600030101010101" pitchFamily="2" charset="-122"/>
+            </a:endParaRPr>
+          </a:p>
+          <a:p>
+            <a:endParaRPr lang="en-IN" dirty="0"/>
+          </a:p>
+        </p:txBody>
+      </p:sp>
+      <p:pic>
+        <p:nvPicPr>
+          <p:cNvPr id="6" name="Picture 5" descr="A screen shot of a computer program&#10;&#10;Description automatically generated">
+            <a:extLst>
+              <a:ext uri="{FF2B5EF4-FFF2-40B4-BE49-F238E27FC236}">
+                <a16:creationId xmlns:a16="http://schemas.microsoft.com/office/drawing/2014/main" id="{3DC7E62A-8B2E-A523-0515-FAE4243D59E3}"/>
+              </a:ext>
+            </a:extLst>
+          </p:cNvPr>
+          <p:cNvPicPr>
+            <a:picLocks noChangeAspect="1"/>
+          </p:cNvPicPr>
+          <p:nvPr/>
+        </p:nvPicPr>
+        <p:blipFill>
+          <a:blip r:embed="rId3"/>
+          <a:stretch>
+            <a:fillRect/>
+          </a:stretch>
+        </p:blipFill>
+        <p:spPr>
+          <a:xfrm>
+            <a:off x="914400" y="5943600"/>
+            <a:ext cx="5943600" cy="3432810"/>
+          </a:xfrm>
+          <a:prstGeom prst="rect">
+            <a:avLst/>
+          </a:prstGeom>
+        </p:spPr>
+      </p:pic>
     </p:spTree>
   </p:cSld>
   <p:clrMapOvr>
@@ -3803,6 +4268,265 @@
           <a:chExt cx="0" cy="0"/>
         </a:xfrm>
       </p:grpSpPr>
+      <p:sp>
+        <p:nvSpPr>
+          <p:cNvPr id="3" name="TextBox 2">
+            <a:extLst>
+              <a:ext uri="{FF2B5EF4-FFF2-40B4-BE49-F238E27FC236}">
+                <a16:creationId xmlns:a16="http://schemas.microsoft.com/office/drawing/2014/main" id="{667F0AF5-35BC-E04A-A1BC-056D68DD2175}"/>
+              </a:ext>
+            </a:extLst>
+          </p:cNvPr>
+          <p:cNvSpPr txBox="1"/>
+          <p:nvPr/>
+        </p:nvSpPr>
+        <p:spPr>
+          <a:xfrm>
+            <a:off x="228600" y="152400"/>
+            <a:ext cx="7391400" cy="4498667"/>
+          </a:xfrm>
+          <a:prstGeom prst="rect">
+            <a:avLst/>
+          </a:prstGeom>
+          <a:noFill/>
+        </p:spPr>
+        <p:txBody>
+          <a:bodyPr wrap="square">
+            <a:spAutoFit/>
+          </a:bodyPr>
+          <a:lstStyle/>
+          <a:p>
+            <a:pPr marL="342900" lvl="0" indent="-342900">
+              <a:spcBef>
+                <a:spcPts val="975"/>
+              </a:spcBef>
+              <a:buFont typeface="+mj-lt"/>
+              <a:buAutoNum type="arabicPeriod" startAt="4"/>
+              <a:tabLst>
+                <a:tab pos="365760" algn="l"/>
+                <a:tab pos="5776595" algn="r"/>
+              </a:tabLst>
+            </a:pPr>
+            <a:r>
+              <a:rPr lang="en-US" sz="2800" b="1" u="sng" dirty="0">
+                <a:effectLst/>
+                <a:latin typeface="Times New Roman" panose="02020603050405020304" pitchFamily="18" charset="0"/>
+                <a:ea typeface="SimSun" panose="02010600030101010101" pitchFamily="2" charset="-122"/>
+              </a:rPr>
+              <a:t>Game Mechanics for Gun Game Development:</a:t>
+            </a:r>
+            <a:endParaRPr lang="en-IN" sz="1600" dirty="0">
+              <a:effectLst/>
+              <a:latin typeface="Times New Roman" panose="02020603050405020304" pitchFamily="18" charset="0"/>
+              <a:ea typeface="Times New Roman" panose="02020603050405020304" pitchFamily="18" charset="0"/>
+            </a:endParaRPr>
+          </a:p>
+          <a:p>
+            <a:pPr marL="365125" indent="-226060">
+              <a:spcBef>
+                <a:spcPts val="975"/>
+              </a:spcBef>
+              <a:tabLst>
+                <a:tab pos="365760" algn="l"/>
+                <a:tab pos="5776595" algn="r"/>
+              </a:tabLst>
+            </a:pPr>
+            <a:r>
+              <a:rPr lang="en-US" sz="2800" b="1" dirty="0">
+                <a:effectLst/>
+                <a:latin typeface="Times New Roman" panose="02020603050405020304" pitchFamily="18" charset="0"/>
+                <a:ea typeface="SimSun" panose="02010600030101010101" pitchFamily="2" charset="-122"/>
+              </a:rPr>
+              <a:t> </a:t>
+            </a:r>
+            <a:r>
+              <a:rPr lang="en-US" sz="2400" b="1" dirty="0">
+                <a:effectLst/>
+                <a:latin typeface="Times New Roman" panose="02020603050405020304" pitchFamily="18" charset="0"/>
+                <a:ea typeface="SimSun" panose="02010600030101010101" pitchFamily="2" charset="-122"/>
+              </a:rPr>
+              <a:t>1. Scoring System:</a:t>
+            </a:r>
+            <a:endParaRPr lang="en-IN" sz="1600" dirty="0">
+              <a:effectLst/>
+              <a:latin typeface="Times New Roman" panose="02020603050405020304" pitchFamily="18" charset="0"/>
+              <a:ea typeface="Times New Roman" panose="02020603050405020304" pitchFamily="18" charset="0"/>
+            </a:endParaRPr>
+          </a:p>
+          <a:p>
+            <a:pPr marL="342900" lvl="0" indent="-342900">
+              <a:spcBef>
+                <a:spcPts val="975"/>
+              </a:spcBef>
+              <a:buFont typeface="Symbol" panose="05050102010706020507" pitchFamily="18" charset="2"/>
+              <a:buChar char=""/>
+              <a:tabLst>
+                <a:tab pos="365760" algn="l"/>
+                <a:tab pos="5776595" algn="r"/>
+              </a:tabLst>
+            </a:pPr>
+            <a:r>
+              <a:rPr lang="en-US" sz="1800" dirty="0">
+                <a:effectLst/>
+                <a:latin typeface="Times New Roman" panose="02020603050405020304" pitchFamily="18" charset="0"/>
+                <a:ea typeface="SimSun" panose="02010600030101010101" pitchFamily="2" charset="-122"/>
+              </a:rPr>
+              <a:t>Objective: Keep track of the player's performance and provide feedback on their progress.</a:t>
+            </a:r>
+            <a:endParaRPr lang="en-IN" sz="1600" dirty="0">
+              <a:effectLst/>
+              <a:latin typeface="Times New Roman" panose="02020603050405020304" pitchFamily="18" charset="0"/>
+              <a:ea typeface="Times New Roman" panose="02020603050405020304" pitchFamily="18" charset="0"/>
+            </a:endParaRPr>
+          </a:p>
+          <a:p>
+            <a:pPr marL="342900" lvl="0" indent="-342900">
+              <a:spcBef>
+                <a:spcPts val="975"/>
+              </a:spcBef>
+              <a:buFont typeface="Symbol" panose="05050102010706020507" pitchFamily="18" charset="2"/>
+              <a:buChar char=""/>
+              <a:tabLst>
+                <a:tab pos="365760" algn="l"/>
+                <a:tab pos="5776595" algn="r"/>
+              </a:tabLst>
+            </a:pPr>
+            <a:r>
+              <a:rPr lang="en-US" sz="1800" dirty="0">
+                <a:effectLst/>
+                <a:latin typeface="Times New Roman" panose="02020603050405020304" pitchFamily="18" charset="0"/>
+                <a:ea typeface="SimSun" panose="02010600030101010101" pitchFamily="2" charset="-122"/>
+              </a:rPr>
+              <a:t>Implementation Steps:</a:t>
+            </a:r>
+            <a:endParaRPr lang="en-IN" sz="1600" dirty="0">
+              <a:effectLst/>
+              <a:latin typeface="Times New Roman" panose="02020603050405020304" pitchFamily="18" charset="0"/>
+              <a:ea typeface="Times New Roman" panose="02020603050405020304" pitchFamily="18" charset="0"/>
+            </a:endParaRPr>
+          </a:p>
+          <a:p>
+            <a:pPr marL="342900" lvl="0" indent="-342900">
+              <a:spcBef>
+                <a:spcPts val="975"/>
+              </a:spcBef>
+              <a:buFont typeface="Wingdings" panose="05000000000000000000" pitchFamily="2" charset="2"/>
+              <a:buChar char=""/>
+              <a:tabLst>
+                <a:tab pos="365760" algn="l"/>
+                <a:tab pos="5776595" algn="r"/>
+              </a:tabLst>
+            </a:pPr>
+            <a:r>
+              <a:rPr lang="en-US" sz="1800" dirty="0">
+                <a:effectLst/>
+                <a:latin typeface="Times New Roman" panose="02020603050405020304" pitchFamily="18" charset="0"/>
+                <a:ea typeface="SimSun" panose="02010600030101010101" pitchFamily="2" charset="-122"/>
+              </a:rPr>
+              <a:t>Create a Score Manager script to manage scoring logic.</a:t>
+            </a:r>
+            <a:endParaRPr lang="en-IN" sz="1600" dirty="0">
+              <a:effectLst/>
+              <a:latin typeface="Times New Roman" panose="02020603050405020304" pitchFamily="18" charset="0"/>
+              <a:ea typeface="Times New Roman" panose="02020603050405020304" pitchFamily="18" charset="0"/>
+            </a:endParaRPr>
+          </a:p>
+          <a:p>
+            <a:pPr marL="342900" lvl="0" indent="-342900">
+              <a:spcBef>
+                <a:spcPts val="975"/>
+              </a:spcBef>
+              <a:buFont typeface="Wingdings" panose="05000000000000000000" pitchFamily="2" charset="2"/>
+              <a:buChar char=""/>
+              <a:tabLst>
+                <a:tab pos="365760" algn="l"/>
+                <a:tab pos="5776595" algn="r"/>
+              </a:tabLst>
+            </a:pPr>
+            <a:r>
+              <a:rPr lang="en-US" sz="1800" dirty="0">
+                <a:effectLst/>
+                <a:latin typeface="Times New Roman" panose="02020603050405020304" pitchFamily="18" charset="0"/>
+                <a:ea typeface="SimSun" panose="02010600030101010101" pitchFamily="2" charset="-122"/>
+              </a:rPr>
+              <a:t>Award points for actions such as defeating enemies, completing objectives, or collecting items.</a:t>
+            </a:r>
+            <a:endParaRPr lang="en-IN" sz="1600" dirty="0">
+              <a:effectLst/>
+              <a:latin typeface="Times New Roman" panose="02020603050405020304" pitchFamily="18" charset="0"/>
+              <a:ea typeface="Times New Roman" panose="02020603050405020304" pitchFamily="18" charset="0"/>
+            </a:endParaRPr>
+          </a:p>
+          <a:p>
+            <a:pPr marL="342900" lvl="0" indent="-342900">
+              <a:spcBef>
+                <a:spcPts val="975"/>
+              </a:spcBef>
+              <a:buFont typeface="Wingdings" panose="05000000000000000000" pitchFamily="2" charset="2"/>
+              <a:buChar char=""/>
+              <a:tabLst>
+                <a:tab pos="365760" algn="l"/>
+                <a:tab pos="5776595" algn="r"/>
+              </a:tabLst>
+            </a:pPr>
+            <a:r>
+              <a:rPr lang="en-US" sz="1800" dirty="0">
+                <a:effectLst/>
+                <a:latin typeface="Times New Roman" panose="02020603050405020304" pitchFamily="18" charset="0"/>
+                <a:ea typeface="SimSun" panose="02010600030101010101" pitchFamily="2" charset="-122"/>
+              </a:rPr>
+              <a:t>Update the UI to display the player's current score.</a:t>
+            </a:r>
+          </a:p>
+          <a:p>
+            <a:pPr marL="342900" lvl="0" indent="-342900">
+              <a:spcBef>
+                <a:spcPts val="975"/>
+              </a:spcBef>
+              <a:buFont typeface="Wingdings" panose="05000000000000000000" pitchFamily="2" charset="2"/>
+              <a:buChar char=""/>
+              <a:tabLst>
+                <a:tab pos="365760" algn="l"/>
+                <a:tab pos="5776595" algn="r"/>
+              </a:tabLst>
+            </a:pPr>
+            <a:endParaRPr lang="en-US" dirty="0">
+              <a:latin typeface="Times New Roman" panose="02020603050405020304" pitchFamily="18" charset="0"/>
+              <a:ea typeface="SimSun" panose="02010600030101010101" pitchFamily="2" charset="-122"/>
+            </a:endParaRPr>
+          </a:p>
+        </p:txBody>
+      </p:sp>
+      <p:pic>
+        <p:nvPicPr>
+          <p:cNvPr id="5" name="Picture 4">
+            <a:extLst>
+              <a:ext uri="{FF2B5EF4-FFF2-40B4-BE49-F238E27FC236}">
+                <a16:creationId xmlns:a16="http://schemas.microsoft.com/office/drawing/2014/main" id="{C79E3A17-35DC-53F5-45AE-CF79DAA9FE5E}"/>
+              </a:ext>
+            </a:extLst>
+          </p:cNvPr>
+          <p:cNvPicPr>
+            <a:picLocks noChangeAspect="1"/>
+          </p:cNvPicPr>
+          <p:nvPr/>
+        </p:nvPicPr>
+        <p:blipFill>
+          <a:blip r:embed="rId3"/>
+          <a:stretch>
+            <a:fillRect/>
+          </a:stretch>
+        </p:blipFill>
+        <p:spPr>
+          <a:xfrm>
+            <a:off x="609600" y="4651067"/>
+            <a:ext cx="6819900" cy="4498667"/>
+          </a:xfrm>
+          <a:prstGeom prst="rect">
+            <a:avLst/>
+          </a:prstGeom>
+        </p:spPr>
+      </p:pic>
     </p:spTree>
   </p:cSld>
   <p:clrMapOvr>
@@ -3840,6 +4564,219 @@
           <a:chExt cx="0" cy="0"/>
         </a:xfrm>
       </p:grpSpPr>
+      <p:sp>
+        <p:nvSpPr>
+          <p:cNvPr id="3" name="TextBox 2">
+            <a:extLst>
+              <a:ext uri="{FF2B5EF4-FFF2-40B4-BE49-F238E27FC236}">
+                <a16:creationId xmlns:a16="http://schemas.microsoft.com/office/drawing/2014/main" id="{41A314DF-CFFA-EE4F-BD8C-D71C107FBA91}"/>
+              </a:ext>
+            </a:extLst>
+          </p:cNvPr>
+          <p:cNvSpPr txBox="1"/>
+          <p:nvPr/>
+        </p:nvSpPr>
+        <p:spPr>
+          <a:xfrm>
+            <a:off x="228600" y="228600"/>
+            <a:ext cx="7543800" cy="3195747"/>
+          </a:xfrm>
+          <a:prstGeom prst="rect">
+            <a:avLst/>
+          </a:prstGeom>
+          <a:noFill/>
+        </p:spPr>
+        <p:txBody>
+          <a:bodyPr wrap="square">
+            <a:spAutoFit/>
+          </a:bodyPr>
+          <a:lstStyle/>
+          <a:p>
+            <a:pPr marL="342900" lvl="0" indent="-342900">
+              <a:spcBef>
+                <a:spcPts val="975"/>
+              </a:spcBef>
+              <a:buFont typeface="+mj-lt"/>
+              <a:buAutoNum type="arabicPeriod" startAt="4"/>
+              <a:tabLst>
+                <a:tab pos="365760" algn="l"/>
+                <a:tab pos="5776595" algn="r"/>
+              </a:tabLst>
+            </a:pPr>
+            <a:r>
+              <a:rPr lang="en-US" sz="2800" b="1" u="sng" dirty="0">
+                <a:effectLst/>
+                <a:latin typeface="Times New Roman" panose="02020603050405020304" pitchFamily="18" charset="0"/>
+                <a:ea typeface="SimSun" panose="02010600030101010101" pitchFamily="2" charset="-122"/>
+              </a:rPr>
+              <a:t>Deployment for Gun Game:</a:t>
+            </a:r>
+            <a:endParaRPr lang="en-IN" sz="1600" dirty="0">
+              <a:effectLst/>
+              <a:latin typeface="Times New Roman" panose="02020603050405020304" pitchFamily="18" charset="0"/>
+              <a:ea typeface="Times New Roman" panose="02020603050405020304" pitchFamily="18" charset="0"/>
+            </a:endParaRPr>
+          </a:p>
+          <a:p>
+            <a:pPr marL="365125" indent="-226060">
+              <a:spcBef>
+                <a:spcPts val="975"/>
+              </a:spcBef>
+              <a:tabLst>
+                <a:tab pos="365760" algn="l"/>
+                <a:tab pos="5776595" algn="r"/>
+              </a:tabLst>
+            </a:pPr>
+            <a:r>
+              <a:rPr lang="en-US" sz="2400" b="1" dirty="0">
+                <a:effectLst/>
+                <a:latin typeface="Times New Roman" panose="02020603050405020304" pitchFamily="18" charset="0"/>
+                <a:ea typeface="SimSun" panose="02010600030101010101" pitchFamily="2" charset="-122"/>
+              </a:rPr>
+              <a:t>        1. Building for Different Platforms:</a:t>
+            </a:r>
+            <a:endParaRPr lang="en-IN" sz="1600" dirty="0">
+              <a:effectLst/>
+              <a:latin typeface="Times New Roman" panose="02020603050405020304" pitchFamily="18" charset="0"/>
+              <a:ea typeface="Times New Roman" panose="02020603050405020304" pitchFamily="18" charset="0"/>
+            </a:endParaRPr>
+          </a:p>
+          <a:p>
+            <a:pPr marL="342900" lvl="0" indent="-342900">
+              <a:spcBef>
+                <a:spcPts val="975"/>
+              </a:spcBef>
+              <a:buFont typeface="Symbol" panose="05050102010706020507" pitchFamily="18" charset="2"/>
+              <a:buChar char=""/>
+              <a:tabLst>
+                <a:tab pos="365760" algn="l"/>
+                <a:tab pos="5776595" algn="r"/>
+              </a:tabLst>
+            </a:pPr>
+            <a:r>
+              <a:rPr lang="en-US" sz="1800" dirty="0">
+                <a:effectLst/>
+                <a:latin typeface="Times New Roman" panose="02020603050405020304" pitchFamily="18" charset="0"/>
+                <a:ea typeface="SimSun" panose="02010600030101010101" pitchFamily="2" charset="-122"/>
+              </a:rPr>
+              <a:t>PC (Windows, mac OS, Linux):</a:t>
+            </a:r>
+            <a:endParaRPr lang="en-IN" sz="1600" dirty="0">
+              <a:effectLst/>
+              <a:latin typeface="Times New Roman" panose="02020603050405020304" pitchFamily="18" charset="0"/>
+              <a:ea typeface="Times New Roman" panose="02020603050405020304" pitchFamily="18" charset="0"/>
+            </a:endParaRPr>
+          </a:p>
+          <a:p>
+            <a:pPr marL="342900" lvl="0" indent="-342900">
+              <a:spcBef>
+                <a:spcPts val="975"/>
+              </a:spcBef>
+              <a:buFont typeface="Wingdings" panose="05000000000000000000" pitchFamily="2" charset="2"/>
+              <a:buChar char=""/>
+              <a:tabLst>
+                <a:tab pos="365760" algn="l"/>
+                <a:tab pos="5776595" algn="r"/>
+              </a:tabLst>
+            </a:pPr>
+            <a:r>
+              <a:rPr lang="en-US" sz="1800" dirty="0">
+                <a:effectLst/>
+                <a:latin typeface="Times New Roman" panose="02020603050405020304" pitchFamily="18" charset="0"/>
+                <a:ea typeface="SimSun" panose="02010600030101010101" pitchFamily="2" charset="-122"/>
+              </a:rPr>
+              <a:t>Go to File -&gt; Build Settings in Unity.</a:t>
+            </a:r>
+            <a:endParaRPr lang="en-IN" sz="1600" dirty="0">
+              <a:effectLst/>
+              <a:latin typeface="Times New Roman" panose="02020603050405020304" pitchFamily="18" charset="0"/>
+              <a:ea typeface="Times New Roman" panose="02020603050405020304" pitchFamily="18" charset="0"/>
+            </a:endParaRPr>
+          </a:p>
+          <a:p>
+            <a:pPr marL="342900" lvl="0" indent="-342900">
+              <a:spcBef>
+                <a:spcPts val="975"/>
+              </a:spcBef>
+              <a:buFont typeface="Wingdings" panose="05000000000000000000" pitchFamily="2" charset="2"/>
+              <a:buChar char=""/>
+              <a:tabLst>
+                <a:tab pos="365760" algn="l"/>
+                <a:tab pos="5776595" algn="r"/>
+              </a:tabLst>
+            </a:pPr>
+            <a:r>
+              <a:rPr lang="en-US" sz="1800" dirty="0">
+                <a:effectLst/>
+                <a:latin typeface="Times New Roman" panose="02020603050405020304" pitchFamily="18" charset="0"/>
+                <a:ea typeface="SimSun" panose="02010600030101010101" pitchFamily="2" charset="-122"/>
+              </a:rPr>
+              <a:t>Select the target platform (e.g., PC, Mac, Linux) and click "Switch Platform."</a:t>
+            </a:r>
+            <a:endParaRPr lang="en-IN" sz="1600" dirty="0">
+              <a:effectLst/>
+              <a:latin typeface="Times New Roman" panose="02020603050405020304" pitchFamily="18" charset="0"/>
+              <a:ea typeface="Times New Roman" panose="02020603050405020304" pitchFamily="18" charset="0"/>
+            </a:endParaRPr>
+          </a:p>
+          <a:p>
+            <a:pPr marL="342900" lvl="0" indent="-342900">
+              <a:spcBef>
+                <a:spcPts val="975"/>
+              </a:spcBef>
+              <a:buFont typeface="Wingdings" panose="05000000000000000000" pitchFamily="2" charset="2"/>
+              <a:buChar char=""/>
+              <a:tabLst>
+                <a:tab pos="365760" algn="l"/>
+                <a:tab pos="5776595" algn="r"/>
+              </a:tabLst>
+            </a:pPr>
+            <a:r>
+              <a:rPr lang="en-US" sz="1800" dirty="0">
+                <a:effectLst/>
+                <a:latin typeface="Times New Roman" panose="02020603050405020304" pitchFamily="18" charset="0"/>
+                <a:ea typeface="SimSun" panose="02010600030101010101" pitchFamily="2" charset="-122"/>
+              </a:rPr>
+              <a:t>Configure build settings (e.g., resolution, graphics quality) and click "Build" to generate the executable file.</a:t>
+            </a:r>
+            <a:endParaRPr lang="en-IN" sz="1600" dirty="0">
+              <a:effectLst/>
+              <a:latin typeface="Times New Roman" panose="02020603050405020304" pitchFamily="18" charset="0"/>
+              <a:ea typeface="Times New Roman" panose="02020603050405020304" pitchFamily="18" charset="0"/>
+            </a:endParaRPr>
+          </a:p>
+        </p:txBody>
+      </p:sp>
+      <p:pic>
+        <p:nvPicPr>
+          <p:cNvPr id="4" name="Picture 3" descr="A screenshot of a computer program&#10;&#10;Description automatically generated">
+            <a:extLst>
+              <a:ext uri="{FF2B5EF4-FFF2-40B4-BE49-F238E27FC236}">
+                <a16:creationId xmlns:a16="http://schemas.microsoft.com/office/drawing/2014/main" id="{35A0A1E1-49C0-058C-40B6-5B83CFC3E058}"/>
+              </a:ext>
+            </a:extLst>
+          </p:cNvPr>
+          <p:cNvPicPr>
+            <a:picLocks noChangeAspect="1"/>
+          </p:cNvPicPr>
+          <p:nvPr/>
+        </p:nvPicPr>
+        <p:blipFill>
+          <a:blip r:embed="rId2"/>
+          <a:stretch>
+            <a:fillRect/>
+          </a:stretch>
+        </p:blipFill>
+        <p:spPr>
+          <a:xfrm>
+            <a:off x="914400" y="3581400"/>
+            <a:ext cx="5943600" cy="5668010"/>
+          </a:xfrm>
+          <a:prstGeom prst="rect">
+            <a:avLst/>
+          </a:prstGeom>
+        </p:spPr>
+      </p:pic>
     </p:spTree>
   </p:cSld>
   <p:clrMapOvr>
@@ -3877,6 +4814,318 @@
           <a:chExt cx="0" cy="0"/>
         </a:xfrm>
       </p:grpSpPr>
+      <p:sp>
+        <p:nvSpPr>
+          <p:cNvPr id="3" name="TextBox 2">
+            <a:extLst>
+              <a:ext uri="{FF2B5EF4-FFF2-40B4-BE49-F238E27FC236}">
+                <a16:creationId xmlns:a16="http://schemas.microsoft.com/office/drawing/2014/main" id="{C78E28BD-F7D8-9C66-824B-0A01CC846920}"/>
+              </a:ext>
+            </a:extLst>
+          </p:cNvPr>
+          <p:cNvSpPr txBox="1"/>
+          <p:nvPr/>
+        </p:nvSpPr>
+        <p:spPr>
+          <a:xfrm>
+            <a:off x="0" y="228600"/>
+            <a:ext cx="7391400" cy="9720610"/>
+          </a:xfrm>
+          <a:prstGeom prst="rect">
+            <a:avLst/>
+          </a:prstGeom>
+          <a:noFill/>
+        </p:spPr>
+        <p:txBody>
+          <a:bodyPr wrap="square">
+            <a:spAutoFit/>
+          </a:bodyPr>
+          <a:lstStyle/>
+          <a:p>
+            <a:pPr marL="365125" indent="-226060">
+              <a:spcBef>
+                <a:spcPts val="975"/>
+              </a:spcBef>
+              <a:tabLst>
+                <a:tab pos="365760" algn="l"/>
+                <a:tab pos="5776595" algn="r"/>
+              </a:tabLst>
+            </a:pPr>
+            <a:r>
+              <a:rPr lang="en-US" sz="2800" b="1" dirty="0">
+                <a:effectLst/>
+                <a:latin typeface="Times New Roman" panose="02020603050405020304" pitchFamily="18" charset="0"/>
+                <a:ea typeface="Times New Roman" panose="02020603050405020304" pitchFamily="18" charset="0"/>
+              </a:rPr>
+              <a:t>Future Scope of Unity 3D</a:t>
+            </a:r>
+            <a:endParaRPr lang="en-IN" sz="1600" dirty="0">
+              <a:effectLst/>
+              <a:latin typeface="Times New Roman" panose="02020603050405020304" pitchFamily="18" charset="0"/>
+              <a:ea typeface="Times New Roman" panose="02020603050405020304" pitchFamily="18" charset="0"/>
+            </a:endParaRPr>
+          </a:p>
+          <a:p>
+            <a:pPr marL="365125" indent="-226060">
+              <a:spcBef>
+                <a:spcPts val="975"/>
+              </a:spcBef>
+              <a:tabLst>
+                <a:tab pos="365760" algn="l"/>
+                <a:tab pos="5776595" algn="r"/>
+              </a:tabLst>
+            </a:pPr>
+            <a:r>
+              <a:rPr lang="en-US" sz="1800" b="1" dirty="0">
+                <a:effectLst/>
+                <a:latin typeface="Times New Roman" panose="02020603050405020304" pitchFamily="18" charset="0"/>
+                <a:ea typeface="Times New Roman" panose="02020603050405020304" pitchFamily="18" charset="0"/>
+              </a:rPr>
+              <a:t>Is Unity the Future of Game Development?</a:t>
+            </a:r>
+            <a:endParaRPr lang="en-IN" sz="1600" dirty="0">
+              <a:effectLst/>
+              <a:latin typeface="Times New Roman" panose="02020603050405020304" pitchFamily="18" charset="0"/>
+              <a:ea typeface="Times New Roman" panose="02020603050405020304" pitchFamily="18" charset="0"/>
+            </a:endParaRPr>
+          </a:p>
+          <a:p>
+            <a:pPr marL="365125" indent="-226060">
+              <a:spcBef>
+                <a:spcPts val="975"/>
+              </a:spcBef>
+              <a:tabLst>
+                <a:tab pos="365760" algn="l"/>
+                <a:tab pos="5776595" algn="r"/>
+              </a:tabLst>
+            </a:pPr>
+            <a:r>
+              <a:rPr lang="en-US" sz="1800" dirty="0">
+                <a:effectLst/>
+                <a:latin typeface="Times New Roman" panose="02020603050405020304" pitchFamily="18" charset="0"/>
+                <a:ea typeface="Times New Roman" panose="02020603050405020304" pitchFamily="18" charset="0"/>
+              </a:rPr>
+              <a:t>    With the rise of Unity3D, an increasingly popular game engine, and the emergence of other tools for creating games, it’s becoming clear that Unity might be set to become a dominant force in the industry. In this article, we will look at Unity future and what makes it an attractive choice for developers.</a:t>
+            </a:r>
+            <a:endParaRPr lang="en-IN" sz="1600" dirty="0">
+              <a:effectLst/>
+              <a:latin typeface="Times New Roman" panose="02020603050405020304" pitchFamily="18" charset="0"/>
+              <a:ea typeface="Times New Roman" panose="02020603050405020304" pitchFamily="18" charset="0"/>
+            </a:endParaRPr>
+          </a:p>
+          <a:p>
+            <a:pPr marL="365125" indent="-226060">
+              <a:spcBef>
+                <a:spcPts val="975"/>
+              </a:spcBef>
+              <a:tabLst>
+                <a:tab pos="365760" algn="l"/>
+                <a:tab pos="5776595" algn="r"/>
+              </a:tabLst>
+            </a:pPr>
+            <a:r>
+              <a:rPr lang="en-US" sz="1800" dirty="0">
+                <a:effectLst/>
+                <a:latin typeface="Times New Roman" panose="02020603050405020304" pitchFamily="18" charset="0"/>
+                <a:ea typeface="Times New Roman" panose="02020603050405020304" pitchFamily="18" charset="0"/>
+              </a:rPr>
+              <a:t>    We’ll explore how Unity could shape the future of game development and whether or not it will truly become the de facto standard. Ultimately, only time can tell what lies ahead for this beloved game engine.</a:t>
+            </a:r>
+            <a:endParaRPr lang="en-IN" sz="1600" dirty="0">
+              <a:effectLst/>
+              <a:latin typeface="Times New Roman" panose="02020603050405020304" pitchFamily="18" charset="0"/>
+              <a:ea typeface="Times New Roman" panose="02020603050405020304" pitchFamily="18" charset="0"/>
+            </a:endParaRPr>
+          </a:p>
+          <a:p>
+            <a:pPr marL="365125" indent="-226060">
+              <a:spcBef>
+                <a:spcPts val="975"/>
+              </a:spcBef>
+              <a:tabLst>
+                <a:tab pos="365760" algn="l"/>
+                <a:tab pos="5776595" algn="r"/>
+              </a:tabLst>
+            </a:pPr>
+            <a:r>
+              <a:rPr lang="en-US" sz="1800" dirty="0">
+                <a:effectLst/>
+                <a:latin typeface="Times New Roman" panose="02020603050405020304" pitchFamily="18" charset="0"/>
+                <a:ea typeface="Times New Roman" panose="02020603050405020304" pitchFamily="18" charset="0"/>
+              </a:rPr>
+              <a:t>     So, let’s get started.</a:t>
+            </a:r>
+            <a:endParaRPr lang="en-IN" sz="1600" dirty="0">
+              <a:effectLst/>
+              <a:latin typeface="Times New Roman" panose="02020603050405020304" pitchFamily="18" charset="0"/>
+              <a:ea typeface="Times New Roman" panose="02020603050405020304" pitchFamily="18" charset="0"/>
+            </a:endParaRPr>
+          </a:p>
+          <a:p>
+            <a:pPr marL="365125" indent="-226060">
+              <a:spcBef>
+                <a:spcPts val="975"/>
+              </a:spcBef>
+              <a:tabLst>
+                <a:tab pos="365760" algn="l"/>
+                <a:tab pos="5776595" algn="r"/>
+              </a:tabLst>
+            </a:pPr>
+            <a:r>
+              <a:rPr lang="en-US" sz="2000" b="1" dirty="0">
+                <a:effectLst/>
+                <a:latin typeface="Times New Roman" panose="02020603050405020304" pitchFamily="18" charset="0"/>
+                <a:ea typeface="Times New Roman" panose="02020603050405020304" pitchFamily="18" charset="0"/>
+              </a:rPr>
+              <a:t>What is Unity?</a:t>
+            </a:r>
+          </a:p>
+          <a:p>
+            <a:pPr marL="365125" indent="-226060">
+              <a:spcBef>
+                <a:spcPts val="975"/>
+              </a:spcBef>
+              <a:tabLst>
+                <a:tab pos="365760" algn="l"/>
+                <a:tab pos="5776595" algn="r"/>
+              </a:tabLst>
+            </a:pPr>
+            <a:r>
+              <a:rPr lang="en-US" sz="1800" dirty="0">
+                <a:effectLst/>
+                <a:latin typeface="Times New Roman" panose="02020603050405020304" pitchFamily="18" charset="0"/>
+                <a:ea typeface="Times New Roman" panose="02020603050405020304" pitchFamily="18" charset="0"/>
+              </a:rPr>
+              <a:t> Unity is a powerful and widely used game engine that provides developers with the tools to create stunning 3D games. It has been around since 2005 and constantly evolves, pushing the boundaries of what can be done with modern technology.</a:t>
+            </a:r>
+            <a:endParaRPr lang="en-IN" sz="1800" dirty="0">
+              <a:effectLst/>
+              <a:latin typeface="Times New Roman" panose="02020603050405020304" pitchFamily="18" charset="0"/>
+              <a:ea typeface="Times New Roman" panose="02020603050405020304" pitchFamily="18" charset="0"/>
+            </a:endParaRPr>
+          </a:p>
+          <a:p>
+            <a:pPr marL="365125" indent="-226060">
+              <a:spcBef>
+                <a:spcPts val="975"/>
+              </a:spcBef>
+              <a:tabLst>
+                <a:tab pos="365760" algn="l"/>
+                <a:tab pos="5776595" algn="r"/>
+              </a:tabLst>
+            </a:pPr>
+            <a:r>
+              <a:rPr lang="en-US" sz="1800" dirty="0">
+                <a:effectLst/>
+                <a:latin typeface="Times New Roman" panose="02020603050405020304" pitchFamily="18" charset="0"/>
+                <a:ea typeface="Times New Roman" panose="02020603050405020304" pitchFamily="18" charset="0"/>
+              </a:rPr>
+              <a:t>    The Unity engine is not limited to just games; it supports a wide range of applications, from augmented reality, virtual reality, and 3D simulations. Unity game engine’s future’s looking brighter with its many features and capabilities.</a:t>
+            </a:r>
+            <a:endParaRPr lang="en-IN" sz="1600" dirty="0">
+              <a:latin typeface="Times New Roman" panose="02020603050405020304" pitchFamily="18" charset="0"/>
+              <a:ea typeface="Times New Roman" panose="02020603050405020304" pitchFamily="18" charset="0"/>
+            </a:endParaRPr>
+          </a:p>
+          <a:p>
+            <a:pPr marL="365125" indent="-226060">
+              <a:spcBef>
+                <a:spcPts val="975"/>
+              </a:spcBef>
+              <a:tabLst>
+                <a:tab pos="365760" algn="l"/>
+                <a:tab pos="5776595" algn="r"/>
+              </a:tabLst>
+            </a:pPr>
+            <a:r>
+              <a:rPr lang="en-US" sz="1800" b="1" dirty="0">
+                <a:effectLst/>
+                <a:latin typeface="Times New Roman" panose="02020603050405020304" pitchFamily="18" charset="0"/>
+                <a:ea typeface="Times New Roman" panose="02020603050405020304" pitchFamily="18" charset="0"/>
+              </a:rPr>
+              <a:t>Advantages of Using Unity</a:t>
+            </a:r>
+            <a:endParaRPr lang="en-IN" sz="1800" dirty="0">
+              <a:effectLst/>
+              <a:latin typeface="Times New Roman" panose="02020603050405020304" pitchFamily="18" charset="0"/>
+              <a:ea typeface="Times New Roman" panose="02020603050405020304" pitchFamily="18" charset="0"/>
+            </a:endParaRPr>
+          </a:p>
+          <a:p>
+            <a:pPr marL="365125" indent="-226060">
+              <a:spcBef>
+                <a:spcPts val="975"/>
+              </a:spcBef>
+              <a:tabLst>
+                <a:tab pos="365760" algn="l"/>
+                <a:tab pos="5776595" algn="r"/>
+              </a:tabLst>
+            </a:pPr>
+            <a:r>
+              <a:rPr lang="en-US" sz="1800" dirty="0">
+                <a:effectLst/>
+                <a:latin typeface="Times New Roman" panose="02020603050405020304" pitchFamily="18" charset="0"/>
+                <a:ea typeface="Times New Roman" panose="02020603050405020304" pitchFamily="18" charset="0"/>
+              </a:rPr>
+              <a:t>    The Unity future looks bright, as the potential of Unity game engine technology is virtually limitless. There are numerous advantages when it comes to developing games with Unity such as:</a:t>
+            </a:r>
+            <a:endParaRPr lang="en-IN" sz="1800" dirty="0">
+              <a:effectLst/>
+              <a:latin typeface="Times New Roman" panose="02020603050405020304" pitchFamily="18" charset="0"/>
+              <a:ea typeface="Times New Roman" panose="02020603050405020304" pitchFamily="18" charset="0"/>
+            </a:endParaRPr>
+          </a:p>
+          <a:p>
+            <a:pPr marL="342900" lvl="0" indent="-342900">
+              <a:spcBef>
+                <a:spcPts val="975"/>
+              </a:spcBef>
+              <a:buFont typeface="+mj-lt"/>
+              <a:buAutoNum type="arabicPeriod"/>
+              <a:tabLst>
+                <a:tab pos="365760" algn="l"/>
+                <a:tab pos="5776595" algn="r"/>
+              </a:tabLst>
+            </a:pPr>
+            <a:r>
+              <a:rPr lang="en-US" sz="1800" b="1" dirty="0">
+                <a:effectLst/>
+                <a:latin typeface="Times New Roman" panose="02020603050405020304" pitchFamily="18" charset="0"/>
+                <a:ea typeface="Times New Roman" panose="02020603050405020304" pitchFamily="18" charset="0"/>
+              </a:rPr>
+              <a:t>Flexibility &amp; Integration with Other Software Platforms</a:t>
+            </a:r>
+            <a:endParaRPr lang="en-IN" sz="1800" dirty="0">
+              <a:effectLst/>
+              <a:latin typeface="Times New Roman" panose="02020603050405020304" pitchFamily="18" charset="0"/>
+              <a:ea typeface="Times New Roman" panose="02020603050405020304" pitchFamily="18" charset="0"/>
+            </a:endParaRPr>
+          </a:p>
+          <a:p>
+            <a:pPr marL="365125" indent="-226060">
+              <a:spcBef>
+                <a:spcPts val="975"/>
+              </a:spcBef>
+              <a:tabLst>
+                <a:tab pos="365760" algn="l"/>
+                <a:tab pos="5776595" algn="r"/>
+              </a:tabLst>
+            </a:pPr>
+            <a:r>
+              <a:rPr lang="en-US" sz="1800" dirty="0">
+                <a:effectLst/>
+                <a:latin typeface="Times New Roman" panose="02020603050405020304" pitchFamily="18" charset="0"/>
+                <a:ea typeface="Times New Roman" panose="02020603050405020304" pitchFamily="18" charset="0"/>
+              </a:rPr>
+              <a:t>     The Unity game engine offers great flexibility to developers, as it can be integrated with other software platforms. Any development team can easily build upon existing applications and services using the Unity game engine platform. </a:t>
+            </a:r>
+            <a:endParaRPr lang="en-US" sz="2000" b="1" dirty="0">
+              <a:latin typeface="Times New Roman" panose="02020603050405020304" pitchFamily="18" charset="0"/>
+              <a:ea typeface="Times New Roman" panose="02020603050405020304" pitchFamily="18" charset="0"/>
+            </a:endParaRPr>
+          </a:p>
+        </p:txBody>
+      </p:sp>
     </p:spTree>
   </p:cSld>
   <p:clrMapOvr>
@@ -3914,6 +5163,262 @@
           <a:chExt cx="0" cy="0"/>
         </a:xfrm>
       </p:grpSpPr>
+      <p:sp>
+        <p:nvSpPr>
+          <p:cNvPr id="3" name="TextBox 2">
+            <a:extLst>
+              <a:ext uri="{FF2B5EF4-FFF2-40B4-BE49-F238E27FC236}">
+                <a16:creationId xmlns:a16="http://schemas.microsoft.com/office/drawing/2014/main" id="{F0D454FE-85A9-0CF6-892B-B96A4F74EE47}"/>
+              </a:ext>
+            </a:extLst>
+          </p:cNvPr>
+          <p:cNvSpPr txBox="1"/>
+          <p:nvPr/>
+        </p:nvSpPr>
+        <p:spPr>
+          <a:xfrm>
+            <a:off x="0" y="304800"/>
+            <a:ext cx="7772400" cy="3118803"/>
+          </a:xfrm>
+          <a:prstGeom prst="rect">
+            <a:avLst/>
+          </a:prstGeom>
+          <a:noFill/>
+        </p:spPr>
+        <p:txBody>
+          <a:bodyPr wrap="square">
+            <a:spAutoFit/>
+          </a:bodyPr>
+          <a:lstStyle/>
+          <a:p>
+            <a:pPr marL="365125" indent="-226060">
+              <a:spcBef>
+                <a:spcPts val="975"/>
+              </a:spcBef>
+              <a:tabLst>
+                <a:tab pos="365760" algn="l"/>
+                <a:tab pos="5776595" algn="r"/>
+              </a:tabLst>
+            </a:pPr>
+            <a:r>
+              <a:rPr lang="en-US" sz="1800" dirty="0">
+                <a:effectLst/>
+                <a:latin typeface="Times New Roman" panose="02020603050405020304" pitchFamily="18" charset="0"/>
+                <a:ea typeface="Times New Roman" panose="02020603050405020304" pitchFamily="18" charset="0"/>
+              </a:rPr>
+              <a:t>This provides a unified experience for developers and players alike, as they won’t need to worry about compatibility issues across different gaming systems.</a:t>
+            </a:r>
+            <a:endParaRPr lang="en-IN" sz="1800" dirty="0">
+              <a:effectLst/>
+              <a:latin typeface="Times New Roman" panose="02020603050405020304" pitchFamily="18" charset="0"/>
+              <a:ea typeface="Times New Roman" panose="02020603050405020304" pitchFamily="18" charset="0"/>
+            </a:endParaRPr>
+          </a:p>
+          <a:p>
+            <a:pPr marL="342900" lvl="0" indent="-342900">
+              <a:spcBef>
+                <a:spcPts val="975"/>
+              </a:spcBef>
+              <a:buFont typeface="+mj-lt"/>
+              <a:buAutoNum type="arabicPeriod"/>
+              <a:tabLst>
+                <a:tab pos="365760" algn="l"/>
+                <a:tab pos="5776595" algn="r"/>
+              </a:tabLst>
+            </a:pPr>
+            <a:r>
+              <a:rPr lang="en-US" sz="1800" b="1" dirty="0">
+                <a:effectLst/>
+                <a:latin typeface="Times New Roman" panose="02020603050405020304" pitchFamily="18" charset="0"/>
+                <a:ea typeface="Times New Roman" panose="02020603050405020304" pitchFamily="18" charset="0"/>
+              </a:rPr>
+              <a:t>Ease of Use &amp; Asset Store Availability</a:t>
+            </a:r>
+            <a:endParaRPr lang="en-IN" sz="1800" dirty="0">
+              <a:effectLst/>
+              <a:latin typeface="Times New Roman" panose="02020603050405020304" pitchFamily="18" charset="0"/>
+              <a:ea typeface="Times New Roman" panose="02020603050405020304" pitchFamily="18" charset="0"/>
+            </a:endParaRPr>
+          </a:p>
+          <a:p>
+            <a:pPr marL="365125" indent="-226060">
+              <a:spcBef>
+                <a:spcPts val="975"/>
+              </a:spcBef>
+              <a:tabLst>
+                <a:tab pos="365760" algn="l"/>
+                <a:tab pos="5776595" algn="r"/>
+              </a:tabLst>
+            </a:pPr>
+            <a:r>
+              <a:rPr lang="en-US" sz="1800" dirty="0">
+                <a:effectLst/>
+                <a:latin typeface="Times New Roman" panose="02020603050405020304" pitchFamily="18" charset="0"/>
+                <a:ea typeface="Times New Roman" panose="02020603050405020304" pitchFamily="18" charset="0"/>
+              </a:rPr>
+              <a:t>     Unity is the most famous game engines available today, and for a good reason. It is incredibly easy to use with its intuitive drag-and-drop interface and visual scripting tools. Additionally, Unity has a huge selection of assets – like 3D models, textures, animations, audio clips, scripts – in its Asset Store that can be easily integrated into your projects. This means you don’t have to spend time creating everything from scratch.</a:t>
+            </a:r>
+            <a:endParaRPr lang="en-IN" sz="1800" dirty="0">
+              <a:effectLst/>
+              <a:latin typeface="Times New Roman" panose="02020603050405020304" pitchFamily="18" charset="0"/>
+              <a:ea typeface="Times New Roman" panose="02020603050405020304" pitchFamily="18" charset="0"/>
+            </a:endParaRPr>
+          </a:p>
+        </p:txBody>
+      </p:sp>
+      <p:sp>
+        <p:nvSpPr>
+          <p:cNvPr id="5" name="TextBox 4">
+            <a:extLst>
+              <a:ext uri="{FF2B5EF4-FFF2-40B4-BE49-F238E27FC236}">
+                <a16:creationId xmlns:a16="http://schemas.microsoft.com/office/drawing/2014/main" id="{A826CF26-C69F-C2D7-796E-459D294AF8E4}"/>
+              </a:ext>
+            </a:extLst>
+          </p:cNvPr>
+          <p:cNvSpPr txBox="1"/>
+          <p:nvPr/>
+        </p:nvSpPr>
+        <p:spPr>
+          <a:xfrm>
+            <a:off x="0" y="3454083"/>
+            <a:ext cx="7696200" cy="5098832"/>
+          </a:xfrm>
+          <a:prstGeom prst="rect">
+            <a:avLst/>
+          </a:prstGeom>
+          <a:noFill/>
+        </p:spPr>
+        <p:txBody>
+          <a:bodyPr wrap="square">
+            <a:spAutoFit/>
+          </a:bodyPr>
+          <a:lstStyle/>
+          <a:p>
+            <a:pPr marL="342900" lvl="0" indent="-342900">
+              <a:spcBef>
+                <a:spcPts val="975"/>
+              </a:spcBef>
+              <a:buFont typeface="+mj-lt"/>
+              <a:buAutoNum type="arabicPeriod"/>
+              <a:tabLst>
+                <a:tab pos="365760" algn="l"/>
+                <a:tab pos="5776595" algn="r"/>
+              </a:tabLst>
+            </a:pPr>
+            <a:r>
+              <a:rPr lang="en-US" sz="2000" b="1" dirty="0">
+                <a:effectLst/>
+                <a:latin typeface="Times New Roman" panose="02020603050405020304" pitchFamily="18" charset="0"/>
+                <a:ea typeface="Times New Roman" panose="02020603050405020304" pitchFamily="18" charset="0"/>
+              </a:rPr>
+              <a:t>Multiplatform Support &amp; Cross-Platform Development</a:t>
+            </a:r>
+            <a:endParaRPr lang="en-IN" sz="1600" dirty="0">
+              <a:effectLst/>
+              <a:latin typeface="Times New Roman" panose="02020603050405020304" pitchFamily="18" charset="0"/>
+              <a:ea typeface="Times New Roman" panose="02020603050405020304" pitchFamily="18" charset="0"/>
+            </a:endParaRPr>
+          </a:p>
+          <a:p>
+            <a:pPr marL="365125" indent="-226060">
+              <a:spcBef>
+                <a:spcPts val="975"/>
+              </a:spcBef>
+              <a:tabLst>
+                <a:tab pos="365760" algn="l"/>
+                <a:tab pos="5776595" algn="r"/>
+              </a:tabLst>
+            </a:pPr>
+            <a:r>
+              <a:rPr lang="en-US" sz="1800" dirty="0">
+                <a:effectLst/>
+                <a:latin typeface="Times New Roman" panose="02020603050405020304" pitchFamily="18" charset="0"/>
+                <a:ea typeface="Times New Roman" panose="02020603050405020304" pitchFamily="18" charset="0"/>
+              </a:rPr>
+              <a:t>     The Unity game engine has become a powerful and popular tool in developing games for multiple platforms. This is due to its easy-to-use tools, wide range of possibilities, and its ability to create cross-platform games. With this advantage, developers can easily reach out to wider audiences and even make their projects more profitable as they don’t have to focus on developing different versions for each platform.</a:t>
+            </a:r>
+            <a:endParaRPr lang="en-IN" sz="1600" dirty="0">
+              <a:effectLst/>
+              <a:latin typeface="Times New Roman" panose="02020603050405020304" pitchFamily="18" charset="0"/>
+              <a:ea typeface="Times New Roman" panose="02020603050405020304" pitchFamily="18" charset="0"/>
+            </a:endParaRPr>
+          </a:p>
+          <a:p>
+            <a:pPr marL="365125" indent="-226060">
+              <a:spcBef>
+                <a:spcPts val="975"/>
+              </a:spcBef>
+              <a:tabLst>
+                <a:tab pos="365760" algn="l"/>
+                <a:tab pos="5776595" algn="r"/>
+              </a:tabLst>
+            </a:pPr>
+            <a:r>
+              <a:rPr lang="en-US" sz="1800" dirty="0">
+                <a:effectLst/>
+                <a:latin typeface="Times New Roman" panose="02020603050405020304" pitchFamily="18" charset="0"/>
+                <a:ea typeface="Times New Roman" panose="02020603050405020304" pitchFamily="18" charset="0"/>
+              </a:rPr>
+              <a:t>     The future of unity3d game engine is bright, and developers using unity can be certain that they can easily port their projects to other platforms, making it an even more attractive tool for game development.</a:t>
+            </a:r>
+            <a:endParaRPr lang="en-IN" sz="1600" dirty="0">
+              <a:effectLst/>
+              <a:latin typeface="Times New Roman" panose="02020603050405020304" pitchFamily="18" charset="0"/>
+              <a:ea typeface="Times New Roman" panose="02020603050405020304" pitchFamily="18" charset="0"/>
+            </a:endParaRPr>
+          </a:p>
+          <a:p>
+            <a:pPr marL="342900" lvl="0" indent="-342900">
+              <a:spcBef>
+                <a:spcPts val="975"/>
+              </a:spcBef>
+              <a:buFont typeface="+mj-lt"/>
+              <a:buAutoNum type="arabicPeriod"/>
+              <a:tabLst>
+                <a:tab pos="365760" algn="l"/>
+                <a:tab pos="5776595" algn="r"/>
+              </a:tabLst>
+            </a:pPr>
+            <a:r>
+              <a:rPr lang="en-US" sz="2000" b="1" dirty="0">
+                <a:effectLst/>
+                <a:latin typeface="Times New Roman" panose="02020603050405020304" pitchFamily="18" charset="0"/>
+                <a:ea typeface="Times New Roman" panose="02020603050405020304" pitchFamily="18" charset="0"/>
+              </a:rPr>
+              <a:t>Cost Efficiency &amp; Low Learning Curve</a:t>
+            </a:r>
+            <a:endParaRPr lang="en-IN" sz="1600" dirty="0">
+              <a:effectLst/>
+              <a:latin typeface="Times New Roman" panose="02020603050405020304" pitchFamily="18" charset="0"/>
+              <a:ea typeface="Times New Roman" panose="02020603050405020304" pitchFamily="18" charset="0"/>
+            </a:endParaRPr>
+          </a:p>
+          <a:p>
+            <a:pPr marL="365125" indent="-226060">
+              <a:spcBef>
+                <a:spcPts val="975"/>
+              </a:spcBef>
+              <a:tabLst>
+                <a:tab pos="365760" algn="l"/>
+                <a:tab pos="5776595" algn="r"/>
+              </a:tabLst>
+            </a:pPr>
+            <a:r>
+              <a:rPr lang="en-US" sz="1800" dirty="0">
+                <a:effectLst/>
+                <a:latin typeface="Times New Roman" panose="02020603050405020304" pitchFamily="18" charset="0"/>
+                <a:ea typeface="Times New Roman" panose="02020603050405020304" pitchFamily="18" charset="0"/>
+              </a:rPr>
+              <a:t>     The Unity3D game engine offers cost efficiency and a low learning curve, making it an attractive choice for game developers. From small teams to large multinational companies, Unity3D’s affordable pricing structure and ease of use ensure that anyone can get into the world of game development quickly and start creating with minimal effort.</a:t>
+            </a:r>
+            <a:endParaRPr lang="en-IN" sz="1600" dirty="0">
+              <a:effectLst/>
+              <a:latin typeface="Times New Roman" panose="02020603050405020304" pitchFamily="18" charset="0"/>
+              <a:ea typeface="Times New Roman" panose="02020603050405020304" pitchFamily="18" charset="0"/>
+            </a:endParaRPr>
+          </a:p>
+        </p:txBody>
+      </p:sp>
     </p:spTree>
   </p:cSld>
   <p:clrMapOvr>
@@ -3961,6 +5466,253 @@
           <a:chExt cx="0" cy="0"/>
         </a:xfrm>
       </p:grpSpPr>
+      <p:sp>
+        <p:nvSpPr>
+          <p:cNvPr id="3" name="TextBox 2">
+            <a:extLst>
+              <a:ext uri="{FF2B5EF4-FFF2-40B4-BE49-F238E27FC236}">
+                <a16:creationId xmlns:a16="http://schemas.microsoft.com/office/drawing/2014/main" id="{056ED323-432E-13EC-C039-E963EEA569D1}"/>
+              </a:ext>
+            </a:extLst>
+          </p:cNvPr>
+          <p:cNvSpPr txBox="1"/>
+          <p:nvPr/>
+        </p:nvSpPr>
+        <p:spPr>
+          <a:xfrm>
+            <a:off x="152400" y="304800"/>
+            <a:ext cx="7620000" cy="9643666"/>
+          </a:xfrm>
+          <a:prstGeom prst="rect">
+            <a:avLst/>
+          </a:prstGeom>
+          <a:noFill/>
+        </p:spPr>
+        <p:txBody>
+          <a:bodyPr wrap="square">
+            <a:spAutoFit/>
+          </a:bodyPr>
+          <a:lstStyle/>
+          <a:p>
+            <a:pPr marL="342900" lvl="0" indent="-342900">
+              <a:spcBef>
+                <a:spcPts val="975"/>
+              </a:spcBef>
+              <a:buFont typeface="+mj-lt"/>
+              <a:buAutoNum type="arabicPeriod"/>
+              <a:tabLst>
+                <a:tab pos="365760" algn="l"/>
+                <a:tab pos="5776595" algn="r"/>
+              </a:tabLst>
+            </a:pPr>
+            <a:r>
+              <a:rPr lang="en-US" sz="2000" b="1" dirty="0">
+                <a:effectLst/>
+                <a:latin typeface="Times New Roman" panose="02020603050405020304" pitchFamily="18" charset="0"/>
+                <a:ea typeface="Times New Roman" panose="02020603050405020304" pitchFamily="18" charset="0"/>
+              </a:rPr>
+              <a:t>Developer Community Support</a:t>
+            </a:r>
+            <a:endParaRPr lang="en-IN" sz="1600" dirty="0">
+              <a:effectLst/>
+              <a:latin typeface="Times New Roman" panose="02020603050405020304" pitchFamily="18" charset="0"/>
+              <a:ea typeface="Times New Roman" panose="02020603050405020304" pitchFamily="18" charset="0"/>
+            </a:endParaRPr>
+          </a:p>
+          <a:p>
+            <a:pPr marL="365125" indent="-226060">
+              <a:spcBef>
+                <a:spcPts val="975"/>
+              </a:spcBef>
+              <a:tabLst>
+                <a:tab pos="365760" algn="l"/>
+                <a:tab pos="5776595" algn="r"/>
+              </a:tabLst>
+            </a:pPr>
+            <a:r>
+              <a:rPr lang="en-US" sz="1800" dirty="0">
+                <a:effectLst/>
+                <a:latin typeface="Times New Roman" panose="02020603050405020304" pitchFamily="18" charset="0"/>
+                <a:ea typeface="Times New Roman" panose="02020603050405020304" pitchFamily="18" charset="0"/>
+              </a:rPr>
+              <a:t>     Developers have much to gain from using the Unity 3D game engine, starting with the vibrant and ever-growing community of users. The unity game engine future would be undoubtedly brighter with the ever-growing developer community support. Unity has been around for many years, so developers have come together to form a strong and knowledgeable network of unity users.</a:t>
+            </a:r>
+            <a:endParaRPr lang="en-IN" sz="1600" dirty="0">
+              <a:effectLst/>
+              <a:latin typeface="Times New Roman" panose="02020603050405020304" pitchFamily="18" charset="0"/>
+              <a:ea typeface="Times New Roman" panose="02020603050405020304" pitchFamily="18" charset="0"/>
+            </a:endParaRPr>
+          </a:p>
+          <a:p>
+            <a:pPr marL="365125" indent="-226060">
+              <a:spcBef>
+                <a:spcPts val="975"/>
+              </a:spcBef>
+              <a:tabLst>
+                <a:tab pos="365760" algn="l"/>
+                <a:tab pos="5776595" algn="r"/>
+              </a:tabLst>
+            </a:pPr>
+            <a:r>
+              <a:rPr lang="en-US" sz="2400" b="1" dirty="0">
+                <a:effectLst/>
+                <a:latin typeface="Times New Roman" panose="02020603050405020304" pitchFamily="18" charset="0"/>
+                <a:ea typeface="Times New Roman" panose="02020603050405020304" pitchFamily="18" charset="0"/>
+              </a:rPr>
+              <a:t>    The Growing Popularity of Unity</a:t>
+            </a:r>
+            <a:endParaRPr lang="en-IN" sz="1600" dirty="0">
+              <a:effectLst/>
+              <a:latin typeface="Times New Roman" panose="02020603050405020304" pitchFamily="18" charset="0"/>
+              <a:ea typeface="Times New Roman" panose="02020603050405020304" pitchFamily="18" charset="0"/>
+            </a:endParaRPr>
+          </a:p>
+          <a:p>
+            <a:pPr marL="365125" indent="-226060">
+              <a:spcBef>
+                <a:spcPts val="975"/>
+              </a:spcBef>
+              <a:tabLst>
+                <a:tab pos="365760" algn="l"/>
+                <a:tab pos="5776595" algn="r"/>
+              </a:tabLst>
+            </a:pPr>
+            <a:r>
+              <a:rPr lang="en-US" sz="1800" dirty="0">
+                <a:effectLst/>
+                <a:latin typeface="Times New Roman" panose="02020603050405020304" pitchFamily="18" charset="0"/>
+                <a:ea typeface="Times New Roman" panose="02020603050405020304" pitchFamily="18" charset="0"/>
+              </a:rPr>
+              <a:t>     The unity future looks brighter as more game developers use Unity3D for their projects. With its powerful development tools, a wide range of supported platforms, and a large library of assets, Unity is one of today’s most popular game engines.</a:t>
+            </a:r>
+            <a:endParaRPr lang="en-IN" sz="1600" dirty="0">
+              <a:effectLst/>
+              <a:latin typeface="Times New Roman" panose="02020603050405020304" pitchFamily="18" charset="0"/>
+              <a:ea typeface="Times New Roman" panose="02020603050405020304" pitchFamily="18" charset="0"/>
+            </a:endParaRPr>
+          </a:p>
+          <a:p>
+            <a:pPr marL="365125" indent="-226060">
+              <a:spcBef>
+                <a:spcPts val="975"/>
+              </a:spcBef>
+              <a:tabLst>
+                <a:tab pos="365760" algn="l"/>
+                <a:tab pos="5776595" algn="r"/>
+              </a:tabLst>
+            </a:pPr>
+            <a:r>
+              <a:rPr lang="en-US" sz="1800" dirty="0">
+                <a:effectLst/>
+                <a:latin typeface="Times New Roman" panose="02020603050405020304" pitchFamily="18" charset="0"/>
+                <a:ea typeface="Times New Roman" panose="02020603050405020304" pitchFamily="18" charset="0"/>
+              </a:rPr>
+              <a:t>     Since its launch in 2005, the engine has been constantly updated with new features and advancements which make it easier for developers to create 2D and 3D games with stunning visuals and immersive experiences. This has led to a steady increase in popularity among both indie developers and larger studios alike.</a:t>
+            </a:r>
+            <a:endParaRPr lang="en-IN" sz="1600" dirty="0">
+              <a:effectLst/>
+              <a:latin typeface="Times New Roman" panose="02020603050405020304" pitchFamily="18" charset="0"/>
+              <a:ea typeface="Times New Roman" panose="02020603050405020304" pitchFamily="18" charset="0"/>
+            </a:endParaRPr>
+          </a:p>
+          <a:p>
+            <a:pPr marL="365125" indent="-226060">
+              <a:spcBef>
+                <a:spcPts val="975"/>
+              </a:spcBef>
+              <a:tabLst>
+                <a:tab pos="365760" algn="l"/>
+                <a:tab pos="5776595" algn="r"/>
+              </a:tabLst>
+            </a:pPr>
+            <a:r>
+              <a:rPr lang="en-US" sz="2400" b="1" dirty="0">
+                <a:effectLst/>
+                <a:latin typeface="Times New Roman" panose="02020603050405020304" pitchFamily="18" charset="0"/>
+                <a:ea typeface="Times New Roman" panose="02020603050405020304" pitchFamily="18" charset="0"/>
+              </a:rPr>
+              <a:t>    Is Unity the Future of Game Engines?</a:t>
+            </a:r>
+            <a:endParaRPr lang="en-IN" sz="1600" dirty="0">
+              <a:effectLst/>
+              <a:latin typeface="Times New Roman" panose="02020603050405020304" pitchFamily="18" charset="0"/>
+              <a:ea typeface="Times New Roman" panose="02020603050405020304" pitchFamily="18" charset="0"/>
+            </a:endParaRPr>
+          </a:p>
+          <a:p>
+            <a:pPr marL="365125" indent="-226060">
+              <a:spcBef>
+                <a:spcPts val="975"/>
+              </a:spcBef>
+              <a:tabLst>
+                <a:tab pos="365760" algn="l"/>
+                <a:tab pos="5776595" algn="r"/>
+              </a:tabLst>
+            </a:pPr>
+            <a:r>
+              <a:rPr lang="en-US" sz="1800" dirty="0">
+                <a:effectLst/>
+                <a:latin typeface="Times New Roman" panose="02020603050405020304" pitchFamily="18" charset="0"/>
+                <a:ea typeface="Times New Roman" panose="02020603050405020304" pitchFamily="18" charset="0"/>
+              </a:rPr>
+              <a:t>     There are certainly opportunities for growth in this field. As more developers explore the possibilities of creating games on top of a unified platform like Unity, advances in AI-driven content creation and development could open up new avenues for innovation. New platforms such as VR/AR could also provide exciting applications for Unity’s capabilities.</a:t>
+            </a:r>
+            <a:endParaRPr lang="en-IN" sz="1600" dirty="0">
+              <a:effectLst/>
+              <a:latin typeface="Times New Roman" panose="02020603050405020304" pitchFamily="18" charset="0"/>
+              <a:ea typeface="Times New Roman" panose="02020603050405020304" pitchFamily="18" charset="0"/>
+            </a:endParaRPr>
+          </a:p>
+          <a:p>
+            <a:pPr marL="365125" indent="-226060">
+              <a:spcBef>
+                <a:spcPts val="975"/>
+              </a:spcBef>
+              <a:tabLst>
+                <a:tab pos="365760" algn="l"/>
+                <a:tab pos="5776595" algn="r"/>
+              </a:tabLst>
+            </a:pPr>
+            <a:r>
+              <a:rPr lang="en-US" sz="1800" dirty="0">
+                <a:effectLst/>
+                <a:latin typeface="Times New Roman" panose="02020603050405020304" pitchFamily="18" charset="0"/>
+                <a:ea typeface="Times New Roman" panose="02020603050405020304" pitchFamily="18" charset="0"/>
+              </a:rPr>
+              <a:t>    The increasing popularity of game engines built on the platform could create new opportunities for publishers and developers.</a:t>
+            </a:r>
+            <a:endParaRPr lang="en-IN" sz="1600" dirty="0">
+              <a:effectLst/>
+              <a:latin typeface="Times New Roman" panose="02020603050405020304" pitchFamily="18" charset="0"/>
+              <a:ea typeface="Times New Roman" panose="02020603050405020304" pitchFamily="18" charset="0"/>
+            </a:endParaRPr>
+          </a:p>
+          <a:p>
+            <a:pPr marL="365125" indent="-226060">
+              <a:spcBef>
+                <a:spcPts val="975"/>
+              </a:spcBef>
+              <a:tabLst>
+                <a:tab pos="365760" algn="l"/>
+                <a:tab pos="5776595" algn="r"/>
+              </a:tabLst>
+            </a:pPr>
+            <a:r>
+              <a:rPr lang="en-US" sz="1800" dirty="0">
+                <a:effectLst/>
+                <a:latin typeface="Times New Roman" panose="02020603050405020304" pitchFamily="18" charset="0"/>
+                <a:ea typeface="Times New Roman" panose="02020603050405020304" pitchFamily="18" charset="0"/>
+              </a:rPr>
+              <a:t>    Unity has become the go-to engine for many developers, offering a versatile platform with a wide range of features, tools, and assets. It is easy to start creating games with Unity’s intuitive workflow and vast online library of assets and tutorials. There are no limits to building interactive experiences within virtual worlds powered by Unity.</a:t>
+            </a:r>
+            <a:endParaRPr lang="en-IN" sz="1600" dirty="0">
+              <a:effectLst/>
+              <a:latin typeface="Times New Roman" panose="02020603050405020304" pitchFamily="18" charset="0"/>
+              <a:ea typeface="Times New Roman" panose="02020603050405020304" pitchFamily="18" charset="0"/>
+            </a:endParaRPr>
+          </a:p>
+        </p:txBody>
+      </p:sp>
     </p:spTree>
   </p:cSld>
   <p:clrMapOvr>
@@ -4741,6 +6493,222 @@
           <a:chExt cx="0" cy="0"/>
         </a:xfrm>
       </p:grpSpPr>
+      <p:sp>
+        <p:nvSpPr>
+          <p:cNvPr id="3" name="TextBox 2">
+            <a:extLst>
+              <a:ext uri="{FF2B5EF4-FFF2-40B4-BE49-F238E27FC236}">
+                <a16:creationId xmlns:a16="http://schemas.microsoft.com/office/drawing/2014/main" id="{0E841CA5-A791-6822-3924-839B058051EA}"/>
+              </a:ext>
+            </a:extLst>
+          </p:cNvPr>
+          <p:cNvSpPr txBox="1"/>
+          <p:nvPr/>
+        </p:nvSpPr>
+        <p:spPr>
+          <a:xfrm>
+            <a:off x="0" y="152400"/>
+            <a:ext cx="7620000" cy="7817525"/>
+          </a:xfrm>
+          <a:prstGeom prst="rect">
+            <a:avLst/>
+          </a:prstGeom>
+          <a:noFill/>
+        </p:spPr>
+        <p:txBody>
+          <a:bodyPr wrap="square">
+            <a:spAutoFit/>
+          </a:bodyPr>
+          <a:lstStyle/>
+          <a:p>
+            <a:pPr marL="365125" indent="-226060">
+              <a:spcBef>
+                <a:spcPts val="975"/>
+              </a:spcBef>
+              <a:tabLst>
+                <a:tab pos="365760" algn="l"/>
+                <a:tab pos="5776595" algn="r"/>
+              </a:tabLst>
+            </a:pPr>
+            <a:r>
+              <a:rPr lang="en-US" sz="2000" b="1" dirty="0">
+                <a:effectLst/>
+                <a:latin typeface="Times New Roman" panose="02020603050405020304" pitchFamily="18" charset="0"/>
+                <a:ea typeface="Times New Roman" panose="02020603050405020304" pitchFamily="18" charset="0"/>
+              </a:rPr>
+              <a:t>Increased Use in Enterprise/High-End Projects</a:t>
+            </a:r>
+            <a:endParaRPr lang="en-IN" sz="1600" dirty="0">
+              <a:effectLst/>
+              <a:latin typeface="Times New Roman" panose="02020603050405020304" pitchFamily="18" charset="0"/>
+              <a:ea typeface="Times New Roman" panose="02020603050405020304" pitchFamily="18" charset="0"/>
+            </a:endParaRPr>
+          </a:p>
+          <a:p>
+            <a:pPr marL="365125" indent="-226060">
+              <a:spcBef>
+                <a:spcPts val="975"/>
+              </a:spcBef>
+              <a:tabLst>
+                <a:tab pos="365760" algn="l"/>
+                <a:tab pos="5776595" algn="r"/>
+              </a:tabLst>
+            </a:pPr>
+            <a:r>
+              <a:rPr lang="en-US" sz="1800" dirty="0">
+                <a:effectLst/>
+                <a:latin typeface="Times New Roman" panose="02020603050405020304" pitchFamily="18" charset="0"/>
+                <a:ea typeface="Times New Roman" panose="02020603050405020304" pitchFamily="18" charset="0"/>
+              </a:rPr>
+              <a:t>     One of the key indicators for the future of Unity as a game engine is its increasing use in enterprise and high-end projects. Organizations like Disney, NASA, IBM, and Microsoft have used Unity to develop custom products or solutions. This type of usage signals that Unity is more than just a tool for indie developers – it can produce professional-level results on par with some of the biggest names in game development.</a:t>
+            </a:r>
+            <a:endParaRPr lang="en-IN" sz="1600" dirty="0">
+              <a:effectLst/>
+              <a:latin typeface="Times New Roman" panose="02020603050405020304" pitchFamily="18" charset="0"/>
+              <a:ea typeface="Times New Roman" panose="02020603050405020304" pitchFamily="18" charset="0"/>
+            </a:endParaRPr>
+          </a:p>
+          <a:p>
+            <a:pPr marL="365125" indent="-226060">
+              <a:spcBef>
+                <a:spcPts val="975"/>
+              </a:spcBef>
+              <a:tabLst>
+                <a:tab pos="365760" algn="l"/>
+                <a:tab pos="5776595" algn="r"/>
+              </a:tabLst>
+            </a:pPr>
+            <a:r>
+              <a:rPr lang="en-US" sz="1800" dirty="0">
+                <a:effectLst/>
+                <a:latin typeface="Times New Roman" panose="02020603050405020304" pitchFamily="18" charset="0"/>
+                <a:ea typeface="Times New Roman" panose="02020603050405020304" pitchFamily="18" charset="0"/>
+              </a:rPr>
+              <a:t>     As per the future of unity3d game engine, this will likely lead to more businesses and developers turning to the engine for their projects. Also, you can take help from </a:t>
+            </a:r>
+            <a:endParaRPr lang="en-IN" sz="1600" dirty="0">
+              <a:effectLst/>
+              <a:latin typeface="Times New Roman" panose="02020603050405020304" pitchFamily="18" charset="0"/>
+              <a:ea typeface="Times New Roman" panose="02020603050405020304" pitchFamily="18" charset="0"/>
+            </a:endParaRPr>
+          </a:p>
+          <a:p>
+            <a:pPr marL="365125" indent="-226060">
+              <a:spcBef>
+                <a:spcPts val="975"/>
+              </a:spcBef>
+              <a:tabLst>
+                <a:tab pos="365760" algn="l"/>
+                <a:tab pos="5776595" algn="r"/>
+              </a:tabLst>
+            </a:pPr>
+            <a:r>
+              <a:rPr lang="en-US" sz="1800" b="1" dirty="0">
+                <a:effectLst/>
+                <a:latin typeface="Times New Roman" panose="02020603050405020304" pitchFamily="18" charset="0"/>
+                <a:ea typeface="Times New Roman" panose="02020603050405020304" pitchFamily="18" charset="0"/>
+              </a:rPr>
+              <a:t>     Increasing Productivity &amp; Efficiency Through Automation</a:t>
+            </a:r>
+            <a:endParaRPr lang="en-IN" sz="1600" dirty="0">
+              <a:effectLst/>
+              <a:latin typeface="Times New Roman" panose="02020603050405020304" pitchFamily="18" charset="0"/>
+              <a:ea typeface="Times New Roman" panose="02020603050405020304" pitchFamily="18" charset="0"/>
+            </a:endParaRPr>
+          </a:p>
+          <a:p>
+            <a:pPr marL="365125" indent="-226060">
+              <a:spcBef>
+                <a:spcPts val="975"/>
+              </a:spcBef>
+              <a:tabLst>
+                <a:tab pos="365760" algn="l"/>
+                <a:tab pos="5776595" algn="r"/>
+              </a:tabLst>
+            </a:pPr>
+            <a:r>
+              <a:rPr lang="en-US" sz="1800" dirty="0">
+                <a:effectLst/>
+                <a:latin typeface="Times New Roman" panose="02020603050405020304" pitchFamily="18" charset="0"/>
+                <a:ea typeface="Times New Roman" panose="02020603050405020304" pitchFamily="18" charset="0"/>
+              </a:rPr>
+              <a:t>     Based on Unity’s future, the automation of tasks is rapidly becoming the norm. Automation has been proven to boost efficiency and productivity in various industries. Automation can streamline processes and allow employees to focus on higher-value tasks like customer service or product innovation.</a:t>
+            </a:r>
+            <a:endParaRPr lang="en-IN" sz="1600" dirty="0">
+              <a:effectLst/>
+              <a:latin typeface="Times New Roman" panose="02020603050405020304" pitchFamily="18" charset="0"/>
+              <a:ea typeface="Times New Roman" panose="02020603050405020304" pitchFamily="18" charset="0"/>
+            </a:endParaRPr>
+          </a:p>
+          <a:p>
+            <a:pPr marL="365125" indent="-226060">
+              <a:spcBef>
+                <a:spcPts val="975"/>
+              </a:spcBef>
+              <a:tabLst>
+                <a:tab pos="365760" algn="l"/>
+                <a:tab pos="5776595" algn="r"/>
+              </a:tabLst>
+            </a:pPr>
+            <a:r>
+              <a:rPr lang="en-US" sz="1800" dirty="0">
+                <a:effectLst/>
+                <a:latin typeface="Times New Roman" panose="02020603050405020304" pitchFamily="18" charset="0"/>
+                <a:ea typeface="Times New Roman" panose="02020603050405020304" pitchFamily="18" charset="0"/>
+              </a:rPr>
+              <a:t>     It also reduces errors due to manual input and decreases overall costs. Moreover, automation can make a </a:t>
+            </a:r>
+            <a:endParaRPr lang="en-IN" sz="1600" dirty="0">
+              <a:effectLst/>
+              <a:latin typeface="Times New Roman" panose="02020603050405020304" pitchFamily="18" charset="0"/>
+              <a:ea typeface="Times New Roman" panose="02020603050405020304" pitchFamily="18" charset="0"/>
+            </a:endParaRPr>
+          </a:p>
+          <a:p>
+            <a:pPr marL="365125" indent="-226060">
+              <a:spcBef>
+                <a:spcPts val="975"/>
+              </a:spcBef>
+              <a:tabLst>
+                <a:tab pos="365760" algn="l"/>
+                <a:tab pos="5776595" algn="r"/>
+              </a:tabLst>
+            </a:pPr>
+            <a:r>
+              <a:rPr lang="en-US" sz="1800" dirty="0">
+                <a:effectLst/>
+                <a:latin typeface="Times New Roman" panose="02020603050405020304" pitchFamily="18" charset="0"/>
+                <a:ea typeface="Times New Roman" panose="02020603050405020304" pitchFamily="18" charset="0"/>
+              </a:rPr>
+              <a:t>    </a:t>
+            </a:r>
+            <a:r>
+              <a:rPr lang="en-US" sz="1800" b="1" dirty="0">
+                <a:effectLst/>
+                <a:latin typeface="Times New Roman" panose="02020603050405020304" pitchFamily="18" charset="0"/>
+                <a:ea typeface="Times New Roman" panose="02020603050405020304" pitchFamily="18" charset="0"/>
+              </a:rPr>
+              <a:t> Enhancing User Experiences With Improved Graphics &amp; Visuals </a:t>
+            </a:r>
+            <a:endParaRPr lang="en-IN" sz="1600" dirty="0">
+              <a:effectLst/>
+              <a:latin typeface="Times New Roman" panose="02020603050405020304" pitchFamily="18" charset="0"/>
+              <a:ea typeface="Times New Roman" panose="02020603050405020304" pitchFamily="18" charset="0"/>
+            </a:endParaRPr>
+          </a:p>
+          <a:p>
+            <a:r>
+              <a:rPr lang="en-US" sz="1800" dirty="0">
+                <a:effectLst/>
+                <a:latin typeface="Times New Roman" panose="02020603050405020304" pitchFamily="18" charset="0"/>
+                <a:ea typeface="SimSun" panose="02010600030101010101" pitchFamily="2" charset="-122"/>
+              </a:rPr>
+              <a:t>     Improved graphics and visuals have revolutionized the user experience of playing many modern games. If you’re considering the future of unity3d game engine, then you can expect to see increasingly impressive visual effects and interactive experiences. Unity Future promises to take gaming experiences to the next level with their upcoming releases – powered by state of the art graphic and visual advancements.</a:t>
+            </a:r>
+            <a:endParaRPr lang="en-IN" dirty="0"/>
+          </a:p>
+        </p:txBody>
+      </p:sp>
     </p:spTree>
   </p:cSld>
   <p:clrMapOvr>
@@ -4750,350 +6718,6 @@
     <mc:Choice Requires="p14">
       <p:transition spd="slow" p14:dur="1250">
         <p14:switch dir="r"/>
-      </p:transition>
-    </mc:Choice>
-    <mc:Fallback xmlns="">
-      <p:transition spd="slow">
-        <p:fade/>
-      </p:transition>
-    </mc:Fallback>
-  </mc:AlternateContent>
-</p:sld>
-</file>
-
-<file path=ppt/slides/slide21.xml><?xml version="1.0" encoding="utf-8"?>
-<p:sld xmlns:a="http://schemas.openxmlformats.org/drawingml/2006/main" xmlns:r="http://schemas.openxmlformats.org/officeDocument/2006/relationships" xmlns:p="http://schemas.openxmlformats.org/presentationml/2006/main" showMasterSp="0">
-  <p:cSld>
-    <p:spTree>
-      <p:nvGrpSpPr>
-        <p:cNvPr id="1" name=""/>
-        <p:cNvGrpSpPr/>
-        <p:nvPr/>
-      </p:nvGrpSpPr>
-      <p:grpSpPr>
-        <a:xfrm>
-          <a:off x="0" y="0"/>
-          <a:ext cx="0" cy="0"/>
-          <a:chOff x="0" y="0"/>
-          <a:chExt cx="0" cy="0"/>
-        </a:xfrm>
-      </p:grpSpPr>
-    </p:spTree>
-  </p:cSld>
-  <p:clrMapOvr>
-    <a:masterClrMapping/>
-  </p:clrMapOvr>
-  <mc:AlternateContent xmlns:mc="http://schemas.openxmlformats.org/markup-compatibility/2006" xmlns:p14="http://schemas.microsoft.com/office/powerpoint/2010/main">
-    <mc:Choice Requires="p14">
-      <p:transition spd="slow" p14:dur="1250">
-        <p14:switch dir="r"/>
-      </p:transition>
-    </mc:Choice>
-    <mc:Fallback xmlns="">
-      <p:transition spd="slow">
-        <p:fade/>
-      </p:transition>
-    </mc:Fallback>
-  </mc:AlternateContent>
-</p:sld>
-</file>
-
-<file path=ppt/slides/slide22.xml><?xml version="1.0" encoding="utf-8"?>
-<p:sld xmlns:a="http://schemas.openxmlformats.org/drawingml/2006/main" xmlns:r="http://schemas.openxmlformats.org/officeDocument/2006/relationships" xmlns:p="http://schemas.openxmlformats.org/presentationml/2006/main" showMasterSp="0">
-  <p:cSld>
-    <p:spTree>
-      <p:nvGrpSpPr>
-        <p:cNvPr id="1" name=""/>
-        <p:cNvGrpSpPr/>
-        <p:nvPr/>
-      </p:nvGrpSpPr>
-      <p:grpSpPr>
-        <a:xfrm>
-          <a:off x="0" y="0"/>
-          <a:ext cx="0" cy="0"/>
-          <a:chOff x="0" y="0"/>
-          <a:chExt cx="0" cy="0"/>
-        </a:xfrm>
-      </p:grpSpPr>
-    </p:spTree>
-  </p:cSld>
-  <p:clrMapOvr>
-    <a:masterClrMapping/>
-  </p:clrMapOvr>
-  <mc:AlternateContent xmlns:mc="http://schemas.openxmlformats.org/markup-compatibility/2006" xmlns:p14="http://schemas.microsoft.com/office/powerpoint/2010/main">
-    <mc:Choice Requires="p14">
-      <p:transition spd="slow" p14:dur="1250">
-        <p14:flip dir="r"/>
-      </p:transition>
-    </mc:Choice>
-    <mc:Fallback xmlns="">
-      <p:transition spd="slow">
-        <p:fade/>
-      </p:transition>
-    </mc:Fallback>
-  </mc:AlternateContent>
-</p:sld>
-</file>
-
-<file path=ppt/slides/slide23.xml><?xml version="1.0" encoding="utf-8"?>
-<p:sld xmlns:a="http://schemas.openxmlformats.org/drawingml/2006/main" xmlns:r="http://schemas.openxmlformats.org/officeDocument/2006/relationships" xmlns:p="http://schemas.openxmlformats.org/presentationml/2006/main" showMasterSp="0">
-  <p:cSld>
-    <p:bg>
-      <p:bgPr>
-        <a:blipFill dpi="0" rotWithShape="1">
-          <a:blip r:embed="rId2"/>
-          <a:srcRect/>
-          <a:tile tx="0" ty="0" sx="100000" sy="100000" flip="none" algn="tl"/>
-        </a:blipFill>
-        <a:effectLst/>
-      </p:bgPr>
-    </p:bg>
-    <p:spTree>
-      <p:nvGrpSpPr>
-        <p:cNvPr id="1" name=""/>
-        <p:cNvGrpSpPr/>
-        <p:nvPr/>
-      </p:nvGrpSpPr>
-      <p:grpSpPr>
-        <a:xfrm>
-          <a:off x="0" y="0"/>
-          <a:ext cx="0" cy="0"/>
-          <a:chOff x="0" y="0"/>
-          <a:chExt cx="0" cy="0"/>
-        </a:xfrm>
-      </p:grpSpPr>
-    </p:spTree>
-  </p:cSld>
-  <p:clrMapOvr>
-    <a:masterClrMapping/>
-  </p:clrMapOvr>
-  <mc:AlternateContent xmlns:mc="http://schemas.openxmlformats.org/markup-compatibility/2006" xmlns:p14="http://schemas.microsoft.com/office/powerpoint/2010/main">
-    <mc:Choice Requires="p14">
-      <p:transition spd="slow" p14:dur="1600">
-        <p14:gallery dir="l"/>
-      </p:transition>
-    </mc:Choice>
-    <mc:Fallback xmlns="">
-      <p:transition spd="slow">
-        <p:fade/>
-      </p:transition>
-    </mc:Fallback>
-  </mc:AlternateContent>
-</p:sld>
-</file>
-
-<file path=ppt/slides/slide24.xml><?xml version="1.0" encoding="utf-8"?>
-<p:sld xmlns:a="http://schemas.openxmlformats.org/drawingml/2006/main" xmlns:r="http://schemas.openxmlformats.org/officeDocument/2006/relationships" xmlns:p="http://schemas.openxmlformats.org/presentationml/2006/main" showMasterSp="0">
-  <p:cSld>
-    <p:spTree>
-      <p:nvGrpSpPr>
-        <p:cNvPr id="1" name=""/>
-        <p:cNvGrpSpPr/>
-        <p:nvPr/>
-      </p:nvGrpSpPr>
-      <p:grpSpPr>
-        <a:xfrm>
-          <a:off x="0" y="0"/>
-          <a:ext cx="0" cy="0"/>
-          <a:chOff x="0" y="0"/>
-          <a:chExt cx="0" cy="0"/>
-        </a:xfrm>
-      </p:grpSpPr>
-    </p:spTree>
-  </p:cSld>
-  <p:clrMapOvr>
-    <a:masterClrMapping/>
-  </p:clrMapOvr>
-  <mc:AlternateContent xmlns:mc="http://schemas.openxmlformats.org/markup-compatibility/2006" xmlns:p14="http://schemas.microsoft.com/office/powerpoint/2010/main">
-    <mc:Choice Requires="p14">
-      <p:transition spd="slow" p14:dur="1200">
-        <p14:prism/>
-      </p:transition>
-    </mc:Choice>
-    <mc:Fallback xmlns="">
-      <p:transition spd="slow">
-        <p:fade/>
-      </p:transition>
-    </mc:Fallback>
-  </mc:AlternateContent>
-</p:sld>
-</file>
-
-<file path=ppt/slides/slide25.xml><?xml version="1.0" encoding="utf-8"?>
-<p:sld xmlns:a="http://schemas.openxmlformats.org/drawingml/2006/main" xmlns:r="http://schemas.openxmlformats.org/officeDocument/2006/relationships" xmlns:p="http://schemas.openxmlformats.org/presentationml/2006/main" showMasterSp="0">
-  <p:cSld>
-    <p:spTree>
-      <p:nvGrpSpPr>
-        <p:cNvPr id="1" name=""/>
-        <p:cNvGrpSpPr/>
-        <p:nvPr/>
-      </p:nvGrpSpPr>
-      <p:grpSpPr>
-        <a:xfrm>
-          <a:off x="0" y="0"/>
-          <a:ext cx="0" cy="0"/>
-          <a:chOff x="0" y="0"/>
-          <a:chExt cx="0" cy="0"/>
-        </a:xfrm>
-      </p:grpSpPr>
-    </p:spTree>
-  </p:cSld>
-  <p:clrMapOvr>
-    <a:masterClrMapping/>
-  </p:clrMapOvr>
-  <mc:AlternateContent xmlns:mc="http://schemas.openxmlformats.org/markup-compatibility/2006" xmlns:p14="http://schemas.microsoft.com/office/powerpoint/2010/main">
-    <mc:Choice Requires="p14">
-      <p:transition spd="slow" p14:dur="1200">
-        <p14:prism/>
-      </p:transition>
-    </mc:Choice>
-    <mc:Fallback xmlns="">
-      <p:transition spd="slow">
-        <p:fade/>
-      </p:transition>
-    </mc:Fallback>
-  </mc:AlternateContent>
-</p:sld>
-</file>
-
-<file path=ppt/slides/slide26.xml><?xml version="1.0" encoding="utf-8"?>
-<p:sld xmlns:a="http://schemas.openxmlformats.org/drawingml/2006/main" xmlns:r="http://schemas.openxmlformats.org/officeDocument/2006/relationships" xmlns:p="http://schemas.openxmlformats.org/presentationml/2006/main" showMasterSp="0">
-  <p:cSld>
-    <p:spTree>
-      <p:nvGrpSpPr>
-        <p:cNvPr id="1" name=""/>
-        <p:cNvGrpSpPr/>
-        <p:nvPr/>
-      </p:nvGrpSpPr>
-      <p:grpSpPr>
-        <a:xfrm>
-          <a:off x="0" y="0"/>
-          <a:ext cx="0" cy="0"/>
-          <a:chOff x="0" y="0"/>
-          <a:chExt cx="0" cy="0"/>
-        </a:xfrm>
-      </p:grpSpPr>
-    </p:spTree>
-  </p:cSld>
-  <p:clrMapOvr>
-    <a:masterClrMapping/>
-  </p:clrMapOvr>
-  <mc:AlternateContent xmlns:mc="http://schemas.openxmlformats.org/markup-compatibility/2006" xmlns:p14="http://schemas.microsoft.com/office/powerpoint/2010/main">
-    <mc:Choice Requires="p14">
-      <p:transition spd="slow" p14:dur="1400">
-        <p14:doors dir="vert"/>
-      </p:transition>
-    </mc:Choice>
-    <mc:Fallback xmlns="">
-      <p:transition spd="slow">
-        <p:fade/>
-      </p:transition>
-    </mc:Fallback>
-  </mc:AlternateContent>
-</p:sld>
-</file>
-
-<file path=ppt/slides/slide27.xml><?xml version="1.0" encoding="utf-8"?>
-<p:sld xmlns:a="http://schemas.openxmlformats.org/drawingml/2006/main" xmlns:r="http://schemas.openxmlformats.org/officeDocument/2006/relationships" xmlns:p="http://schemas.openxmlformats.org/presentationml/2006/main">
-  <p:cSld>
-    <p:bg>
-      <p:bgPr>
-        <a:blipFill dpi="0" rotWithShape="1">
-          <a:blip r:embed="rId2"/>
-          <a:srcRect/>
-          <a:tile tx="0" ty="0" sx="100000" sy="100000" flip="none" algn="tl"/>
-        </a:blipFill>
-        <a:effectLst/>
-      </p:bgPr>
-    </p:bg>
-    <p:spTree>
-      <p:nvGrpSpPr>
-        <p:cNvPr id="1" name=""/>
-        <p:cNvGrpSpPr/>
-        <p:nvPr/>
-      </p:nvGrpSpPr>
-      <p:grpSpPr>
-        <a:xfrm>
-          <a:off x="0" y="0"/>
-          <a:ext cx="0" cy="0"/>
-          <a:chOff x="0" y="0"/>
-          <a:chExt cx="0" cy="0"/>
-        </a:xfrm>
-      </p:grpSpPr>
-    </p:spTree>
-  </p:cSld>
-  <p:clrMapOvr>
-    <a:masterClrMapping/>
-  </p:clrMapOvr>
-  <p:transition spd="slow">
-    <p:comb/>
-  </p:transition>
-</p:sld>
-</file>
-
-<file path=ppt/slides/slide28.xml><?xml version="1.0" encoding="utf-8"?>
-<p:sld xmlns:a="http://schemas.openxmlformats.org/drawingml/2006/main" xmlns:r="http://schemas.openxmlformats.org/officeDocument/2006/relationships" xmlns:p="http://schemas.openxmlformats.org/presentationml/2006/main" showMasterSp="0">
-  <p:cSld>
-    <p:spTree>
-      <p:nvGrpSpPr>
-        <p:cNvPr id="1" name=""/>
-        <p:cNvGrpSpPr/>
-        <p:nvPr/>
-      </p:nvGrpSpPr>
-      <p:grpSpPr>
-        <a:xfrm>
-          <a:off x="0" y="0"/>
-          <a:ext cx="0" cy="0"/>
-          <a:chOff x="0" y="0"/>
-          <a:chExt cx="0" cy="0"/>
-        </a:xfrm>
-      </p:grpSpPr>
-    </p:spTree>
-  </p:cSld>
-  <p:clrMapOvr>
-    <a:masterClrMapping/>
-  </p:clrMapOvr>
-  <mc:AlternateContent xmlns:mc="http://schemas.openxmlformats.org/markup-compatibility/2006" xmlns:p14="http://schemas.microsoft.com/office/powerpoint/2010/main">
-    <mc:Choice Requires="p14">
-      <p:transition spd="slow" p14:dur="3900">
-        <p14:glitter pattern="hexagon"/>
-      </p:transition>
-    </mc:Choice>
-    <mc:Fallback xmlns="">
-      <p:transition spd="slow">
-        <p:fade/>
-      </p:transition>
-    </mc:Fallback>
-  </mc:AlternateContent>
-</p:sld>
-</file>
-
-<file path=ppt/slides/slide29.xml><?xml version="1.0" encoding="utf-8"?>
-<p:sld xmlns:a="http://schemas.openxmlformats.org/drawingml/2006/main" xmlns:r="http://schemas.openxmlformats.org/officeDocument/2006/relationships" xmlns:p="http://schemas.openxmlformats.org/presentationml/2006/main" showMasterSp="0">
-  <p:cSld>
-    <p:spTree>
-      <p:nvGrpSpPr>
-        <p:cNvPr id="1" name=""/>
-        <p:cNvGrpSpPr/>
-        <p:nvPr/>
-      </p:nvGrpSpPr>
-      <p:grpSpPr>
-        <a:xfrm>
-          <a:off x="0" y="0"/>
-          <a:ext cx="0" cy="0"/>
-          <a:chOff x="0" y="0"/>
-          <a:chExt cx="0" cy="0"/>
-        </a:xfrm>
-      </p:grpSpPr>
-    </p:spTree>
-  </p:cSld>
-  <p:clrMapOvr>
-    <a:masterClrMapping/>
-  </p:clrMapOvr>
-  <mc:AlternateContent xmlns:mc="http://schemas.openxmlformats.org/markup-compatibility/2006" xmlns:p14="http://schemas.microsoft.com/office/powerpoint/2010/main">
-    <mc:Choice Requires="p14">
-      <p:transition spd="slow" p14:dur="4000">
-        <p14:vortex dir="r"/>
       </p:transition>
     </mc:Choice>
     <mc:Fallback xmlns="">
@@ -5694,339 +7318,6 @@
     <mc:Choice Requires="p15">
       <p:transition xmlns:p14="http://schemas.microsoft.com/office/powerpoint/2010/main" spd="slow" p14:dur="2000">
         <p15:prstTrans prst="drape"/>
-      </p:transition>
-    </mc:Choice>
-    <mc:Fallback xmlns="">
-      <p:transition spd="slow">
-        <p:fade/>
-      </p:transition>
-    </mc:Fallback>
-  </mc:AlternateContent>
-</p:sld>
-</file>
-
-<file path=ppt/slides/slide30.xml><?xml version="1.0" encoding="utf-8"?>
-<p:sld xmlns:a="http://schemas.openxmlformats.org/drawingml/2006/main" xmlns:r="http://schemas.openxmlformats.org/officeDocument/2006/relationships" xmlns:p="http://schemas.openxmlformats.org/presentationml/2006/main" showMasterSp="0">
-  <p:cSld>
-    <p:spTree>
-      <p:nvGrpSpPr>
-        <p:cNvPr id="1" name=""/>
-        <p:cNvGrpSpPr/>
-        <p:nvPr/>
-      </p:nvGrpSpPr>
-      <p:grpSpPr>
-        <a:xfrm>
-          <a:off x="0" y="0"/>
-          <a:ext cx="0" cy="0"/>
-          <a:chOff x="0" y="0"/>
-          <a:chExt cx="0" cy="0"/>
-        </a:xfrm>
-      </p:grpSpPr>
-    </p:spTree>
-  </p:cSld>
-  <p:clrMapOvr>
-    <a:masterClrMapping/>
-  </p:clrMapOvr>
-  <mc:AlternateContent xmlns:mc="http://schemas.openxmlformats.org/markup-compatibility/2006" xmlns:p159="http://schemas.microsoft.com/office/powerpoint/2015/09/main">
-    <mc:Choice Requires="p159">
-      <p:transition xmlns:p14="http://schemas.microsoft.com/office/powerpoint/2010/main" spd="slow" p14:dur="2000">
-        <p159:morph option="byObject"/>
-      </p:transition>
-    </mc:Choice>
-    <mc:Fallback xmlns="">
-      <p:transition spd="slow">
-        <p:fade/>
-      </p:transition>
-    </mc:Fallback>
-  </mc:AlternateContent>
-</p:sld>
-</file>
-
-<file path=ppt/slides/slide31.xml><?xml version="1.0" encoding="utf-8"?>
-<p:sld xmlns:a="http://schemas.openxmlformats.org/drawingml/2006/main" xmlns:r="http://schemas.openxmlformats.org/officeDocument/2006/relationships" xmlns:p="http://schemas.openxmlformats.org/presentationml/2006/main" showMasterSp="0">
-  <p:cSld>
-    <p:spTree>
-      <p:nvGrpSpPr>
-        <p:cNvPr id="1" name=""/>
-        <p:cNvGrpSpPr/>
-        <p:nvPr/>
-      </p:nvGrpSpPr>
-      <p:grpSpPr>
-        <a:xfrm>
-          <a:off x="0" y="0"/>
-          <a:ext cx="0" cy="0"/>
-          <a:chOff x="0" y="0"/>
-          <a:chExt cx="0" cy="0"/>
-        </a:xfrm>
-      </p:grpSpPr>
-    </p:spTree>
-  </p:cSld>
-  <p:clrMapOvr>
-    <a:masterClrMapping/>
-  </p:clrMapOvr>
-  <mc:AlternateContent xmlns:mc="http://schemas.openxmlformats.org/markup-compatibility/2006" xmlns:p14="http://schemas.microsoft.com/office/powerpoint/2010/main">
-    <mc:Choice Requires="p14">
-      <p:transition spd="slow" p14:dur="2500">
-        <p:checker/>
-      </p:transition>
-    </mc:Choice>
-    <mc:Fallback xmlns="">
-      <p:transition spd="slow">
-        <p:checker/>
-      </p:transition>
-    </mc:Fallback>
-  </mc:AlternateContent>
-</p:sld>
-</file>
-
-<file path=ppt/slides/slide32.xml><?xml version="1.0" encoding="utf-8"?>
-<p:sld xmlns:a="http://schemas.openxmlformats.org/drawingml/2006/main" xmlns:r="http://schemas.openxmlformats.org/officeDocument/2006/relationships" xmlns:p="http://schemas.openxmlformats.org/presentationml/2006/main" showMasterSp="0">
-  <p:cSld>
-    <p:spTree>
-      <p:nvGrpSpPr>
-        <p:cNvPr id="1" name=""/>
-        <p:cNvGrpSpPr/>
-        <p:nvPr/>
-      </p:nvGrpSpPr>
-      <p:grpSpPr>
-        <a:xfrm>
-          <a:off x="0" y="0"/>
-          <a:ext cx="0" cy="0"/>
-          <a:chOff x="0" y="0"/>
-          <a:chExt cx="0" cy="0"/>
-        </a:xfrm>
-      </p:grpSpPr>
-    </p:spTree>
-  </p:cSld>
-  <p:clrMapOvr>
-    <a:masterClrMapping/>
-  </p:clrMapOvr>
-  <mc:AlternateContent xmlns:mc="http://schemas.openxmlformats.org/markup-compatibility/2006" xmlns:p14="http://schemas.microsoft.com/office/powerpoint/2010/main">
-    <mc:Choice Requires="p14">
-      <p:transition spd="med" p14:dur="700">
-        <p:fade/>
-      </p:transition>
-    </mc:Choice>
-    <mc:Fallback xmlns="">
-      <p:transition spd="med">
-        <p:fade/>
-      </p:transition>
-    </mc:Fallback>
-  </mc:AlternateContent>
-</p:sld>
-</file>
-
-<file path=ppt/slides/slide33.xml><?xml version="1.0" encoding="utf-8"?>
-<p:sld xmlns:a="http://schemas.openxmlformats.org/drawingml/2006/main" xmlns:r="http://schemas.openxmlformats.org/officeDocument/2006/relationships" xmlns:p="http://schemas.openxmlformats.org/presentationml/2006/main" showMasterSp="0">
-  <p:cSld>
-    <p:spTree>
-      <p:nvGrpSpPr>
-        <p:cNvPr id="1" name=""/>
-        <p:cNvGrpSpPr/>
-        <p:nvPr/>
-      </p:nvGrpSpPr>
-      <p:grpSpPr>
-        <a:xfrm>
-          <a:off x="0" y="0"/>
-          <a:ext cx="0" cy="0"/>
-          <a:chOff x="0" y="0"/>
-          <a:chExt cx="0" cy="0"/>
-        </a:xfrm>
-      </p:grpSpPr>
-    </p:spTree>
-  </p:cSld>
-  <p:clrMapOvr>
-    <a:masterClrMapping/>
-  </p:clrMapOvr>
-  <mc:AlternateContent xmlns:mc="http://schemas.openxmlformats.org/markup-compatibility/2006" xmlns:p14="http://schemas.microsoft.com/office/powerpoint/2010/main">
-    <mc:Choice Requires="p14">
-      <p:transition spd="slow" p14:dur="3400">
-        <p14:reveal/>
-      </p:transition>
-    </mc:Choice>
-    <mc:Fallback xmlns="">
-      <p:transition spd="slow">
-        <p:fade/>
-      </p:transition>
-    </mc:Fallback>
-  </mc:AlternateContent>
-</p:sld>
-</file>
-
-<file path=ppt/slides/slide34.xml><?xml version="1.0" encoding="utf-8"?>
-<p:sld xmlns:a="http://schemas.openxmlformats.org/drawingml/2006/main" xmlns:r="http://schemas.openxmlformats.org/officeDocument/2006/relationships" xmlns:p="http://schemas.openxmlformats.org/presentationml/2006/main" showMasterSp="0">
-  <p:cSld>
-    <p:spTree>
-      <p:nvGrpSpPr>
-        <p:cNvPr id="1" name=""/>
-        <p:cNvGrpSpPr/>
-        <p:nvPr/>
-      </p:nvGrpSpPr>
-      <p:grpSpPr>
-        <a:xfrm>
-          <a:off x="0" y="0"/>
-          <a:ext cx="0" cy="0"/>
-          <a:chOff x="0" y="0"/>
-          <a:chExt cx="0" cy="0"/>
-        </a:xfrm>
-      </p:grpSpPr>
-    </p:spTree>
-  </p:cSld>
-  <p:clrMapOvr>
-    <a:masterClrMapping/>
-  </p:clrMapOvr>
-  <mc:AlternateContent xmlns:mc="http://schemas.openxmlformats.org/markup-compatibility/2006" xmlns:p14="http://schemas.microsoft.com/office/powerpoint/2010/main">
-    <mc:Choice Requires="p14">
-      <p:transition spd="slow" p14:dur="800">
-        <p14:flythrough/>
-      </p:transition>
-    </mc:Choice>
-    <mc:Fallback xmlns="">
-      <p:transition spd="slow">
-        <p:fade/>
-      </p:transition>
-    </mc:Fallback>
-  </mc:AlternateContent>
-</p:sld>
-</file>
-
-<file path=ppt/slides/slide35.xml><?xml version="1.0" encoding="utf-8"?>
-<p:sld xmlns:a="http://schemas.openxmlformats.org/drawingml/2006/main" xmlns:r="http://schemas.openxmlformats.org/officeDocument/2006/relationships" xmlns:p="http://schemas.openxmlformats.org/presentationml/2006/main" showMasterSp="0">
-  <p:cSld>
-    <p:spTree>
-      <p:nvGrpSpPr>
-        <p:cNvPr id="1" name=""/>
-        <p:cNvGrpSpPr/>
-        <p:nvPr/>
-      </p:nvGrpSpPr>
-      <p:grpSpPr>
-        <a:xfrm>
-          <a:off x="0" y="0"/>
-          <a:ext cx="0" cy="0"/>
-          <a:chOff x="0" y="0"/>
-          <a:chExt cx="0" cy="0"/>
-        </a:xfrm>
-      </p:grpSpPr>
-    </p:spTree>
-  </p:cSld>
-  <p:clrMapOvr>
-    <a:masterClrMapping/>
-  </p:clrMapOvr>
-  <mc:AlternateContent xmlns:mc="http://schemas.openxmlformats.org/markup-compatibility/2006" xmlns:p14="http://schemas.microsoft.com/office/powerpoint/2010/main">
-    <mc:Choice Requires="p14">
-      <p:transition spd="slow" p14:dur="1600">
-        <p14:conveyor dir="l"/>
-      </p:transition>
-    </mc:Choice>
-    <mc:Fallback xmlns="">
-      <p:transition spd="slow">
-        <p:fade/>
-      </p:transition>
-    </mc:Fallback>
-  </mc:AlternateContent>
-</p:sld>
-</file>
-
-<file path=ppt/slides/slide36.xml><?xml version="1.0" encoding="utf-8"?>
-<p:sld xmlns:a="http://schemas.openxmlformats.org/drawingml/2006/main" xmlns:r="http://schemas.openxmlformats.org/officeDocument/2006/relationships" xmlns:p="http://schemas.openxmlformats.org/presentationml/2006/main" showMasterSp="0">
-  <p:cSld>
-    <p:spTree>
-      <p:nvGrpSpPr>
-        <p:cNvPr id="1" name=""/>
-        <p:cNvGrpSpPr/>
-        <p:nvPr/>
-      </p:nvGrpSpPr>
-      <p:grpSpPr>
-        <a:xfrm>
-          <a:off x="0" y="0"/>
-          <a:ext cx="0" cy="0"/>
-          <a:chOff x="0" y="0"/>
-          <a:chExt cx="0" cy="0"/>
-        </a:xfrm>
-      </p:grpSpPr>
-    </p:spTree>
-  </p:cSld>
-  <p:clrMapOvr>
-    <a:masterClrMapping/>
-  </p:clrMapOvr>
-  <mc:AlternateContent xmlns:mc="http://schemas.openxmlformats.org/markup-compatibility/2006" xmlns:p14="http://schemas.microsoft.com/office/powerpoint/2010/main">
-    <mc:Choice Requires="p14">
-      <p:transition spd="slow" p14:dur="1500">
-        <p:split orient="vert"/>
-      </p:transition>
-    </mc:Choice>
-    <mc:Fallback xmlns="">
-      <p:transition spd="slow">
-        <p:split orient="vert"/>
-      </p:transition>
-    </mc:Fallback>
-  </mc:AlternateContent>
-</p:sld>
-</file>
-
-<file path=ppt/slides/slide37.xml><?xml version="1.0" encoding="utf-8"?>
-<p:sld xmlns:a="http://schemas.openxmlformats.org/drawingml/2006/main" xmlns:r="http://schemas.openxmlformats.org/officeDocument/2006/relationships" xmlns:p="http://schemas.openxmlformats.org/presentationml/2006/main" showMasterSp="0">
-  <p:cSld>
-    <p:spTree>
-      <p:nvGrpSpPr>
-        <p:cNvPr id="1" name=""/>
-        <p:cNvGrpSpPr/>
-        <p:nvPr/>
-      </p:nvGrpSpPr>
-      <p:grpSpPr>
-        <a:xfrm>
-          <a:off x="0" y="0"/>
-          <a:ext cx="0" cy="0"/>
-          <a:chOff x="0" y="0"/>
-          <a:chExt cx="0" cy="0"/>
-        </a:xfrm>
-      </p:grpSpPr>
-    </p:spTree>
-  </p:cSld>
-  <p:clrMapOvr>
-    <a:masterClrMapping/>
-  </p:clrMapOvr>
-  <mc:AlternateContent xmlns:mc="http://schemas.openxmlformats.org/markup-compatibility/2006" xmlns:p14="http://schemas.microsoft.com/office/powerpoint/2010/main">
-    <mc:Choice Requires="p14">
-      <p:transition spd="slow" p14:dur="1400">
-        <p14:doors dir="vert"/>
-      </p:transition>
-    </mc:Choice>
-    <mc:Fallback xmlns="">
-      <p:transition spd="slow">
-        <p:fade/>
-      </p:transition>
-    </mc:Fallback>
-  </mc:AlternateContent>
-</p:sld>
-</file>
-
-<file path=ppt/slides/slide38.xml><?xml version="1.0" encoding="utf-8"?>
-<p:sld xmlns:a="http://schemas.openxmlformats.org/drawingml/2006/main" xmlns:r="http://schemas.openxmlformats.org/officeDocument/2006/relationships" xmlns:p="http://schemas.openxmlformats.org/presentationml/2006/main" showMasterSp="0">
-  <p:cSld>
-    <p:spTree>
-      <p:nvGrpSpPr>
-        <p:cNvPr id="1" name=""/>
-        <p:cNvGrpSpPr/>
-        <p:nvPr/>
-      </p:nvGrpSpPr>
-      <p:grpSpPr>
-        <a:xfrm>
-          <a:off x="0" y="0"/>
-          <a:ext cx="0" cy="0"/>
-          <a:chOff x="0" y="0"/>
-          <a:chExt cx="0" cy="0"/>
-        </a:xfrm>
-      </p:grpSpPr>
-    </p:spTree>
-  </p:cSld>
-  <p:clrMapOvr>
-    <a:masterClrMapping/>
-  </p:clrMapOvr>
-  <mc:AlternateContent xmlns:mc="http://schemas.openxmlformats.org/markup-compatibility/2006" xmlns:p15="http://schemas.microsoft.com/office/powerpoint/2012/main">
-    <mc:Choice Requires="p15">
-      <p:transition xmlns:p14="http://schemas.microsoft.com/office/powerpoint/2010/main" spd="slow" p14:dur="2000">
-        <p15:prstTrans prst="fracture"/>
       </p:transition>
     </mc:Choice>
     <mc:Fallback xmlns="">
@@ -7979,10 +9270,10 @@
       </p:grpSpPr>
       <p:sp>
         <p:nvSpPr>
-          <p:cNvPr id="6" name="TextBox 5">
+          <p:cNvPr id="3" name="TextBox 2">
             <a:extLst>
               <a:ext uri="{FF2B5EF4-FFF2-40B4-BE49-F238E27FC236}">
-                <a16:creationId xmlns:a16="http://schemas.microsoft.com/office/drawing/2014/main" id="{BBCAD05D-FEF0-20F8-E113-BD86DF27A24F}"/>
+                <a16:creationId xmlns:a16="http://schemas.microsoft.com/office/drawing/2014/main" id="{6D143F0A-E320-82FD-1017-D2E907A9FDCA}"/>
               </a:ext>
             </a:extLst>
           </p:cNvPr>
@@ -7991,8 +9282,8 @@
         </p:nvSpPr>
         <p:spPr>
           <a:xfrm>
-            <a:off x="533400" y="457200"/>
-            <a:ext cx="6553200" cy="8633133"/>
+            <a:off x="533400" y="304800"/>
+            <a:ext cx="7010400" cy="10033516"/>
           </a:xfrm>
           <a:prstGeom prst="rect">
             <a:avLst/>
@@ -8005,13 +9296,10 @@
           </a:bodyPr>
           <a:lstStyle/>
           <a:p>
-            <a:pPr marL="342900" marR="0" lvl="0" indent="-342900">
-              <a:spcBef>
-                <a:spcPts val="975"/>
-              </a:spcBef>
-              <a:spcAft>
-                <a:spcPts val="0"/>
-              </a:spcAft>
+            <a:pPr marL="342900" lvl="0" indent="-342900">
+              <a:spcBef>
+                <a:spcPts val="975"/>
+              </a:spcBef>
               <a:buFont typeface="+mj-lt"/>
               <a:buAutoNum type="arabicPeriod"/>
               <a:tabLst>
@@ -8020,342 +9308,244 @@
               </a:tabLst>
             </a:pPr>
             <a:r>
-              <a:rPr lang="en-US" sz="1200" b="1" dirty="0">
+              <a:rPr lang="en-US" sz="1400" b="1" dirty="0">
                 <a:effectLst/>
                 <a:latin typeface="Times New Roman" panose="02020603050405020304" pitchFamily="18" charset="0"/>
                 <a:ea typeface="SimSun" panose="02010600030101010101" pitchFamily="2" charset="-122"/>
               </a:rPr>
-              <a:t> </a:t>
-            </a:r>
-            <a:r>
-              <a:rPr lang="en-US" sz="1600" b="1" dirty="0">
+              <a:t>Introduction</a:t>
+            </a:r>
+            <a:endParaRPr lang="en-IN" sz="1400" dirty="0">
+              <a:effectLst/>
+              <a:latin typeface="Times New Roman" panose="02020603050405020304" pitchFamily="18" charset="0"/>
+              <a:ea typeface="Times New Roman" panose="02020603050405020304" pitchFamily="18" charset="0"/>
+            </a:endParaRPr>
+          </a:p>
+          <a:p>
+            <a:r>
+              <a:rPr lang="en-US" sz="1400" dirty="0">
                 <a:effectLst/>
                 <a:latin typeface="Times New Roman" panose="02020603050405020304" pitchFamily="18" charset="0"/>
                 <a:ea typeface="SimSun" panose="02010600030101010101" pitchFamily="2" charset="-122"/>
               </a:rPr>
-              <a:t>Introduction</a:t>
-            </a:r>
-            <a:endParaRPr lang="en-US" sz="1600" dirty="0">
+              <a:t>Welcome to "Gun Game: Tactical Warfare", an immersive Unity 3D project designed to provide players with an adrenaline-pumping experience of combat in a dynamic virtual environment. In this game, players are thrust into intense battles where their survival depends on quick reflexes, strategic thinking, and precise marksmanship</a:t>
+            </a:r>
+          </a:p>
+          <a:p>
+            <a:endParaRPr lang="en-US" sz="1400" dirty="0">
+              <a:latin typeface="Times New Roman" panose="02020603050405020304" pitchFamily="18" charset="0"/>
+              <a:ea typeface="SimSun" panose="02010600030101010101" pitchFamily="2" charset="-122"/>
+            </a:endParaRPr>
+          </a:p>
+          <a:p>
+            <a:r>
+              <a:rPr lang="en-US" sz="1400" dirty="0">
+                <a:effectLst/>
+                <a:latin typeface="Times New Roman" panose="02020603050405020304" pitchFamily="18" charset="0"/>
+                <a:ea typeface="SimSun" panose="02010600030101010101" pitchFamily="2" charset="-122"/>
+              </a:rPr>
+              <a:t>Unity is a cross-platform game engine developed by Unity Technologies, first announced and released in June 2005 at Apple Worldwide Developers Conference as a Mac OS X game engine. The engine has since been gradually extended to support a variety of desktop, mobile, console, augmented reality, and virtual reality platforms.</a:t>
+            </a:r>
+          </a:p>
+          <a:p>
+            <a:endParaRPr lang="en-US" sz="1400" b="1" dirty="0">
+              <a:latin typeface="Times New Roman" panose="02020603050405020304" pitchFamily="18" charset="0"/>
+              <a:ea typeface="SimSun" panose="02010600030101010101" pitchFamily="2" charset="-122"/>
+            </a:endParaRPr>
+          </a:p>
+          <a:p>
+            <a:r>
+              <a:rPr lang="en-US" b="1" dirty="0">
+                <a:effectLst/>
+                <a:latin typeface="Times New Roman" panose="02020603050405020304" pitchFamily="18" charset="0"/>
+                <a:ea typeface="SimSun" panose="02010600030101010101" pitchFamily="2" charset="-122"/>
+              </a:rPr>
+              <a:t>History</a:t>
+            </a:r>
+            <a:endParaRPr lang="en-IN" dirty="0">
               <a:effectLst/>
               <a:latin typeface="Times New Roman" panose="02020603050405020304" pitchFamily="18" charset="0"/>
               <a:ea typeface="Times New Roman" panose="02020603050405020304" pitchFamily="18" charset="0"/>
             </a:endParaRPr>
           </a:p>
           <a:p>
-            <a:pPr marL="367665" marR="0" indent="0">
-              <a:spcBef>
-                <a:spcPts val="975"/>
-              </a:spcBef>
-              <a:spcAft>
-                <a:spcPts val="0"/>
-              </a:spcAft>
-              <a:tabLst>
-                <a:tab pos="365760" algn="l"/>
-                <a:tab pos="5776595" algn="r"/>
-              </a:tabLst>
-            </a:pPr>
-            <a:r>
-              <a:rPr lang="en-US" sz="1600" dirty="0">
+            <a:r>
+              <a:rPr lang="en-US" sz="1400" dirty="0">
                 <a:effectLst/>
                 <a:latin typeface="Times New Roman" panose="02020603050405020304" pitchFamily="18" charset="0"/>
                 <a:ea typeface="SimSun" panose="02010600030101010101" pitchFamily="2" charset="-122"/>
               </a:rPr>
-              <a:t>Welcome to "Gun Game: Tactical Warfare", an immersive Unity 3D project designed to provide players with an adrenaline-pumping experience of combat in a dynamic virtual environment. In this game, players are thrust into intense battles where their survival depends on quick reflexes, strategic thinking, and precise marksmanship.</a:t>
-            </a:r>
-            <a:endParaRPr lang="en-US" sz="1600" dirty="0">
+              <a:t>The Unity game engine launched in 2005, aiming to "democratize" game development by making it accessible to more developers. It was shown at Worldwide Developers Conference 2005 by Scott For stall on Mac OS X. </a:t>
+            </a:r>
+          </a:p>
+          <a:p>
+            <a:endParaRPr lang="en-US" sz="1400" b="1" dirty="0">
+              <a:latin typeface="Times New Roman" panose="02020603050405020304" pitchFamily="18" charset="0"/>
+              <a:ea typeface="SimSun" panose="02010600030101010101" pitchFamily="2" charset="-122"/>
+            </a:endParaRPr>
+          </a:p>
+          <a:p>
+            <a:endParaRPr lang="en-US" sz="1400" b="1" dirty="0">
+              <a:effectLst/>
+              <a:latin typeface="Times New Roman" panose="02020603050405020304" pitchFamily="18" charset="0"/>
+              <a:ea typeface="SimSun" panose="02010600030101010101" pitchFamily="2" charset="-122"/>
+            </a:endParaRPr>
+          </a:p>
+          <a:p>
+            <a:r>
+              <a:rPr lang="en-US" b="1" dirty="0">
+                <a:effectLst/>
+                <a:latin typeface="Times New Roman" panose="02020603050405020304" pitchFamily="18" charset="0"/>
+                <a:ea typeface="SimSun" panose="02010600030101010101" pitchFamily="2" charset="-122"/>
+              </a:rPr>
+              <a:t>Unity 2.0 (2007)</a:t>
+            </a:r>
+            <a:endParaRPr lang="en-IN" dirty="0">
               <a:effectLst/>
               <a:latin typeface="Times New Roman" panose="02020603050405020304" pitchFamily="18" charset="0"/>
               <a:ea typeface="Times New Roman" panose="02020603050405020304" pitchFamily="18" charset="0"/>
             </a:endParaRPr>
           </a:p>
           <a:p>
-            <a:pPr marL="367665" marR="0" indent="0">
-              <a:spcBef>
-                <a:spcPts val="975"/>
-              </a:spcBef>
-              <a:spcAft>
-                <a:spcPts val="0"/>
-              </a:spcAft>
-              <a:tabLst>
-                <a:tab pos="365760" algn="l"/>
-                <a:tab pos="5776595" algn="r"/>
-              </a:tabLst>
-            </a:pPr>
-            <a:r>
-              <a:rPr lang="en-US" sz="1600" dirty="0">
+            <a:r>
+              <a:rPr lang="en-US" sz="1400" dirty="0">
                 <a:effectLst/>
                 <a:latin typeface="Times New Roman" panose="02020603050405020304" pitchFamily="18" charset="0"/>
                 <a:ea typeface="SimSun" panose="02010600030101010101" pitchFamily="2" charset="-122"/>
               </a:rPr>
-              <a:t> </a:t>
-            </a:r>
-            <a:endParaRPr lang="en-US" sz="1600" dirty="0">
+              <a:t>Unity 2.0 launched in 2007 with approximately 50 new features. The release included an optimized terrain engine for detailed 3D environments, real-time dynamic shadows, directional lights and spotlights, video playback, and other features.</a:t>
+            </a:r>
+          </a:p>
+          <a:p>
+            <a:endParaRPr lang="en-US" sz="1400" b="1" dirty="0">
+              <a:latin typeface="Times New Roman" panose="02020603050405020304" pitchFamily="18" charset="0"/>
+              <a:ea typeface="SimSun" panose="02010600030101010101" pitchFamily="2" charset="-122"/>
+            </a:endParaRPr>
+          </a:p>
+          <a:p>
+            <a:r>
+              <a:rPr lang="en-US" b="1" dirty="0">
+                <a:effectLst/>
+                <a:latin typeface="Times New Roman" panose="02020603050405020304" pitchFamily="18" charset="0"/>
+                <a:ea typeface="SimSun" panose="02010600030101010101" pitchFamily="2" charset="-122"/>
+              </a:rPr>
+              <a:t>Unity 3.0 (2010)</a:t>
+            </a:r>
+            <a:endParaRPr lang="en-IN" dirty="0">
               <a:effectLst/>
               <a:latin typeface="Times New Roman" panose="02020603050405020304" pitchFamily="18" charset="0"/>
               <a:ea typeface="Times New Roman" panose="02020603050405020304" pitchFamily="18" charset="0"/>
             </a:endParaRPr>
           </a:p>
           <a:p>
-            <a:pPr marL="367665" marR="0" indent="-226060">
-              <a:spcBef>
-                <a:spcPts val="975"/>
-              </a:spcBef>
-              <a:spcAft>
-                <a:spcPts val="0"/>
-              </a:spcAft>
-              <a:tabLst>
-                <a:tab pos="365760" algn="l"/>
-                <a:tab pos="5776595" algn="r"/>
-              </a:tabLst>
-            </a:pPr>
-            <a:r>
-              <a:rPr lang="en-US" sz="1600" b="1" u="sng" dirty="0">
+            <a:r>
+              <a:rPr lang="en-US" sz="1400" dirty="0">
                 <a:effectLst/>
                 <a:latin typeface="Times New Roman" panose="02020603050405020304" pitchFamily="18" charset="0"/>
                 <a:ea typeface="SimSun" panose="02010600030101010101" pitchFamily="2" charset="-122"/>
               </a:rPr>
-              <a:t>Objective:</a:t>
-            </a:r>
-            <a:endParaRPr lang="en-US" sz="1600" dirty="0">
+              <a:t>Unity 3.0 launched in September 2010 with features expanding the engine's graphics features for desktop computers and video game consoles. In addition to Android support, Unity 3 featured integration of Illuminate Labs' Beast Light map tool, deferred rendering, a built-in tree editor, native font rendering, automatic UV mapping, and audio filters, among other things.</a:t>
+            </a:r>
+          </a:p>
+          <a:p>
+            <a:endParaRPr lang="en-US" sz="1400" b="1" dirty="0">
+              <a:latin typeface="Times New Roman" panose="02020603050405020304" pitchFamily="18" charset="0"/>
+              <a:ea typeface="SimSun" panose="02010600030101010101" pitchFamily="2" charset="-122"/>
+            </a:endParaRPr>
+          </a:p>
+          <a:p>
+            <a:endParaRPr lang="en-US" sz="1400" b="1" dirty="0">
+              <a:effectLst/>
+              <a:latin typeface="Times New Roman" panose="02020603050405020304" pitchFamily="18" charset="0"/>
+              <a:ea typeface="SimSun" panose="02010600030101010101" pitchFamily="2" charset="-122"/>
+            </a:endParaRPr>
+          </a:p>
+          <a:p>
+            <a:r>
+              <a:rPr lang="en-US" b="1" dirty="0">
+                <a:effectLst/>
+                <a:latin typeface="Times New Roman" panose="02020603050405020304" pitchFamily="18" charset="0"/>
+                <a:ea typeface="SimSun" panose="02010600030101010101" pitchFamily="2" charset="-122"/>
+              </a:rPr>
+              <a:t>Unity 4.0 (2012)</a:t>
+            </a:r>
+            <a:endParaRPr lang="en-IN" b="1" dirty="0">
+              <a:latin typeface="Times New Roman" panose="02020603050405020304" pitchFamily="18" charset="0"/>
+              <a:ea typeface="SimSun" panose="02010600030101010101" pitchFamily="2" charset="-122"/>
+            </a:endParaRPr>
+          </a:p>
+          <a:p>
+            <a:r>
+              <a:rPr lang="en-US" sz="1400" dirty="0">
+                <a:effectLst/>
+                <a:latin typeface="Times New Roman" panose="02020603050405020304" pitchFamily="18" charset="0"/>
+                <a:ea typeface="SimSun" panose="02010600030101010101" pitchFamily="2" charset="-122"/>
+              </a:rPr>
+              <a:t>In November 2012, Unity Technologies delivered Unity 4.0. This version added DirectX 11and Adobe Flash support, new animation tools called Mechanism, and access to the Linux preview.</a:t>
+            </a:r>
+          </a:p>
+          <a:p>
+            <a:r>
+              <a:rPr lang="en-US" sz="1400" dirty="0">
+                <a:effectLst/>
+                <a:latin typeface="Times New Roman" panose="02020603050405020304" pitchFamily="18" charset="0"/>
+                <a:ea typeface="SimSun" panose="02010600030101010101" pitchFamily="2" charset="-122"/>
+              </a:rPr>
+              <a:t>Facebook integrated a software development kit for games using the Unity game engine in 2013. </a:t>
+            </a:r>
+          </a:p>
+          <a:p>
+            <a:endParaRPr lang="en-US" sz="1400" b="1" dirty="0">
+              <a:latin typeface="Times New Roman" panose="02020603050405020304" pitchFamily="18" charset="0"/>
+              <a:ea typeface="SimSun" panose="02010600030101010101" pitchFamily="2" charset="-122"/>
+            </a:endParaRPr>
+          </a:p>
+          <a:p>
+            <a:r>
+              <a:rPr lang="en-US" sz="2000" b="1" dirty="0">
+                <a:effectLst/>
+                <a:latin typeface="Times New Roman" panose="02020603050405020304" pitchFamily="18" charset="0"/>
+                <a:ea typeface="SimSun" panose="02010600030101010101" pitchFamily="2" charset="-122"/>
+              </a:rPr>
+              <a:t>Unity 5 (2015)</a:t>
+            </a:r>
+            <a:endParaRPr lang="en-IN" sz="2000" dirty="0">
               <a:effectLst/>
               <a:latin typeface="Times New Roman" panose="02020603050405020304" pitchFamily="18" charset="0"/>
               <a:ea typeface="Times New Roman" panose="02020603050405020304" pitchFamily="18" charset="0"/>
             </a:endParaRPr>
           </a:p>
           <a:p>
-            <a:pPr marL="367665" marR="0" indent="-226060">
-              <a:spcBef>
-                <a:spcPts val="975"/>
-              </a:spcBef>
-              <a:spcAft>
-                <a:spcPts val="0"/>
-              </a:spcAft>
-              <a:tabLst>
-                <a:tab pos="365760" algn="l"/>
-                <a:tab pos="5776595" algn="r"/>
-              </a:tabLst>
-            </a:pPr>
-            <a:r>
-              <a:rPr lang="en-US" sz="1600" dirty="0">
+            <a:r>
+              <a:rPr lang="en-US" sz="1400" dirty="0">
                 <a:effectLst/>
                 <a:latin typeface="Times New Roman" panose="02020603050405020304" pitchFamily="18" charset="0"/>
                 <a:ea typeface="SimSun" panose="02010600030101010101" pitchFamily="2" charset="-122"/>
               </a:rPr>
-              <a:t>    Your mission is clear: eliminate all enemy forces that stand in your way. Whether it's battling through waves of AI-controlled adversaries or competing against other players in multiplayer mode, your primary goal is to emerge victorious by mastering the art of combat.</a:t>
-            </a:r>
-            <a:endParaRPr lang="en-US" sz="1600" dirty="0">
+              <a:t>The Verge said of 2015's Unity 5 release: "Unity started with the goal of   making game development universally accessible. Unity 5 is a long-awaited step towards that future." With Unity 5, the engine improved its lighting and audio. Through Web GL, Unity developers could add their games to compatible Web browsers with no plug-ins required for players.</a:t>
+            </a:r>
+          </a:p>
+          <a:p>
+            <a:endParaRPr lang="en-US" sz="1400" dirty="0">
+              <a:latin typeface="Times New Roman" panose="02020603050405020304" pitchFamily="18" charset="0"/>
+              <a:ea typeface="SimSun" panose="02010600030101010101" pitchFamily="2" charset="-122"/>
+            </a:endParaRPr>
+          </a:p>
+          <a:p>
+            <a:endParaRPr lang="en-IN" sz="1400" dirty="0">
               <a:effectLst/>
               <a:latin typeface="Times New Roman" panose="02020603050405020304" pitchFamily="18" charset="0"/>
               <a:ea typeface="Times New Roman" panose="02020603050405020304" pitchFamily="18" charset="0"/>
             </a:endParaRPr>
           </a:p>
           <a:p>
-            <a:pPr marL="367665" marR="0" indent="-226060">
-              <a:spcBef>
-                <a:spcPts val="975"/>
-              </a:spcBef>
-              <a:spcAft>
-                <a:spcPts val="0"/>
-              </a:spcAft>
-              <a:tabLst>
-                <a:tab pos="365760" algn="l"/>
-                <a:tab pos="5776595" algn="r"/>
-              </a:tabLst>
-            </a:pPr>
-            <a:r>
-              <a:rPr lang="en-US" sz="1600" b="1" u="sng" dirty="0">
-                <a:effectLst/>
-                <a:latin typeface="Times New Roman" panose="02020603050405020304" pitchFamily="18" charset="0"/>
-                <a:ea typeface="SimSun" panose="02010600030101010101" pitchFamily="2" charset="-122"/>
-              </a:rPr>
-              <a:t>Gameplay Features:</a:t>
-            </a:r>
-            <a:endParaRPr lang="en-US" sz="1600" dirty="0">
-              <a:effectLst/>
-              <a:latin typeface="Times New Roman" panose="02020603050405020304" pitchFamily="18" charset="0"/>
-              <a:ea typeface="Times New Roman" panose="02020603050405020304" pitchFamily="18" charset="0"/>
-            </a:endParaRPr>
-          </a:p>
-          <a:p>
-            <a:pPr marL="367665" marR="0" indent="-226060">
-              <a:spcBef>
-                <a:spcPts val="975"/>
-              </a:spcBef>
-              <a:spcAft>
-                <a:spcPts val="0"/>
-              </a:spcAft>
-              <a:tabLst>
-                <a:tab pos="365760" algn="l"/>
-                <a:tab pos="5776595" algn="r"/>
-              </a:tabLst>
-            </a:pPr>
-            <a:r>
-              <a:rPr lang="en-US" sz="1600" b="1" dirty="0">
-                <a:effectLst/>
-                <a:latin typeface="Times New Roman" panose="02020603050405020304" pitchFamily="18" charset="0"/>
-                <a:ea typeface="SimSun" panose="02010600030101010101" pitchFamily="2" charset="-122"/>
-              </a:rPr>
-              <a:t>1.</a:t>
-            </a:r>
-            <a:r>
-              <a:rPr lang="en-US" sz="1600" dirty="0">
-                <a:effectLst/>
-                <a:latin typeface="Times New Roman" panose="02020603050405020304" pitchFamily="18" charset="0"/>
-                <a:ea typeface="SimSun" panose="02010600030101010101" pitchFamily="2" charset="-122"/>
-              </a:rPr>
-              <a:t> </a:t>
-            </a:r>
-            <a:r>
-              <a:rPr lang="en-US" sz="1600" b="1" dirty="0">
-                <a:effectLst/>
-                <a:latin typeface="Times New Roman" panose="02020603050405020304" pitchFamily="18" charset="0"/>
-                <a:ea typeface="SimSun" panose="02010600030101010101" pitchFamily="2" charset="-122"/>
-              </a:rPr>
-              <a:t>Diverse Arsenal</a:t>
-            </a:r>
-            <a:r>
-              <a:rPr lang="en-US" sz="1600" dirty="0">
-                <a:effectLst/>
-                <a:latin typeface="Times New Roman" panose="02020603050405020304" pitchFamily="18" charset="0"/>
-                <a:ea typeface="SimSun" panose="02010600030101010101" pitchFamily="2" charset="-122"/>
-              </a:rPr>
-              <a:t>: Explore a wide range of firearms, from pistols and shotguns to assault rifles and sniper rifles. Each weapon offers unique attributes and handling characteristics, allowing players to customize their loadout according to their preferred playstyle.</a:t>
-            </a:r>
-            <a:endParaRPr lang="en-US" sz="1600" dirty="0">
-              <a:effectLst/>
-              <a:latin typeface="Times New Roman" panose="02020603050405020304" pitchFamily="18" charset="0"/>
-              <a:ea typeface="Times New Roman" panose="02020603050405020304" pitchFamily="18" charset="0"/>
-            </a:endParaRPr>
-          </a:p>
-          <a:p>
-            <a:pPr marL="342900" marR="0" lvl="0" indent="-342900">
-              <a:spcBef>
-                <a:spcPts val="975"/>
-              </a:spcBef>
-              <a:spcAft>
-                <a:spcPts val="0"/>
-              </a:spcAft>
-              <a:buFont typeface="+mj-lt"/>
-              <a:buAutoNum type="arabicPeriod"/>
-              <a:tabLst>
-                <a:tab pos="365760" algn="l"/>
-                <a:tab pos="5776595" algn="r"/>
-              </a:tabLst>
-            </a:pPr>
-            <a:r>
-              <a:rPr lang="en-US" sz="1600" b="1" dirty="0">
-                <a:effectLst/>
-                <a:latin typeface="Times New Roman" panose="02020603050405020304" pitchFamily="18" charset="0"/>
-                <a:ea typeface="SimSun" panose="02010600030101010101" pitchFamily="2" charset="-122"/>
-              </a:rPr>
-              <a:t>Dynamic Environments</a:t>
-            </a:r>
-            <a:r>
-              <a:rPr lang="en-US" sz="1600" dirty="0">
-                <a:effectLst/>
-                <a:latin typeface="Times New Roman" panose="02020603050405020304" pitchFamily="18" charset="0"/>
-                <a:ea typeface="SimSun" panose="02010600030101010101" pitchFamily="2" charset="-122"/>
-              </a:rPr>
-              <a:t>: Engage in fast-paced firefights across a variety of meticulously crafted environments, including urban cityscapes, dense forests, and desolate wastelands. Adapt to the ever-changing terrain as you seek cover, flank enemies, and seize tactical advantages.</a:t>
-            </a:r>
-            <a:endParaRPr lang="en-US" sz="1600" dirty="0">
-              <a:effectLst/>
-              <a:latin typeface="Times New Roman" panose="02020603050405020304" pitchFamily="18" charset="0"/>
-              <a:ea typeface="Times New Roman" panose="02020603050405020304" pitchFamily="18" charset="0"/>
-            </a:endParaRPr>
-          </a:p>
-          <a:p>
-            <a:pPr marL="342900" marR="0" lvl="0" indent="-342900">
-              <a:spcBef>
-                <a:spcPts val="975"/>
-              </a:spcBef>
-              <a:spcAft>
-                <a:spcPts val="0"/>
-              </a:spcAft>
-              <a:buFont typeface="+mj-lt"/>
-              <a:buAutoNum type="arabicPeriod"/>
-              <a:tabLst>
-                <a:tab pos="365760" algn="l"/>
-                <a:tab pos="5776595" algn="r"/>
-              </a:tabLst>
-            </a:pPr>
-            <a:r>
-              <a:rPr lang="en-US" sz="1600" b="1" dirty="0">
-                <a:effectLst/>
-                <a:latin typeface="Times New Roman" panose="02020603050405020304" pitchFamily="18" charset="0"/>
-                <a:ea typeface="SimSun" panose="02010600030101010101" pitchFamily="2" charset="-122"/>
-              </a:rPr>
-              <a:t>Enemy AI</a:t>
-            </a:r>
-            <a:r>
-              <a:rPr lang="en-US" sz="1600" dirty="0">
-                <a:effectLst/>
-                <a:latin typeface="Times New Roman" panose="02020603050405020304" pitchFamily="18" charset="0"/>
-                <a:ea typeface="SimSun" panose="02010600030101010101" pitchFamily="2" charset="-122"/>
-              </a:rPr>
-              <a:t>: Encounter intelligent enemy AI that reacts dynamically to your actions. Prepare for challenging encounters as foes employ advanced tactics, coordinate attacks, and exploit weaknesses in your defenses. Every battle presents a new test of your combat skills.</a:t>
-            </a:r>
-            <a:endParaRPr lang="en-US" sz="1600" dirty="0">
-              <a:effectLst/>
-              <a:latin typeface="Times New Roman" panose="02020603050405020304" pitchFamily="18" charset="0"/>
-              <a:ea typeface="Times New Roman" panose="02020603050405020304" pitchFamily="18" charset="0"/>
-            </a:endParaRPr>
-          </a:p>
-          <a:p>
-            <a:pPr marL="342900" marR="0" lvl="0" indent="-342900">
-              <a:spcBef>
-                <a:spcPts val="975"/>
-              </a:spcBef>
-              <a:spcAft>
-                <a:spcPts val="0"/>
-              </a:spcAft>
-              <a:buFont typeface="+mj-lt"/>
-              <a:buAutoNum type="arabicPeriod"/>
-              <a:tabLst>
-                <a:tab pos="365760" algn="l"/>
-                <a:tab pos="5776595" algn="r"/>
-              </a:tabLst>
-            </a:pPr>
-            <a:r>
-              <a:rPr lang="en-US" sz="1600" b="1" dirty="0">
-                <a:effectLst/>
-                <a:latin typeface="Times New Roman" panose="02020603050405020304" pitchFamily="18" charset="0"/>
-                <a:ea typeface="SimSun" panose="02010600030101010101" pitchFamily="2" charset="-122"/>
-              </a:rPr>
-              <a:t>Progression System</a:t>
-            </a:r>
-            <a:r>
-              <a:rPr lang="en-US" sz="1600" dirty="0">
-                <a:effectLst/>
-                <a:latin typeface="Times New Roman" panose="02020603050405020304" pitchFamily="18" charset="0"/>
-                <a:ea typeface="SimSun" panose="02010600030101010101" pitchFamily="2" charset="-122"/>
-              </a:rPr>
-              <a:t>: Earn experience points and unlock new weapons, equipment, and abilities as you progress through the game. Customize your character to suit your preferred playstyle, whether it's specializing in long-range sniping, close-quarters combat, or stealthy infiltration.</a:t>
-            </a:r>
-            <a:endParaRPr lang="en-US" sz="1600" dirty="0">
-              <a:effectLst/>
-              <a:latin typeface="Times New Roman" panose="02020603050405020304" pitchFamily="18" charset="0"/>
-              <a:ea typeface="Times New Roman" panose="02020603050405020304" pitchFamily="18" charset="0"/>
-            </a:endParaRPr>
-          </a:p>
-          <a:p>
-            <a:r>
-              <a:rPr lang="en-US" sz="1600" b="1" dirty="0">
-                <a:effectLst/>
-                <a:latin typeface="Times New Roman" panose="02020603050405020304" pitchFamily="18" charset="0"/>
-                <a:ea typeface="SimSun" panose="02010600030101010101" pitchFamily="2" charset="-122"/>
-              </a:rPr>
-              <a:t>Multiplayer Mode</a:t>
-            </a:r>
-            <a:r>
-              <a:rPr lang="en-US" sz="1600" dirty="0">
-                <a:effectLst/>
-                <a:latin typeface="Times New Roman" panose="02020603050405020304" pitchFamily="18" charset="0"/>
-                <a:ea typeface="SimSun" panose="02010600030101010101" pitchFamily="2" charset="-122"/>
-              </a:rPr>
-              <a:t>: Challenge friends and players from around the world in </a:t>
-            </a:r>
-            <a:endParaRPr lang="en-US" sz="1600" dirty="0"/>
+            <a:endParaRPr lang="en-US" dirty="0">
+              <a:latin typeface="Times New Roman" panose="02020603050405020304" pitchFamily="18" charset="0"/>
+              <a:ea typeface="SimSun" panose="02010600030101010101" pitchFamily="2" charset="-122"/>
+            </a:endParaRPr>
+          </a:p>
+          <a:p>
+            <a:endParaRPr lang="en-IN" dirty="0"/>
           </a:p>
         </p:txBody>
       </p:sp>
@@ -8408,10 +9598,10 @@
       </p:grpSpPr>
       <p:sp>
         <p:nvSpPr>
-          <p:cNvPr id="18" name="TextBox 17">
+          <p:cNvPr id="3" name="TextBox 2">
             <a:extLst>
               <a:ext uri="{FF2B5EF4-FFF2-40B4-BE49-F238E27FC236}">
-                <a16:creationId xmlns:a16="http://schemas.microsoft.com/office/drawing/2014/main" id="{0889C612-B24B-4C56-DE1E-A02E71B97098}"/>
+                <a16:creationId xmlns:a16="http://schemas.microsoft.com/office/drawing/2014/main" id="{AE3B4642-1E2F-E317-A4A6-F3C00CFA01E1}"/>
               </a:ext>
             </a:extLst>
           </p:cNvPr>
@@ -8420,8 +9610,8 @@
         </p:nvSpPr>
         <p:spPr>
           <a:xfrm>
-            <a:off x="381000" y="228600"/>
-            <a:ext cx="6705600" cy="7750840"/>
+            <a:off x="381000" y="304800"/>
+            <a:ext cx="7239000" cy="8710077"/>
           </a:xfrm>
           <a:prstGeom prst="rect">
             <a:avLst/>
@@ -8434,398 +9624,253 @@
           </a:bodyPr>
           <a:lstStyle/>
           <a:p>
-            <a:pPr marL="342900" marR="0" lvl="0" indent="-342900">
-              <a:spcBef>
-                <a:spcPts val="975"/>
-              </a:spcBef>
-              <a:spcAft>
-                <a:spcPts val="0"/>
-              </a:spcAft>
-              <a:buFont typeface="+mj-lt"/>
-              <a:buAutoNum type="arabicPeriod"/>
-              <a:tabLst>
-                <a:tab pos="365760" algn="l"/>
-                <a:tab pos="5776595" algn="r"/>
-              </a:tabLst>
-            </a:pPr>
-            <a:r>
-              <a:rPr lang="en-US" sz="1400" dirty="0">
+            <a:pPr marL="367665" indent="-226060">
+              <a:spcBef>
+                <a:spcPts val="975"/>
+              </a:spcBef>
+              <a:tabLst>
+                <a:tab pos="365760" algn="l"/>
+                <a:tab pos="5776595" algn="r"/>
+              </a:tabLst>
+            </a:pPr>
+            <a:r>
+              <a:rPr lang="en-US" b="1" dirty="0">
                 <a:effectLst/>
                 <a:latin typeface="Times New Roman" panose="02020603050405020304" pitchFamily="18" charset="0"/>
                 <a:ea typeface="SimSun" panose="02010600030101010101" pitchFamily="2" charset="-122"/>
               </a:rPr>
-              <a:t>exhilarating multiplayer battles. Test your skills in team-based skirmishes, free-for-all deathmatches, and objective-based missions. Form alliances, coordinate strategies, and prove your dominance on the battlefield.</a:t>
-            </a:r>
-            <a:endParaRPr lang="en-US" sz="1400" dirty="0">
+              <a:t>Annual releases (2017–2023)</a:t>
+            </a:r>
+            <a:endParaRPr lang="en-IN" dirty="0">
               <a:effectLst/>
               <a:latin typeface="Times New Roman" panose="02020603050405020304" pitchFamily="18" charset="0"/>
               <a:ea typeface="Times New Roman" panose="02020603050405020304" pitchFamily="18" charset="0"/>
             </a:endParaRPr>
           </a:p>
           <a:p>
-            <a:pPr marL="367665" marR="0" indent="-226060">
-              <a:spcBef>
-                <a:spcPts val="975"/>
-              </a:spcBef>
-              <a:spcAft>
-                <a:spcPts val="0"/>
-              </a:spcAft>
-              <a:tabLst>
-                <a:tab pos="365760" algn="l"/>
-                <a:tab pos="5776595" algn="r"/>
-              </a:tabLst>
-            </a:pPr>
-            <a:r>
-              <a:rPr lang="en-US" sz="1400" b="1" u="sng" dirty="0">
+            <a:r>
+              <a:rPr lang="en-US" sz="1800" dirty="0">
                 <a:effectLst/>
                 <a:latin typeface="Times New Roman" panose="02020603050405020304" pitchFamily="18" charset="0"/>
                 <a:ea typeface="SimSun" panose="02010600030101010101" pitchFamily="2" charset="-122"/>
               </a:rPr>
-              <a:t>Conclusion:</a:t>
-            </a:r>
-            <a:endParaRPr lang="en-US" sz="1400" dirty="0">
+              <a:t>In December 2016, Unity Technologies announced that they would change the version numbering system for Unity from sequence-based identifiers to year of release to align the versioning with their more frequent release cadence; Unity 5.6 was therefore followed by Unity 2017. Unity 2017 tools featured a real-time graphics rendering engine, color grading and world building, live operations analytics and performance reporting.</a:t>
+            </a:r>
+            <a:endParaRPr lang="en-US" dirty="0">
+              <a:latin typeface="Times New Roman" panose="02020603050405020304" pitchFamily="18" charset="0"/>
+              <a:ea typeface="SimSun" panose="02010600030101010101" pitchFamily="2" charset="-122"/>
+            </a:endParaRPr>
+          </a:p>
+          <a:p>
+            <a:endParaRPr lang="en-US" sz="1800" b="1" dirty="0">
+              <a:effectLst/>
+              <a:latin typeface="Times New Roman" panose="02020603050405020304" pitchFamily="18" charset="0"/>
+              <a:ea typeface="SimSun" panose="02010600030101010101" pitchFamily="2" charset="-122"/>
+            </a:endParaRPr>
+          </a:p>
+          <a:p>
+            <a:endParaRPr lang="en-US" b="1" dirty="0">
+              <a:latin typeface="Times New Roman" panose="02020603050405020304" pitchFamily="18" charset="0"/>
+              <a:ea typeface="SimSun" panose="02010600030101010101" pitchFamily="2" charset="-122"/>
+            </a:endParaRPr>
+          </a:p>
+          <a:p>
+            <a:r>
+              <a:rPr lang="en-US" sz="1800" b="1" dirty="0">
+                <a:effectLst/>
+                <a:latin typeface="Times New Roman" panose="02020603050405020304" pitchFamily="18" charset="0"/>
+                <a:ea typeface="SimSun" panose="02010600030101010101" pitchFamily="2" charset="-122"/>
+              </a:rPr>
+              <a:t>Unity 6 (2024)</a:t>
+            </a:r>
+            <a:endParaRPr lang="en-IN" sz="1800" dirty="0">
               <a:effectLst/>
               <a:latin typeface="Times New Roman" panose="02020603050405020304" pitchFamily="18" charset="0"/>
               <a:ea typeface="Times New Roman" panose="02020603050405020304" pitchFamily="18" charset="0"/>
             </a:endParaRPr>
           </a:p>
           <a:p>
-            <a:pPr marL="367665" marR="0" indent="0">
-              <a:spcBef>
-                <a:spcPts val="975"/>
-              </a:spcBef>
-              <a:spcAft>
-                <a:spcPts val="0"/>
-              </a:spcAft>
-              <a:tabLst>
-                <a:tab pos="365760" algn="l"/>
-                <a:tab pos="5776595" algn="r"/>
-              </a:tabLst>
-            </a:pPr>
-            <a:r>
-              <a:rPr lang="en-US" sz="1400" dirty="0">
+            <a:r>
+              <a:rPr lang="en-US" sz="1800" dirty="0">
                 <a:effectLst/>
                 <a:latin typeface="Times New Roman" panose="02020603050405020304" pitchFamily="18" charset="0"/>
                 <a:ea typeface="SimSun" panose="02010600030101010101" pitchFamily="2" charset="-122"/>
               </a:rPr>
-              <a:t>"Gun Game: Tactical Warfare" offers an immersive and action-packed gaming experience that will keep players on the edge of their seats. With its stunning visuals, realistic gun mechanics, and intense multiplayer battles, this Unity 3D project promises to deliver hours of adrenaline-fueled excitement for both casual gamers and hardcore enthusiasts alike.</a:t>
-            </a:r>
-            <a:endParaRPr lang="en-US" sz="1400" dirty="0">
+              <a:t>On November 16, 2023, Unity announced that the next version of the engine would be called Unity 6, reverting to the previous version numbering convention. Unity 6 is planned for release in 2024, with planned features including new generative AI tools called Unity Muse and Unity Sentries.</a:t>
+            </a:r>
+          </a:p>
+          <a:p>
+            <a:endParaRPr lang="en-US" b="1" dirty="0">
+              <a:latin typeface="Times New Roman" panose="02020603050405020304" pitchFamily="18" charset="0"/>
+              <a:ea typeface="SimSun" panose="02010600030101010101" pitchFamily="2" charset="-122"/>
+            </a:endParaRPr>
+          </a:p>
+          <a:p>
+            <a:endParaRPr lang="en-US" sz="1800" b="1" dirty="0">
+              <a:effectLst/>
+              <a:latin typeface="Times New Roman" panose="02020603050405020304" pitchFamily="18" charset="0"/>
+              <a:ea typeface="SimSun" panose="02010600030101010101" pitchFamily="2" charset="-122"/>
+            </a:endParaRPr>
+          </a:p>
+          <a:p>
+            <a:r>
+              <a:rPr lang="en-US" sz="2000" b="1" dirty="0">
+                <a:effectLst/>
+                <a:latin typeface="Times New Roman" panose="02020603050405020304" pitchFamily="18" charset="0"/>
+                <a:ea typeface="SimSun" panose="02010600030101010101" pitchFamily="2" charset="-122"/>
+              </a:rPr>
+              <a:t>2.</a:t>
+            </a:r>
+            <a:r>
+              <a:rPr lang="en-US" sz="2000" dirty="0">
+                <a:effectLst/>
+                <a:latin typeface="Times New Roman" panose="02020603050405020304" pitchFamily="18" charset="0"/>
+                <a:ea typeface="SimSun" panose="02010600030101010101" pitchFamily="2" charset="-122"/>
+              </a:rPr>
+              <a:t> </a:t>
+            </a:r>
+            <a:r>
+              <a:rPr lang="en-US" sz="2000" b="1" dirty="0">
+                <a:effectLst/>
+                <a:latin typeface="Times New Roman" panose="02020603050405020304" pitchFamily="18" charset="0"/>
+                <a:ea typeface="SimSun" panose="02010600030101010101" pitchFamily="2" charset="-122"/>
+              </a:rPr>
+              <a:t>Project Setup : Gun Game Development</a:t>
+            </a:r>
+            <a:endParaRPr lang="en-IN" sz="2000" b="1" dirty="0">
+              <a:latin typeface="Times New Roman" panose="02020603050405020304" pitchFamily="18" charset="0"/>
+              <a:ea typeface="SimSun" panose="02010600030101010101" pitchFamily="2" charset="-122"/>
+            </a:endParaRPr>
+          </a:p>
+          <a:p>
+            <a:endParaRPr lang="en-IN" sz="1800" b="1" dirty="0">
+              <a:effectLst/>
+              <a:latin typeface="Times New Roman" panose="02020603050405020304" pitchFamily="18" charset="0"/>
+              <a:ea typeface="SimSun" panose="02010600030101010101" pitchFamily="2" charset="-122"/>
+            </a:endParaRPr>
+          </a:p>
+          <a:p>
+            <a:r>
+              <a:rPr lang="en-US" sz="1800" dirty="0">
+                <a:effectLst/>
+                <a:latin typeface="Times New Roman" panose="02020603050405020304" pitchFamily="18" charset="0"/>
+                <a:ea typeface="SimSun" panose="02010600030101010101" pitchFamily="2" charset="-122"/>
+              </a:rPr>
+              <a:t>Ensure you have Unity 3D installed on your system. The recommended version is Unity 2020.3 LTS (Long Term Support) or newer for stability and compatibility with the latest features and packages.</a:t>
+            </a:r>
+          </a:p>
+          <a:p>
+            <a:endParaRPr lang="en-US" b="1" u="sng" dirty="0">
+              <a:latin typeface="Times New Roman" panose="02020603050405020304" pitchFamily="18" charset="0"/>
+              <a:ea typeface="SimSun" panose="02010600030101010101" pitchFamily="2" charset="-122"/>
+            </a:endParaRPr>
+          </a:p>
+          <a:p>
+            <a:r>
+              <a:rPr lang="en-US" sz="1800" b="1" u="sng" dirty="0">
+                <a:effectLst/>
+                <a:latin typeface="Times New Roman" panose="02020603050405020304" pitchFamily="18" charset="0"/>
+                <a:ea typeface="SimSun" panose="02010600030101010101" pitchFamily="2" charset="-122"/>
+              </a:rPr>
+              <a:t>Starting Unity for the first time</a:t>
+            </a:r>
+            <a:endParaRPr lang="en-IN" b="1" u="sng" dirty="0">
+              <a:latin typeface="Times New Roman" panose="02020603050405020304" pitchFamily="18" charset="0"/>
+              <a:ea typeface="SimSun" panose="02010600030101010101" pitchFamily="2" charset="-122"/>
+            </a:endParaRPr>
+          </a:p>
+          <a:p>
+            <a:r>
+              <a:rPr lang="en-US" sz="1800" dirty="0">
+                <a:effectLst/>
+                <a:latin typeface="Times New Roman" panose="02020603050405020304" pitchFamily="18" charset="0"/>
+                <a:ea typeface="SimSun" panose="02010600030101010101" pitchFamily="2" charset="-122"/>
+              </a:rPr>
+              <a:t>When you launch the Unity Editor, the Home Screen appears. If you have no existing Unity Projects on your computer, or if this is your first time opening the Unity Editor, the Home Screen displays the Learn tab.</a:t>
+            </a:r>
+            <a:endParaRPr lang="en-IN" sz="1800" dirty="0">
               <a:effectLst/>
               <a:latin typeface="Times New Roman" panose="02020603050405020304" pitchFamily="18" charset="0"/>
               <a:ea typeface="Times New Roman" panose="02020603050405020304" pitchFamily="18" charset="0"/>
             </a:endParaRPr>
           </a:p>
           <a:p>
-            <a:pPr marL="0" marR="0" indent="0">
-              <a:spcBef>
-                <a:spcPts val="975"/>
-              </a:spcBef>
-              <a:spcAft>
-                <a:spcPts val="0"/>
-              </a:spcAft>
-              <a:tabLst>
-                <a:tab pos="365760" algn="l"/>
-                <a:tab pos="5776595" algn="r"/>
-              </a:tabLst>
-            </a:pPr>
-            <a:r>
-              <a:rPr lang="en-US" sz="1400" dirty="0">
+            <a:endParaRPr lang="en-IN" sz="1800" dirty="0">
+              <a:effectLst/>
+              <a:latin typeface="Times New Roman" panose="02020603050405020304" pitchFamily="18" charset="0"/>
+              <a:ea typeface="Times New Roman" panose="02020603050405020304" pitchFamily="18" charset="0"/>
+            </a:endParaRPr>
+          </a:p>
+          <a:p>
+            <a:r>
+              <a:rPr lang="en-US" sz="1800" dirty="0">
                 <a:effectLst/>
                 <a:latin typeface="Times New Roman" panose="02020603050405020304" pitchFamily="18" charset="0"/>
                 <a:ea typeface="SimSun" panose="02010600030101010101" pitchFamily="2" charset="-122"/>
               </a:rPr>
-              <a:t> </a:t>
-            </a:r>
-            <a:endParaRPr lang="en-US" sz="1400" dirty="0">
-              <a:effectLst/>
-              <a:latin typeface="Times New Roman" panose="02020603050405020304" pitchFamily="18" charset="0"/>
-              <a:ea typeface="Times New Roman" panose="02020603050405020304" pitchFamily="18" charset="0"/>
-            </a:endParaRPr>
-          </a:p>
-          <a:p>
-            <a:pPr marL="0" marR="0" indent="0">
-              <a:spcBef>
-                <a:spcPts val="975"/>
-              </a:spcBef>
-              <a:spcAft>
-                <a:spcPts val="0"/>
-              </a:spcAft>
-              <a:tabLst>
-                <a:tab pos="365760" algn="l"/>
-                <a:tab pos="5776595" algn="r"/>
-              </a:tabLst>
-            </a:pPr>
-            <a:r>
-              <a:rPr lang="en-US" sz="1400" b="1" dirty="0">
+              <a:t> </a:t>
+            </a:r>
+            <a:r>
+              <a:rPr lang="en-US" sz="1800" b="1" u="sng" dirty="0">
                 <a:effectLst/>
                 <a:latin typeface="Times New Roman" panose="02020603050405020304" pitchFamily="18" charset="0"/>
                 <a:ea typeface="SimSun" panose="02010600030101010101" pitchFamily="2" charset="-122"/>
               </a:rPr>
-              <a:t>2.</a:t>
-            </a:r>
-            <a:r>
-              <a:rPr lang="en-US" sz="1400" dirty="0">
-                <a:effectLst/>
-                <a:latin typeface="Times New Roman" panose="02020603050405020304" pitchFamily="18" charset="0"/>
-                <a:ea typeface="SimSun" panose="02010600030101010101" pitchFamily="2" charset="-122"/>
-              </a:rPr>
-              <a:t> </a:t>
-            </a:r>
-            <a:r>
-              <a:rPr lang="en-US" sz="1400" b="1" dirty="0">
-                <a:effectLst/>
-                <a:latin typeface="Times New Roman" panose="02020603050405020304" pitchFamily="18" charset="0"/>
-                <a:ea typeface="SimSun" panose="02010600030101010101" pitchFamily="2" charset="-122"/>
-              </a:rPr>
-              <a:t>Project Setup : Gun Game Development</a:t>
-            </a:r>
-            <a:endParaRPr lang="en-US" sz="1400" dirty="0">
-              <a:effectLst/>
-              <a:latin typeface="Times New Roman" panose="02020603050405020304" pitchFamily="18" charset="0"/>
-              <a:ea typeface="Times New Roman" panose="02020603050405020304" pitchFamily="18" charset="0"/>
-            </a:endParaRPr>
-          </a:p>
-          <a:p>
-            <a:pPr marL="0" marR="0" indent="0">
-              <a:spcBef>
-                <a:spcPts val="975"/>
-              </a:spcBef>
-              <a:spcAft>
-                <a:spcPts val="0"/>
-              </a:spcAft>
-              <a:tabLst>
-                <a:tab pos="365760" algn="l"/>
-                <a:tab pos="5776595" algn="r"/>
-              </a:tabLst>
-            </a:pPr>
-            <a:r>
-              <a:rPr lang="en-US" sz="1400" dirty="0">
-                <a:effectLst/>
-                <a:latin typeface="Times New Roman" panose="02020603050405020304" pitchFamily="18" charset="0"/>
-                <a:ea typeface="SimSun" panose="02010600030101010101" pitchFamily="2" charset="-122"/>
-              </a:rPr>
-              <a:t>Ensure you have Unity 3D installed on your system. The recommended version is Unity 2020.3 LTS (Long Term Support) or newer for stability and compatibility with the latest features and packages.</a:t>
-            </a:r>
-            <a:endParaRPr lang="en-US" sz="1400" dirty="0">
-              <a:effectLst/>
-              <a:latin typeface="Times New Roman" panose="02020603050405020304" pitchFamily="18" charset="0"/>
-              <a:ea typeface="Times New Roman" panose="02020603050405020304" pitchFamily="18" charset="0"/>
-            </a:endParaRPr>
-          </a:p>
-          <a:p>
-            <a:pPr marL="0" marR="0" indent="0">
-              <a:spcBef>
-                <a:spcPts val="975"/>
-              </a:spcBef>
-              <a:spcAft>
-                <a:spcPts val="0"/>
-              </a:spcAft>
-              <a:tabLst>
-                <a:tab pos="365760" algn="l"/>
-                <a:tab pos="5776595" algn="r"/>
-              </a:tabLst>
-            </a:pPr>
-            <a:r>
-              <a:rPr lang="en-US" sz="1400" b="1" u="sng" dirty="0">
-                <a:effectLst/>
-                <a:latin typeface="Times New Roman" panose="02020603050405020304" pitchFamily="18" charset="0"/>
-                <a:ea typeface="SimSun" panose="02010600030101010101" pitchFamily="2" charset="-122"/>
-              </a:rPr>
-              <a:t>IDE (Integrated Development Environment):</a:t>
-            </a:r>
-            <a:endParaRPr lang="en-US" sz="1400" dirty="0">
-              <a:effectLst/>
-              <a:latin typeface="Times New Roman" panose="02020603050405020304" pitchFamily="18" charset="0"/>
-              <a:ea typeface="Times New Roman" panose="02020603050405020304" pitchFamily="18" charset="0"/>
-            </a:endParaRPr>
-          </a:p>
-          <a:p>
-            <a:pPr marL="0" marR="0" indent="0">
-              <a:spcBef>
-                <a:spcPts val="975"/>
-              </a:spcBef>
-              <a:spcAft>
-                <a:spcPts val="0"/>
-              </a:spcAft>
-              <a:tabLst>
-                <a:tab pos="365760" algn="l"/>
-                <a:tab pos="5776595" algn="r"/>
-              </a:tabLst>
-            </a:pPr>
-            <a:r>
-              <a:rPr lang="en-US" sz="1400" dirty="0">
-                <a:effectLst/>
-                <a:latin typeface="Times New Roman" panose="02020603050405020304" pitchFamily="18" charset="0"/>
-                <a:ea typeface="SimSun" panose="02010600030101010101" pitchFamily="2" charset="-122"/>
-              </a:rPr>
-              <a:t>You can use any code editor or IDE of your choice, such as Visual Studio or JetBrains Rider, for scripting in C# within Unity.</a:t>
-            </a:r>
-            <a:endParaRPr lang="en-US" sz="1400" dirty="0">
-              <a:effectLst/>
-              <a:latin typeface="Times New Roman" panose="02020603050405020304" pitchFamily="18" charset="0"/>
-              <a:ea typeface="Times New Roman" panose="02020603050405020304" pitchFamily="18" charset="0"/>
-            </a:endParaRPr>
-          </a:p>
-          <a:p>
-            <a:pPr marL="0" marR="0" indent="0">
-              <a:spcBef>
-                <a:spcPts val="975"/>
-              </a:spcBef>
-              <a:spcAft>
-                <a:spcPts val="0"/>
-              </a:spcAft>
-              <a:tabLst>
-                <a:tab pos="365760" algn="l"/>
-                <a:tab pos="5776595" algn="r"/>
-              </a:tabLst>
-            </a:pPr>
-            <a:r>
-              <a:rPr lang="en-US" sz="1400" b="1" u="sng" dirty="0">
-                <a:effectLst/>
-                <a:latin typeface="Times New Roman" panose="02020603050405020304" pitchFamily="18" charset="0"/>
-                <a:ea typeface="SimSun" panose="02010600030101010101" pitchFamily="2" charset="-122"/>
-              </a:rPr>
-              <a:t>Necessary Plugins/Packages:</a:t>
-            </a:r>
-            <a:endParaRPr lang="en-US" sz="1400" dirty="0">
-              <a:effectLst/>
-              <a:latin typeface="Times New Roman" panose="02020603050405020304" pitchFamily="18" charset="0"/>
-              <a:ea typeface="Times New Roman" panose="02020603050405020304" pitchFamily="18" charset="0"/>
-            </a:endParaRPr>
-          </a:p>
-          <a:p>
-            <a:pPr marL="342900" marR="0" lvl="0" indent="-342900">
-              <a:spcBef>
-                <a:spcPts val="975"/>
-              </a:spcBef>
-              <a:spcAft>
-                <a:spcPts val="0"/>
-              </a:spcAft>
-              <a:buFont typeface="+mj-lt"/>
-              <a:buAutoNum type="arabicPeriod"/>
-              <a:tabLst>
-                <a:tab pos="365760" algn="l"/>
-                <a:tab pos="5776595" algn="r"/>
-              </a:tabLst>
-            </a:pPr>
-            <a:r>
-              <a:rPr lang="en-US" sz="1400" b="1" dirty="0">
-                <a:effectLst/>
-                <a:latin typeface="Times New Roman" panose="02020603050405020304" pitchFamily="18" charset="0"/>
-                <a:ea typeface="SimSun" panose="02010600030101010101" pitchFamily="2" charset="-122"/>
-              </a:rPr>
-              <a:t>Unity Hub</a:t>
-            </a:r>
-            <a:r>
-              <a:rPr lang="en-US" sz="1400" dirty="0">
-                <a:effectLst/>
-                <a:latin typeface="Times New Roman" panose="02020603050405020304" pitchFamily="18" charset="0"/>
-                <a:ea typeface="SimSun" panose="02010600030101010101" pitchFamily="2" charset="-122"/>
-              </a:rPr>
-              <a:t>: Use Unity Hub to manage multiple Unity versions and projects efficiently. Download and install it from the official Unity website.</a:t>
-            </a:r>
-            <a:endParaRPr lang="en-US" sz="1400" dirty="0">
-              <a:effectLst/>
-              <a:latin typeface="Times New Roman" panose="02020603050405020304" pitchFamily="18" charset="0"/>
-              <a:ea typeface="Times New Roman" panose="02020603050405020304" pitchFamily="18" charset="0"/>
-            </a:endParaRPr>
-          </a:p>
-          <a:p>
-            <a:pPr marL="342900" marR="0" lvl="0" indent="-342900">
-              <a:spcBef>
-                <a:spcPts val="975"/>
-              </a:spcBef>
-              <a:spcAft>
-                <a:spcPts val="0"/>
-              </a:spcAft>
-              <a:buFont typeface="+mj-lt"/>
-              <a:buAutoNum type="arabicPeriod"/>
-              <a:tabLst>
-                <a:tab pos="365760" algn="l"/>
-                <a:tab pos="5776595" algn="r"/>
-              </a:tabLst>
-            </a:pPr>
-            <a:r>
-              <a:rPr lang="en-US" sz="1400" b="1" dirty="0">
-                <a:effectLst/>
-                <a:latin typeface="Times New Roman" panose="02020603050405020304" pitchFamily="18" charset="0"/>
-                <a:ea typeface="SimSun" panose="02010600030101010101" pitchFamily="2" charset="-122"/>
-              </a:rPr>
-              <a:t>Standard Assets</a:t>
-            </a:r>
-            <a:r>
-              <a:rPr lang="en-US" sz="1400" dirty="0">
-                <a:effectLst/>
-                <a:latin typeface="Times New Roman" panose="02020603050405020304" pitchFamily="18" charset="0"/>
-                <a:ea typeface="SimSun" panose="02010600030101010101" pitchFamily="2" charset="-122"/>
-              </a:rPr>
-              <a:t>: Unity's Standard Assets package provides essential resources such as character controllers, vehicles, and environment assets. Import this package into your project to access pre-made assets that can accelerate development.</a:t>
-            </a:r>
-            <a:endParaRPr lang="en-US" sz="1400" dirty="0">
-              <a:effectLst/>
-              <a:latin typeface="Times New Roman" panose="02020603050405020304" pitchFamily="18" charset="0"/>
-              <a:ea typeface="Times New Roman" panose="02020603050405020304" pitchFamily="18" charset="0"/>
-            </a:endParaRPr>
-          </a:p>
-          <a:p>
-            <a:pPr marL="342900" marR="0" lvl="0" indent="-342900">
-              <a:spcBef>
-                <a:spcPts val="975"/>
-              </a:spcBef>
-              <a:spcAft>
-                <a:spcPts val="0"/>
-              </a:spcAft>
-              <a:buFont typeface="+mj-lt"/>
-              <a:buAutoNum type="arabicPeriod"/>
-              <a:tabLst>
-                <a:tab pos="365760" algn="l"/>
-                <a:tab pos="5776595" algn="r"/>
-              </a:tabLst>
-            </a:pPr>
-            <a:r>
-              <a:rPr lang="en-US" sz="1400" b="1" dirty="0">
-                <a:effectLst/>
-                <a:latin typeface="Times New Roman" panose="02020603050405020304" pitchFamily="18" charset="0"/>
-                <a:ea typeface="SimSun" panose="02010600030101010101" pitchFamily="2" charset="-122"/>
-              </a:rPr>
-              <a:t>Cine machine</a:t>
-            </a:r>
-            <a:r>
-              <a:rPr lang="en-US" sz="1400" dirty="0">
-                <a:effectLst/>
-                <a:latin typeface="Times New Roman" panose="02020603050405020304" pitchFamily="18" charset="0"/>
-                <a:ea typeface="SimSun" panose="02010600030101010101" pitchFamily="2" charset="-122"/>
-              </a:rPr>
-              <a:t>: Cine machine is a powerful camera system for Unity that enables dynamic camera movements, transitions, and composition. Install it via the Unity Package Manager to enhance your game's visuals and cinematic quality.</a:t>
-            </a:r>
-            <a:endParaRPr lang="en-US" sz="1400" dirty="0">
-              <a:effectLst/>
-              <a:latin typeface="Times New Roman" panose="02020603050405020304" pitchFamily="18" charset="0"/>
-              <a:ea typeface="Times New Roman" panose="02020603050405020304" pitchFamily="18" charset="0"/>
-            </a:endParaRPr>
-          </a:p>
-          <a:p>
-            <a:r>
-              <a:rPr lang="en-US" sz="1400" b="1" dirty="0">
-                <a:effectLst/>
-                <a:latin typeface="Times New Roman" panose="02020603050405020304" pitchFamily="18" charset="0"/>
-                <a:ea typeface="SimSun" panose="02010600030101010101" pitchFamily="2" charset="-122"/>
-              </a:rPr>
-              <a:t> Pro Builder: </a:t>
-            </a:r>
-            <a:r>
-              <a:rPr lang="en-US" sz="1400" dirty="0">
-                <a:effectLst/>
-                <a:latin typeface="Times New Roman" panose="02020603050405020304" pitchFamily="18" charset="0"/>
-                <a:ea typeface="SimSun" panose="02010600030101010101" pitchFamily="2" charset="-122"/>
-              </a:rPr>
-              <a:t>Pro Builder is a versatile 3D modeling tool integrated into Unity for creating and editing 3D geometry directly within the editor. It's useful for prototyping levels, props, and environmental elements. Install it </a:t>
-            </a:r>
-            <a:endParaRPr lang="en-US" sz="1400" dirty="0"/>
+              <a:t>Creating a Project</a:t>
+            </a:r>
+          </a:p>
+          <a:p>
+            <a:endParaRPr lang="en-IN" dirty="0"/>
+          </a:p>
+          <a:p>
+            <a:endParaRPr lang="en-IN" dirty="0"/>
+          </a:p>
+          <a:p>
+            <a:endParaRPr lang="en-IN" dirty="0"/>
           </a:p>
         </p:txBody>
       </p:sp>
+      <p:pic>
+        <p:nvPicPr>
+          <p:cNvPr id="7" name="Picture 6">
+            <a:extLst>
+              <a:ext uri="{FF2B5EF4-FFF2-40B4-BE49-F238E27FC236}">
+                <a16:creationId xmlns:a16="http://schemas.microsoft.com/office/drawing/2014/main" id="{2361245B-3012-DCA4-80D5-FA9D23C61737}"/>
+              </a:ext>
+            </a:extLst>
+          </p:cNvPr>
+          <p:cNvPicPr>
+            <a:picLocks noChangeAspect="1"/>
+          </p:cNvPicPr>
+          <p:nvPr/>
+        </p:nvPicPr>
+        <p:blipFill>
+          <a:blip r:embed="rId3">
+            <a:extLst>
+              <a:ext uri="{28A0092B-C50C-407E-A947-70E740481C1C}">
+                <a14:useLocalDpi xmlns:a14="http://schemas.microsoft.com/office/drawing/2010/main" val="0"/>
+              </a:ext>
+            </a:extLst>
+          </a:blip>
+          <a:srcRect/>
+          <a:stretch>
+            <a:fillRect/>
+          </a:stretch>
+        </p:blipFill>
+        <p:spPr bwMode="auto">
+          <a:xfrm>
+            <a:off x="491490" y="8157984"/>
+            <a:ext cx="3509010" cy="605790"/>
+          </a:xfrm>
+          <a:prstGeom prst="rect">
+            <a:avLst/>
+          </a:prstGeom>
+          <a:noFill/>
+          <a:ln>
+            <a:noFill/>
+          </a:ln>
+        </p:spPr>
+      </p:pic>
     </p:spTree>
   </p:cSld>
   <p:clrMapOvr>
@@ -8863,1047 +9908,153 @@
           <a:chExt cx="0" cy="0"/>
         </a:xfrm>
       </p:grpSpPr>
-      <p:sp>
-        <p:nvSpPr>
-          <p:cNvPr id="3" name="Rectangle 2">
+      <p:pic>
+        <p:nvPicPr>
+          <p:cNvPr id="6" name="Picture 5">
             <a:extLst>
               <a:ext uri="{FF2B5EF4-FFF2-40B4-BE49-F238E27FC236}">
-                <a16:creationId xmlns:a16="http://schemas.microsoft.com/office/drawing/2014/main" id="{7A154B41-DBA1-7929-C02F-506874988121}"/>
+                <a16:creationId xmlns:a16="http://schemas.microsoft.com/office/drawing/2014/main" id="{32847E82-DDE9-5C2E-F4CB-F21C9D43B964}"/>
               </a:ext>
             </a:extLst>
           </p:cNvPr>
-          <p:cNvSpPr>
-            <a:spLocks noChangeArrowheads="1"/>
-          </p:cNvSpPr>
+          <p:cNvPicPr>
+            <a:picLocks noChangeAspect="1"/>
+          </p:cNvPicPr>
+          <p:nvPr/>
+        </p:nvPicPr>
+        <p:blipFill>
+          <a:blip r:embed="rId2"/>
+          <a:stretch>
+            <a:fillRect/>
+          </a:stretch>
+        </p:blipFill>
+        <p:spPr>
+          <a:xfrm>
+            <a:off x="495300" y="2438400"/>
+            <a:ext cx="6781800" cy="3733800"/>
+          </a:xfrm>
+          <a:prstGeom prst="rect">
+            <a:avLst/>
+          </a:prstGeom>
+        </p:spPr>
+      </p:pic>
+      <p:sp>
+        <p:nvSpPr>
+          <p:cNvPr id="8" name="TextBox 7">
+            <a:extLst>
+              <a:ext uri="{FF2B5EF4-FFF2-40B4-BE49-F238E27FC236}">
+                <a16:creationId xmlns:a16="http://schemas.microsoft.com/office/drawing/2014/main" id="{6199A42D-218E-89F8-E9B0-A92FA3F18441}"/>
+              </a:ext>
+            </a:extLst>
+          </p:cNvPr>
+          <p:cNvSpPr txBox="1"/>
           <p:nvPr/>
         </p:nvSpPr>
-        <p:spPr bwMode="auto">
+        <p:spPr>
           <a:xfrm>
-            <a:off x="914400" y="381000"/>
-            <a:ext cx="5410200" cy="646331"/>
+            <a:off x="152400" y="304800"/>
+            <a:ext cx="7391400" cy="1882567"/>
           </a:xfrm>
           <a:prstGeom prst="rect">
             <a:avLst/>
           </a:prstGeom>
           <a:noFill/>
-          <a:ln>
-            <a:noFill/>
-          </a:ln>
-          <a:effectLst/>
-          <a:extLst>
-            <a:ext uri="{909E8E84-426E-40DD-AFC4-6F175D3DCCD1}">
-              <a14:hiddenFill xmlns:a14="http://schemas.microsoft.com/office/drawing/2010/main">
-                <a:solidFill>
-                  <a:schemeClr val="accent1"/>
-                </a:solidFill>
-              </a14:hiddenFill>
-            </a:ext>
-            <a:ext uri="{91240B29-F687-4F45-9708-019B960494DF}">
-              <a14:hiddenLine xmlns:a14="http://schemas.microsoft.com/office/drawing/2010/main" w="9525">
-                <a:solidFill>
-                  <a:schemeClr val="tx1"/>
-                </a:solidFill>
-                <a:miter lim="800000"/>
-                <a:headEnd/>
-                <a:tailEnd/>
-              </a14:hiddenLine>
-            </a:ext>
-            <a:ext uri="{AF507438-7753-43E0-B8FC-AC1667EBCBE1}">
-              <a14:hiddenEffects xmlns:a14="http://schemas.microsoft.com/office/drawing/2010/main">
-                <a:effectLst>
-                  <a:outerShdw dist="35921" dir="2700000" algn="ctr" rotWithShape="0">
-                    <a:schemeClr val="bg2"/>
-                  </a:outerShdw>
-                </a:effectLst>
-              </a14:hiddenEffects>
-            </a:ext>
-          </a:extLst>
         </p:spPr>
         <p:txBody>
-          <a:bodyPr vert="horz" wrap="square" lIns="91440" tIns="45720" rIns="91440" bIns="45720" numCol="1" anchor="ctr" anchorCtr="0" compatLnSpc="1">
-            <a:prstTxWarp prst="textNoShape">
-              <a:avLst/>
-            </a:prstTxWarp>
+          <a:bodyPr wrap="square">
             <a:spAutoFit/>
           </a:bodyPr>
-          <a:lstStyle>
-            <a:lvl1pPr eaLnBrk="0" fontAlgn="base" hangingPunct="0">
-              <a:spcBef>
-                <a:spcPct val="0"/>
-              </a:spcBef>
-              <a:spcAft>
-                <a:spcPct val="0"/>
-              </a:spcAft>
-              <a:tabLst>
-                <a:tab pos="365125" algn="l"/>
-                <a:tab pos="5776913" algn="r"/>
-              </a:tabLst>
-              <a:defRPr>
-                <a:solidFill>
-                  <a:schemeClr val="tx1"/>
-                </a:solidFill>
-                <a:latin typeface="Arial" panose="020B0604020202020204" pitchFamily="34" charset="0"/>
-              </a:defRPr>
-            </a:lvl1pPr>
-            <a:lvl2pPr eaLnBrk="0" fontAlgn="base" hangingPunct="0">
-              <a:spcBef>
-                <a:spcPct val="0"/>
-              </a:spcBef>
-              <a:spcAft>
-                <a:spcPct val="0"/>
-              </a:spcAft>
-              <a:tabLst>
-                <a:tab pos="365125" algn="l"/>
-                <a:tab pos="5776913" algn="r"/>
-              </a:tabLst>
-              <a:defRPr>
-                <a:solidFill>
-                  <a:schemeClr val="tx1"/>
-                </a:solidFill>
-                <a:latin typeface="Arial" panose="020B0604020202020204" pitchFamily="34" charset="0"/>
-              </a:defRPr>
-            </a:lvl2pPr>
-            <a:lvl3pPr eaLnBrk="0" fontAlgn="base" hangingPunct="0">
-              <a:spcBef>
-                <a:spcPct val="0"/>
-              </a:spcBef>
-              <a:spcAft>
-                <a:spcPct val="0"/>
-              </a:spcAft>
-              <a:tabLst>
-                <a:tab pos="365125" algn="l"/>
-                <a:tab pos="5776913" algn="r"/>
-              </a:tabLst>
-              <a:defRPr>
-                <a:solidFill>
-                  <a:schemeClr val="tx1"/>
-                </a:solidFill>
-                <a:latin typeface="Arial" panose="020B0604020202020204" pitchFamily="34" charset="0"/>
-              </a:defRPr>
-            </a:lvl3pPr>
-            <a:lvl4pPr eaLnBrk="0" fontAlgn="base" hangingPunct="0">
-              <a:spcBef>
-                <a:spcPct val="0"/>
-              </a:spcBef>
-              <a:spcAft>
-                <a:spcPct val="0"/>
-              </a:spcAft>
-              <a:tabLst>
-                <a:tab pos="365125" algn="l"/>
-                <a:tab pos="5776913" algn="r"/>
-              </a:tabLst>
-              <a:defRPr>
-                <a:solidFill>
-                  <a:schemeClr val="tx1"/>
-                </a:solidFill>
-                <a:latin typeface="Arial" panose="020B0604020202020204" pitchFamily="34" charset="0"/>
-              </a:defRPr>
-            </a:lvl4pPr>
-            <a:lvl5pPr eaLnBrk="0" fontAlgn="base" hangingPunct="0">
-              <a:spcBef>
-                <a:spcPct val="0"/>
-              </a:spcBef>
-              <a:spcAft>
-                <a:spcPct val="0"/>
-              </a:spcAft>
-              <a:tabLst>
-                <a:tab pos="365125" algn="l"/>
-                <a:tab pos="5776913" algn="r"/>
-              </a:tabLst>
-              <a:defRPr>
-                <a:solidFill>
-                  <a:schemeClr val="tx1"/>
-                </a:solidFill>
-                <a:latin typeface="Arial" panose="020B0604020202020204" pitchFamily="34" charset="0"/>
-              </a:defRPr>
-            </a:lvl5pPr>
-            <a:lvl6pPr eaLnBrk="0" fontAlgn="base" hangingPunct="0">
-              <a:spcBef>
-                <a:spcPct val="0"/>
-              </a:spcBef>
-              <a:spcAft>
-                <a:spcPct val="0"/>
-              </a:spcAft>
-              <a:tabLst>
-                <a:tab pos="365125" algn="l"/>
-                <a:tab pos="5776913" algn="r"/>
-              </a:tabLst>
-              <a:defRPr>
-                <a:solidFill>
-                  <a:schemeClr val="tx1"/>
-                </a:solidFill>
-                <a:latin typeface="Arial" panose="020B0604020202020204" pitchFamily="34" charset="0"/>
-              </a:defRPr>
-            </a:lvl6pPr>
-            <a:lvl7pPr eaLnBrk="0" fontAlgn="base" hangingPunct="0">
-              <a:spcBef>
-                <a:spcPct val="0"/>
-              </a:spcBef>
-              <a:spcAft>
-                <a:spcPct val="0"/>
-              </a:spcAft>
-              <a:tabLst>
-                <a:tab pos="365125" algn="l"/>
-                <a:tab pos="5776913" algn="r"/>
-              </a:tabLst>
-              <a:defRPr>
-                <a:solidFill>
-                  <a:schemeClr val="tx1"/>
-                </a:solidFill>
-                <a:latin typeface="Arial" panose="020B0604020202020204" pitchFamily="34" charset="0"/>
-              </a:defRPr>
-            </a:lvl7pPr>
-            <a:lvl8pPr eaLnBrk="0" fontAlgn="base" hangingPunct="0">
-              <a:spcBef>
-                <a:spcPct val="0"/>
-              </a:spcBef>
-              <a:spcAft>
-                <a:spcPct val="0"/>
-              </a:spcAft>
-              <a:tabLst>
-                <a:tab pos="365125" algn="l"/>
-                <a:tab pos="5776913" algn="r"/>
-              </a:tabLst>
-              <a:defRPr>
-                <a:solidFill>
-                  <a:schemeClr val="tx1"/>
-                </a:solidFill>
-                <a:latin typeface="Arial" panose="020B0604020202020204" pitchFamily="34" charset="0"/>
-              </a:defRPr>
-            </a:lvl8pPr>
-            <a:lvl9pPr eaLnBrk="0" fontAlgn="base" hangingPunct="0">
-              <a:spcBef>
-                <a:spcPct val="0"/>
-              </a:spcBef>
-              <a:spcAft>
-                <a:spcPct val="0"/>
-              </a:spcAft>
-              <a:tabLst>
-                <a:tab pos="365125" algn="l"/>
-                <a:tab pos="5776913" algn="r"/>
-              </a:tabLst>
-              <a:defRPr>
-                <a:solidFill>
-                  <a:schemeClr val="tx1"/>
-                </a:solidFill>
-                <a:latin typeface="Arial" panose="020B0604020202020204" pitchFamily="34" charset="0"/>
-              </a:defRPr>
-            </a:lvl9pPr>
-          </a:lstStyle>
-          <a:p>
-            <a:pPr marL="0" marR="0" lvl="0" indent="0" algn="l" defTabSz="914400" rtl="0" eaLnBrk="0" fontAlgn="base" latinLnBrk="0" hangingPunct="0">
-              <a:lnSpc>
-                <a:spcPct val="100000"/>
-              </a:lnSpc>
-              <a:spcBef>
-                <a:spcPct val="0"/>
-              </a:spcBef>
-              <a:spcAft>
-                <a:spcPct val="0"/>
-              </a:spcAft>
-              <a:buClrTx/>
-              <a:buSzTx/>
-              <a:buFontTx/>
-              <a:buChar char="•"/>
-              <a:tabLst>
-                <a:tab pos="365125" algn="l"/>
-                <a:tab pos="5776913" algn="r"/>
-              </a:tabLst>
-            </a:pPr>
-            <a:r>
-              <a:rPr kumimoji="0" lang="en-US" altLang="zh-CN" sz="1200" b="0" i="0" u="none" strike="noStrike" cap="none" normalizeH="0" baseline="0" dirty="0">
-                <a:ln>
-                  <a:noFill/>
-                </a:ln>
-                <a:solidFill>
-                  <a:schemeClr val="tx1"/>
-                </a:solidFill>
-                <a:effectLst/>
-                <a:latin typeface="Arial" panose="020B0604020202020204" pitchFamily="34" charset="0"/>
+          <a:lstStyle/>
+          <a:p>
+            <a:pPr marL="365125" indent="-226060">
+              <a:spcBef>
+                <a:spcPts val="975"/>
+              </a:spcBef>
+              <a:tabLst>
+                <a:tab pos="365760" algn="l"/>
+                <a:tab pos="5776595" algn="r"/>
+              </a:tabLst>
+            </a:pPr>
+            <a:r>
+              <a:rPr lang="en-US" sz="1800" dirty="0">
+                <a:effectLst/>
+                <a:latin typeface="Times New Roman" panose="02020603050405020304" pitchFamily="18" charset="0"/>
                 <a:ea typeface="SimSun" panose="02010600030101010101" pitchFamily="2" charset="-122"/>
               </a:rPr>
-              <a:t>through the Unity Package Manager to streamline level design workflows.</a:t>
-            </a:r>
-            <a:endParaRPr kumimoji="0" lang="en-US" altLang="zh-CN" sz="1200" b="0" i="0" u="none" strike="noStrike" cap="none" normalizeH="0" baseline="0" dirty="0">
-              <a:ln>
-                <a:noFill/>
-              </a:ln>
-              <a:solidFill>
-                <a:schemeClr val="tx1"/>
-              </a:solidFill>
-              <a:effectLst/>
-              <a:latin typeface="Arial" panose="020B0604020202020204" pitchFamily="34" charset="0"/>
-            </a:endParaRPr>
-          </a:p>
-          <a:p>
-            <a:pPr marL="0" marR="0" lvl="0" indent="0" algn="l" defTabSz="914400" rtl="0" eaLnBrk="0" fontAlgn="base" latinLnBrk="0" hangingPunct="0">
-              <a:lnSpc>
-                <a:spcPct val="100000"/>
-              </a:lnSpc>
-              <a:spcBef>
-                <a:spcPct val="0"/>
-              </a:spcBef>
-              <a:spcAft>
-                <a:spcPct val="0"/>
-              </a:spcAft>
-              <a:buClrTx/>
-              <a:buSzTx/>
-              <a:buFontTx/>
-              <a:buNone/>
-              <a:tabLst>
-                <a:tab pos="365125" algn="l"/>
-                <a:tab pos="5776913" algn="r"/>
-              </a:tabLst>
-            </a:pPr>
-            <a:r>
-              <a:rPr kumimoji="0" lang="en-US" altLang="zh-CN" sz="1200" b="1" i="0" u="sng" strike="noStrike" cap="none" normalizeH="0" baseline="0" dirty="0">
-                <a:ln>
-                  <a:noFill/>
-                </a:ln>
-                <a:solidFill>
-                  <a:schemeClr val="tx1"/>
-                </a:solidFill>
-                <a:effectLst/>
-                <a:latin typeface="Arial" panose="020B0604020202020204" pitchFamily="34" charset="0"/>
+              <a:t>In the top right corner of the Home Screen, click ‘New’ to see the Create Project window.</a:t>
+            </a:r>
+            <a:endParaRPr lang="en-IN" dirty="0">
+              <a:latin typeface="Times New Roman" panose="02020603050405020304" pitchFamily="18" charset="0"/>
+              <a:ea typeface="SimSun" panose="02010600030101010101" pitchFamily="2" charset="-122"/>
+            </a:endParaRPr>
+          </a:p>
+          <a:p>
+            <a:pPr marL="365125" indent="-226060">
+              <a:spcBef>
+                <a:spcPts val="975"/>
+              </a:spcBef>
+              <a:tabLst>
+                <a:tab pos="365760" algn="l"/>
+                <a:tab pos="5776595" algn="r"/>
+              </a:tabLst>
+            </a:pPr>
+            <a:r>
+              <a:rPr lang="en-US" sz="1800" dirty="0">
+                <a:effectLst/>
+                <a:latin typeface="Times New Roman" panose="02020603050405020304" pitchFamily="18" charset="0"/>
                 <a:ea typeface="SimSun" panose="02010600030101010101" pitchFamily="2" charset="-122"/>
               </a:rPr>
-              <a:t>Setting up the Environment:</a:t>
-            </a:r>
-            <a:endParaRPr kumimoji="0" lang="en-US" altLang="zh-CN" sz="1200" b="0" i="0" u="none" strike="noStrike" cap="none" normalizeH="0" baseline="0" dirty="0">
-              <a:ln>
-                <a:noFill/>
-              </a:ln>
-              <a:solidFill>
-                <a:schemeClr val="tx1"/>
-              </a:solidFill>
-              <a:effectLst/>
-              <a:latin typeface="Arial" panose="020B0604020202020204" pitchFamily="34" charset="0"/>
-            </a:endParaRPr>
-          </a:p>
-          <a:p>
-            <a:pPr marL="0" marR="0" lvl="0" indent="0" algn="l" defTabSz="914400" rtl="0" eaLnBrk="0" fontAlgn="base" latinLnBrk="0" hangingPunct="0">
-              <a:lnSpc>
-                <a:spcPct val="100000"/>
-              </a:lnSpc>
-              <a:spcBef>
-                <a:spcPct val="0"/>
-              </a:spcBef>
-              <a:spcAft>
-                <a:spcPct val="0"/>
-              </a:spcAft>
-              <a:buClrTx/>
-              <a:buSzTx/>
-              <a:buFontTx/>
-              <a:buNone/>
-              <a:tabLst>
-                <a:tab pos="365125" algn="l"/>
-                <a:tab pos="5776913" algn="r"/>
-              </a:tabLst>
-            </a:pPr>
-            <a:endParaRPr kumimoji="0" lang="en-US" altLang="zh-CN" sz="1200" b="0" i="0" u="none" strike="noStrike" cap="none" normalizeH="0" baseline="0" dirty="0">
-              <a:ln>
-                <a:noFill/>
-              </a:ln>
-              <a:solidFill>
-                <a:schemeClr val="tx1"/>
-              </a:solidFill>
-              <a:effectLst/>
-              <a:latin typeface="Arial" panose="020B0604020202020204" pitchFamily="34" charset="0"/>
-            </a:endParaRPr>
+              <a:t>To access the Home Screen when you are already in the Unity Editor, go to File &gt; New Project ….</a:t>
+            </a:r>
+            <a:endParaRPr lang="en-IN" sz="1800" dirty="0">
+              <a:effectLst/>
+              <a:latin typeface="Times New Roman" panose="02020603050405020304" pitchFamily="18" charset="0"/>
+              <a:ea typeface="Times New Roman" panose="02020603050405020304" pitchFamily="18" charset="0"/>
+            </a:endParaRPr>
+          </a:p>
+          <a:p>
+            <a:r>
+              <a:rPr lang="en-US" sz="1800" dirty="0">
+                <a:effectLst/>
+                <a:latin typeface="Times New Roman" panose="02020603050405020304" pitchFamily="18" charset="0"/>
+                <a:ea typeface="SimSun" panose="02010600030101010101" pitchFamily="2" charset="-122"/>
+              </a:rPr>
+              <a:t>  From the Create Project window, there are various starter settings for you to         apply before Unity creates your project. These are described in detail below</a:t>
+            </a:r>
+            <a:endParaRPr lang="en-IN" dirty="0"/>
           </a:p>
         </p:txBody>
       </p:sp>
       <p:pic>
         <p:nvPicPr>
-          <p:cNvPr id="2049" name="Picture 1">
+          <p:cNvPr id="10" name="Picture 9">
             <a:extLst>
               <a:ext uri="{FF2B5EF4-FFF2-40B4-BE49-F238E27FC236}">
-                <a16:creationId xmlns:a16="http://schemas.microsoft.com/office/drawing/2014/main" id="{13BE9422-009A-2638-1CE2-4B81A79DBF4C}"/>
+                <a16:creationId xmlns:a16="http://schemas.microsoft.com/office/drawing/2014/main" id="{40CAA7A9-DBA9-0026-9AB6-68886F0F05B4}"/>
               </a:ext>
             </a:extLst>
           </p:cNvPr>
           <p:cNvPicPr>
-            <a:picLocks noChangeAspect="1" noChangeArrowheads="1"/>
+            <a:picLocks noChangeAspect="1"/>
           </p:cNvPicPr>
           <p:nvPr/>
         </p:nvPicPr>
         <p:blipFill>
-          <a:blip r:embed="rId2">
-            <a:extLst>
-              <a:ext uri="{28A0092B-C50C-407E-A947-70E740481C1C}">
-                <a14:useLocalDpi xmlns:a14="http://schemas.microsoft.com/office/drawing/2010/main" val="0"/>
-              </a:ext>
-            </a:extLst>
-          </a:blip>
-          <a:srcRect/>
+          <a:blip r:embed="rId3"/>
           <a:stretch>
             <a:fillRect/>
           </a:stretch>
         </p:blipFill>
-        <p:spPr bwMode="auto">
+        <p:spPr>
           <a:xfrm>
-            <a:off x="838200" y="1066800"/>
-            <a:ext cx="5937250" cy="2540000"/>
+            <a:off x="411480" y="6407993"/>
+            <a:ext cx="6865620" cy="3498007"/>
           </a:xfrm>
           <a:prstGeom prst="rect">
             <a:avLst/>
           </a:prstGeom>
-          <a:noFill/>
-          <a:extLst>
-            <a:ext uri="{909E8E84-426E-40DD-AFC4-6F175D3DCCD1}">
-              <a14:hiddenFill xmlns:a14="http://schemas.microsoft.com/office/drawing/2010/main">
-                <a:solidFill>
-                  <a:srgbClr val="FFFFFF"/>
-                </a:solidFill>
-              </a14:hiddenFill>
-            </a:ext>
-          </a:extLst>
         </p:spPr>
       </p:pic>
-      <p:sp>
-        <p:nvSpPr>
-          <p:cNvPr id="4" name="Rectangle 3">
-            <a:extLst>
-              <a:ext uri="{FF2B5EF4-FFF2-40B4-BE49-F238E27FC236}">
-                <a16:creationId xmlns:a16="http://schemas.microsoft.com/office/drawing/2014/main" id="{477200C6-706E-46BC-B0DD-8C3717123242}"/>
-              </a:ext>
-            </a:extLst>
-          </p:cNvPr>
-          <p:cNvSpPr>
-            <a:spLocks noChangeArrowheads="1"/>
-          </p:cNvSpPr>
-          <p:nvPr/>
-        </p:nvSpPr>
-        <p:spPr bwMode="auto">
-          <a:xfrm>
-            <a:off x="609600" y="3854679"/>
-            <a:ext cx="6111875" cy="4524315"/>
-          </a:xfrm>
-          <a:prstGeom prst="rect">
-            <a:avLst/>
-          </a:prstGeom>
-          <a:noFill/>
-          <a:ln>
-            <a:noFill/>
-          </a:ln>
-          <a:effectLst/>
-          <a:extLst>
-            <a:ext uri="{909E8E84-426E-40DD-AFC4-6F175D3DCCD1}">
-              <a14:hiddenFill xmlns:a14="http://schemas.microsoft.com/office/drawing/2010/main">
-                <a:solidFill>
-                  <a:schemeClr val="accent1"/>
-                </a:solidFill>
-              </a14:hiddenFill>
-            </a:ext>
-            <a:ext uri="{91240B29-F687-4F45-9708-019B960494DF}">
-              <a14:hiddenLine xmlns:a14="http://schemas.microsoft.com/office/drawing/2010/main" w="9525">
-                <a:solidFill>
-                  <a:schemeClr val="tx1"/>
-                </a:solidFill>
-                <a:miter lim="800000"/>
-                <a:headEnd/>
-                <a:tailEnd/>
-              </a14:hiddenLine>
-            </a:ext>
-            <a:ext uri="{AF507438-7753-43E0-B8FC-AC1667EBCBE1}">
-              <a14:hiddenEffects xmlns:a14="http://schemas.microsoft.com/office/drawing/2010/main">
-                <a:effectLst>
-                  <a:outerShdw dist="35921" dir="2700000" algn="ctr" rotWithShape="0">
-                    <a:schemeClr val="bg2"/>
-                  </a:outerShdw>
-                </a:effectLst>
-              </a14:hiddenEffects>
-            </a:ext>
-          </a:extLst>
-        </p:spPr>
-        <p:txBody>
-          <a:bodyPr vert="horz" wrap="square" lIns="91440" tIns="45720" rIns="91440" bIns="45720" numCol="1" anchor="ctr" anchorCtr="0" compatLnSpc="1">
-            <a:prstTxWarp prst="textNoShape">
-              <a:avLst/>
-            </a:prstTxWarp>
-            <a:spAutoFit/>
-          </a:bodyPr>
-          <a:lstStyle>
-            <a:lvl1pPr eaLnBrk="0" fontAlgn="base" hangingPunct="0">
-              <a:spcBef>
-                <a:spcPct val="0"/>
-              </a:spcBef>
-              <a:spcAft>
-                <a:spcPct val="0"/>
-              </a:spcAft>
-              <a:tabLst>
-                <a:tab pos="365125" algn="l"/>
-                <a:tab pos="5776913" algn="r"/>
-              </a:tabLst>
-              <a:defRPr>
-                <a:solidFill>
-                  <a:schemeClr val="tx1"/>
-                </a:solidFill>
-                <a:latin typeface="Arial" panose="020B0604020202020204" pitchFamily="34" charset="0"/>
-              </a:defRPr>
-            </a:lvl1pPr>
-            <a:lvl2pPr eaLnBrk="0" fontAlgn="base" hangingPunct="0">
-              <a:spcBef>
-                <a:spcPct val="0"/>
-              </a:spcBef>
-              <a:spcAft>
-                <a:spcPct val="0"/>
-              </a:spcAft>
-              <a:tabLst>
-                <a:tab pos="365125" algn="l"/>
-                <a:tab pos="5776913" algn="r"/>
-              </a:tabLst>
-              <a:defRPr>
-                <a:solidFill>
-                  <a:schemeClr val="tx1"/>
-                </a:solidFill>
-                <a:latin typeface="Arial" panose="020B0604020202020204" pitchFamily="34" charset="0"/>
-              </a:defRPr>
-            </a:lvl2pPr>
-            <a:lvl3pPr eaLnBrk="0" fontAlgn="base" hangingPunct="0">
-              <a:spcBef>
-                <a:spcPct val="0"/>
-              </a:spcBef>
-              <a:spcAft>
-                <a:spcPct val="0"/>
-              </a:spcAft>
-              <a:tabLst>
-                <a:tab pos="365125" algn="l"/>
-                <a:tab pos="5776913" algn="r"/>
-              </a:tabLst>
-              <a:defRPr>
-                <a:solidFill>
-                  <a:schemeClr val="tx1"/>
-                </a:solidFill>
-                <a:latin typeface="Arial" panose="020B0604020202020204" pitchFamily="34" charset="0"/>
-              </a:defRPr>
-            </a:lvl3pPr>
-            <a:lvl4pPr eaLnBrk="0" fontAlgn="base" hangingPunct="0">
-              <a:spcBef>
-                <a:spcPct val="0"/>
-              </a:spcBef>
-              <a:spcAft>
-                <a:spcPct val="0"/>
-              </a:spcAft>
-              <a:tabLst>
-                <a:tab pos="365125" algn="l"/>
-                <a:tab pos="5776913" algn="r"/>
-              </a:tabLst>
-              <a:defRPr>
-                <a:solidFill>
-                  <a:schemeClr val="tx1"/>
-                </a:solidFill>
-                <a:latin typeface="Arial" panose="020B0604020202020204" pitchFamily="34" charset="0"/>
-              </a:defRPr>
-            </a:lvl4pPr>
-            <a:lvl5pPr eaLnBrk="0" fontAlgn="base" hangingPunct="0">
-              <a:spcBef>
-                <a:spcPct val="0"/>
-              </a:spcBef>
-              <a:spcAft>
-                <a:spcPct val="0"/>
-              </a:spcAft>
-              <a:tabLst>
-                <a:tab pos="365125" algn="l"/>
-                <a:tab pos="5776913" algn="r"/>
-              </a:tabLst>
-              <a:defRPr>
-                <a:solidFill>
-                  <a:schemeClr val="tx1"/>
-                </a:solidFill>
-                <a:latin typeface="Arial" panose="020B0604020202020204" pitchFamily="34" charset="0"/>
-              </a:defRPr>
-            </a:lvl5pPr>
-            <a:lvl6pPr eaLnBrk="0" fontAlgn="base" hangingPunct="0">
-              <a:spcBef>
-                <a:spcPct val="0"/>
-              </a:spcBef>
-              <a:spcAft>
-                <a:spcPct val="0"/>
-              </a:spcAft>
-              <a:tabLst>
-                <a:tab pos="365125" algn="l"/>
-                <a:tab pos="5776913" algn="r"/>
-              </a:tabLst>
-              <a:defRPr>
-                <a:solidFill>
-                  <a:schemeClr val="tx1"/>
-                </a:solidFill>
-                <a:latin typeface="Arial" panose="020B0604020202020204" pitchFamily="34" charset="0"/>
-              </a:defRPr>
-            </a:lvl6pPr>
-            <a:lvl7pPr eaLnBrk="0" fontAlgn="base" hangingPunct="0">
-              <a:spcBef>
-                <a:spcPct val="0"/>
-              </a:spcBef>
-              <a:spcAft>
-                <a:spcPct val="0"/>
-              </a:spcAft>
-              <a:tabLst>
-                <a:tab pos="365125" algn="l"/>
-                <a:tab pos="5776913" algn="r"/>
-              </a:tabLst>
-              <a:defRPr>
-                <a:solidFill>
-                  <a:schemeClr val="tx1"/>
-                </a:solidFill>
-                <a:latin typeface="Arial" panose="020B0604020202020204" pitchFamily="34" charset="0"/>
-              </a:defRPr>
-            </a:lvl7pPr>
-            <a:lvl8pPr eaLnBrk="0" fontAlgn="base" hangingPunct="0">
-              <a:spcBef>
-                <a:spcPct val="0"/>
-              </a:spcBef>
-              <a:spcAft>
-                <a:spcPct val="0"/>
-              </a:spcAft>
-              <a:tabLst>
-                <a:tab pos="365125" algn="l"/>
-                <a:tab pos="5776913" algn="r"/>
-              </a:tabLst>
-              <a:defRPr>
-                <a:solidFill>
-                  <a:schemeClr val="tx1"/>
-                </a:solidFill>
-                <a:latin typeface="Arial" panose="020B0604020202020204" pitchFamily="34" charset="0"/>
-              </a:defRPr>
-            </a:lvl8pPr>
-            <a:lvl9pPr eaLnBrk="0" fontAlgn="base" hangingPunct="0">
-              <a:spcBef>
-                <a:spcPct val="0"/>
-              </a:spcBef>
-              <a:spcAft>
-                <a:spcPct val="0"/>
-              </a:spcAft>
-              <a:tabLst>
-                <a:tab pos="365125" algn="l"/>
-                <a:tab pos="5776913" algn="r"/>
-              </a:tabLst>
-              <a:defRPr>
-                <a:solidFill>
-                  <a:schemeClr val="tx1"/>
-                </a:solidFill>
-                <a:latin typeface="Arial" panose="020B0604020202020204" pitchFamily="34" charset="0"/>
-              </a:defRPr>
-            </a:lvl9pPr>
-          </a:lstStyle>
-          <a:p>
-            <a:pPr marL="0" marR="0" lvl="0" indent="0" algn="l" defTabSz="914400" rtl="0" eaLnBrk="0" fontAlgn="base" latinLnBrk="0" hangingPunct="0">
-              <a:lnSpc>
-                <a:spcPct val="100000"/>
-              </a:lnSpc>
-              <a:spcBef>
-                <a:spcPct val="0"/>
-              </a:spcBef>
-              <a:spcAft>
-                <a:spcPct val="0"/>
-              </a:spcAft>
-              <a:buClrTx/>
-              <a:buSzTx/>
-              <a:buFontTx/>
-              <a:buChar char="•"/>
-              <a:tabLst>
-                <a:tab pos="365125" algn="l"/>
-                <a:tab pos="5776913" algn="r"/>
-              </a:tabLst>
-            </a:pPr>
-            <a:r>
-              <a:rPr kumimoji="0" lang="en-US" altLang="zh-CN" sz="1400" b="1" i="0" u="none" strike="noStrike" cap="none" normalizeH="0" baseline="0" dirty="0">
-                <a:ln>
-                  <a:noFill/>
-                </a:ln>
-                <a:solidFill>
-                  <a:schemeClr val="tx1"/>
-                </a:solidFill>
-                <a:effectLst/>
-                <a:latin typeface="Arial" panose="020B0604020202020204" pitchFamily="34" charset="0"/>
-                <a:ea typeface="SimSun" panose="02010600030101010101" pitchFamily="2" charset="-122"/>
-              </a:rPr>
-              <a:t>Create a New Unity Project</a:t>
-            </a:r>
-            <a:r>
-              <a:rPr kumimoji="0" lang="en-US" altLang="zh-CN" sz="1400" b="0" i="0" u="none" strike="noStrike" cap="none" normalizeH="0" baseline="0" dirty="0">
-                <a:ln>
-                  <a:noFill/>
-                </a:ln>
-                <a:solidFill>
-                  <a:schemeClr val="tx1"/>
-                </a:solidFill>
-                <a:effectLst/>
-                <a:latin typeface="Arial" panose="020B0604020202020204" pitchFamily="34" charset="0"/>
-                <a:ea typeface="SimSun" panose="02010600030101010101" pitchFamily="2" charset="-122"/>
-              </a:rPr>
-              <a:t>: Open Unity Hub, create a new project, and select the 3D template. Choose a project name and location on your system.</a:t>
-            </a:r>
-            <a:endParaRPr kumimoji="0" lang="en-US" altLang="zh-CN" sz="500" b="0" i="0" u="none" strike="noStrike" cap="none" normalizeH="0" baseline="0" dirty="0">
-              <a:ln>
-                <a:noFill/>
-              </a:ln>
-              <a:solidFill>
-                <a:schemeClr val="tx1"/>
-              </a:solidFill>
-              <a:effectLst/>
-              <a:latin typeface="Arial" panose="020B0604020202020204" pitchFamily="34" charset="0"/>
-            </a:endParaRPr>
-          </a:p>
-          <a:p>
-            <a:pPr marL="0" marR="0" lvl="0" indent="0" algn="l" defTabSz="914400" rtl="0" eaLnBrk="0" fontAlgn="base" latinLnBrk="0" hangingPunct="0">
-              <a:lnSpc>
-                <a:spcPct val="100000"/>
-              </a:lnSpc>
-              <a:spcBef>
-                <a:spcPct val="0"/>
-              </a:spcBef>
-              <a:spcAft>
-                <a:spcPct val="0"/>
-              </a:spcAft>
-              <a:buClrTx/>
-              <a:buSzTx/>
-              <a:buFontTx/>
-              <a:buChar char="•"/>
-              <a:tabLst>
-                <a:tab pos="365125" algn="l"/>
-                <a:tab pos="5776913" algn="r"/>
-              </a:tabLst>
-            </a:pPr>
-            <a:r>
-              <a:rPr kumimoji="0" lang="en-US" altLang="zh-CN" sz="1400" b="1" i="0" u="none" strike="noStrike" cap="none" normalizeH="0" baseline="0" dirty="0">
-                <a:ln>
-                  <a:noFill/>
-                </a:ln>
-                <a:solidFill>
-                  <a:schemeClr val="tx1"/>
-                </a:solidFill>
-                <a:effectLst/>
-                <a:latin typeface="Arial" panose="020B0604020202020204" pitchFamily="34" charset="0"/>
-                <a:ea typeface="SimSun" panose="02010600030101010101" pitchFamily="2" charset="-122"/>
-              </a:rPr>
-              <a:t>Import Necessary Packages</a:t>
-            </a:r>
-            <a:r>
-              <a:rPr kumimoji="0" lang="en-US" altLang="zh-CN" sz="1400" b="0" i="0" u="none" strike="noStrike" cap="none" normalizeH="0" baseline="0" dirty="0">
-                <a:ln>
-                  <a:noFill/>
-                </a:ln>
-                <a:solidFill>
-                  <a:schemeClr val="tx1"/>
-                </a:solidFill>
-                <a:effectLst/>
-                <a:latin typeface="Arial" panose="020B0604020202020204" pitchFamily="34" charset="0"/>
-                <a:ea typeface="SimSun" panose="02010600030101010101" pitchFamily="2" charset="-122"/>
-              </a:rPr>
-              <a:t>: Once inside the Unity editor, navigate to the Package Manager window. Install the Standard Assets, Cine machine, and Pro Builder packages if they're not already included in your project.</a:t>
-            </a:r>
-            <a:endParaRPr kumimoji="0" lang="en-US" altLang="zh-CN" sz="500" b="0" i="0" u="none" strike="noStrike" cap="none" normalizeH="0" baseline="0" dirty="0">
-              <a:ln>
-                <a:noFill/>
-              </a:ln>
-              <a:solidFill>
-                <a:schemeClr val="tx1"/>
-              </a:solidFill>
-              <a:effectLst/>
-              <a:latin typeface="Arial" panose="020B0604020202020204" pitchFamily="34" charset="0"/>
-            </a:endParaRPr>
-          </a:p>
-          <a:p>
-            <a:pPr marL="0" marR="0" lvl="0" indent="0" algn="l" defTabSz="914400" rtl="0" eaLnBrk="0" fontAlgn="base" latinLnBrk="0" hangingPunct="0">
-              <a:lnSpc>
-                <a:spcPct val="100000"/>
-              </a:lnSpc>
-              <a:spcBef>
-                <a:spcPct val="0"/>
-              </a:spcBef>
-              <a:spcAft>
-                <a:spcPct val="0"/>
-              </a:spcAft>
-              <a:buClrTx/>
-              <a:buSzTx/>
-              <a:buFontTx/>
-              <a:buChar char="•"/>
-              <a:tabLst>
-                <a:tab pos="365125" algn="l"/>
-                <a:tab pos="5776913" algn="r"/>
-              </a:tabLst>
-            </a:pPr>
-            <a:r>
-              <a:rPr kumimoji="0" lang="en-US" altLang="zh-CN" sz="1400" b="1" i="0" u="none" strike="noStrike" cap="none" normalizeH="0" baseline="0" dirty="0">
-                <a:ln>
-                  <a:noFill/>
-                </a:ln>
-                <a:solidFill>
-                  <a:schemeClr val="tx1"/>
-                </a:solidFill>
-                <a:effectLst/>
-                <a:latin typeface="Arial" panose="020B0604020202020204" pitchFamily="34" charset="0"/>
-                <a:ea typeface="SimSun" panose="02010600030101010101" pitchFamily="2" charset="-122"/>
-              </a:rPr>
-              <a:t>Set Up Scene and Assets</a:t>
-            </a:r>
-            <a:r>
-              <a:rPr kumimoji="0" lang="en-US" altLang="zh-CN" sz="1400" b="0" i="0" u="none" strike="noStrike" cap="none" normalizeH="0" baseline="0" dirty="0">
-                <a:ln>
-                  <a:noFill/>
-                </a:ln>
-                <a:solidFill>
-                  <a:schemeClr val="tx1"/>
-                </a:solidFill>
-                <a:effectLst/>
-                <a:latin typeface="Arial" panose="020B0604020202020204" pitchFamily="34" charset="0"/>
-                <a:ea typeface="SimSun" panose="02010600030101010101" pitchFamily="2" charset="-122"/>
-              </a:rPr>
-              <a:t>: Design your game scene by importing assets such as terrain, props, and character models. Utilize Pro Builder to create custom level geometry or modify existing meshes.</a:t>
-            </a:r>
-            <a:endParaRPr kumimoji="0" lang="en-US" altLang="zh-CN" sz="500" b="0" i="0" u="none" strike="noStrike" cap="none" normalizeH="0" baseline="0" dirty="0">
-              <a:ln>
-                <a:noFill/>
-              </a:ln>
-              <a:solidFill>
-                <a:schemeClr val="tx1"/>
-              </a:solidFill>
-              <a:effectLst/>
-              <a:latin typeface="Arial" panose="020B0604020202020204" pitchFamily="34" charset="0"/>
-            </a:endParaRPr>
-          </a:p>
-          <a:p>
-            <a:pPr marL="0" marR="0" lvl="0" indent="0" algn="l" defTabSz="914400" rtl="0" eaLnBrk="0" fontAlgn="base" latinLnBrk="0" hangingPunct="0">
-              <a:lnSpc>
-                <a:spcPct val="100000"/>
-              </a:lnSpc>
-              <a:spcBef>
-                <a:spcPct val="0"/>
-              </a:spcBef>
-              <a:spcAft>
-                <a:spcPct val="0"/>
-              </a:spcAft>
-              <a:buClrTx/>
-              <a:buSzTx/>
-              <a:buFontTx/>
-              <a:buChar char="•"/>
-              <a:tabLst>
-                <a:tab pos="365125" algn="l"/>
-                <a:tab pos="5776913" algn="r"/>
-              </a:tabLst>
-            </a:pPr>
-            <a:r>
-              <a:rPr kumimoji="0" lang="en-US" altLang="zh-CN" sz="1400" b="1" i="0" u="none" strike="noStrike" cap="none" normalizeH="0" baseline="0" dirty="0">
-                <a:ln>
-                  <a:noFill/>
-                </a:ln>
-                <a:solidFill>
-                  <a:schemeClr val="tx1"/>
-                </a:solidFill>
-                <a:effectLst/>
-                <a:latin typeface="Arial" panose="020B0604020202020204" pitchFamily="34" charset="0"/>
-                <a:ea typeface="SimSun" panose="02010600030101010101" pitchFamily="2" charset="-122"/>
-              </a:rPr>
-              <a:t>Scripting</a:t>
-            </a:r>
-            <a:r>
-              <a:rPr kumimoji="0" lang="en-US" altLang="zh-CN" sz="1400" b="0" i="0" u="none" strike="noStrike" cap="none" normalizeH="0" baseline="0" dirty="0">
-                <a:ln>
-                  <a:noFill/>
-                </a:ln>
-                <a:solidFill>
-                  <a:schemeClr val="tx1"/>
-                </a:solidFill>
-                <a:effectLst/>
-                <a:latin typeface="Arial" panose="020B0604020202020204" pitchFamily="34" charset="0"/>
-                <a:ea typeface="SimSun" panose="02010600030101010101" pitchFamily="2" charset="-122"/>
-              </a:rPr>
-              <a:t>: Begin scripting enemy behaviors, player controls, weapon mechanics, and game logic using C# scripts. Attach scripts to appropriate Game Objects to define their functionality within the game.</a:t>
-            </a:r>
-            <a:endParaRPr kumimoji="0" lang="en-US" altLang="zh-CN" sz="500" b="0" i="0" u="none" strike="noStrike" cap="none" normalizeH="0" baseline="0" dirty="0">
-              <a:ln>
-                <a:noFill/>
-              </a:ln>
-              <a:solidFill>
-                <a:schemeClr val="tx1"/>
-              </a:solidFill>
-              <a:effectLst/>
-              <a:latin typeface="Arial" panose="020B0604020202020204" pitchFamily="34" charset="0"/>
-            </a:endParaRPr>
-          </a:p>
-          <a:p>
-            <a:pPr marL="0" marR="0" lvl="0" indent="0" algn="l" defTabSz="914400" rtl="0" eaLnBrk="0" fontAlgn="base" latinLnBrk="0" hangingPunct="0">
-              <a:lnSpc>
-                <a:spcPct val="100000"/>
-              </a:lnSpc>
-              <a:spcBef>
-                <a:spcPct val="0"/>
-              </a:spcBef>
-              <a:spcAft>
-                <a:spcPct val="0"/>
-              </a:spcAft>
-              <a:buClrTx/>
-              <a:buSzTx/>
-              <a:buFontTx/>
-              <a:buChar char="•"/>
-              <a:tabLst>
-                <a:tab pos="365125" algn="l"/>
-                <a:tab pos="5776913" algn="r"/>
-              </a:tabLst>
-            </a:pPr>
-            <a:r>
-              <a:rPr kumimoji="0" lang="en-US" altLang="zh-CN" sz="1400" b="1" i="0" u="none" strike="noStrike" cap="none" normalizeH="0" baseline="0" dirty="0">
-                <a:ln>
-                  <a:noFill/>
-                </a:ln>
-                <a:solidFill>
-                  <a:schemeClr val="tx1"/>
-                </a:solidFill>
-                <a:effectLst/>
-                <a:latin typeface="Arial" panose="020B0604020202020204" pitchFamily="34" charset="0"/>
-                <a:ea typeface="SimSun" panose="02010600030101010101" pitchFamily="2" charset="-122"/>
-              </a:rPr>
-              <a:t>Testing and Iteration</a:t>
-            </a:r>
-            <a:r>
-              <a:rPr kumimoji="0" lang="en-US" altLang="zh-CN" sz="1400" b="0" i="0" u="none" strike="noStrike" cap="none" normalizeH="0" baseline="0" dirty="0">
-                <a:ln>
-                  <a:noFill/>
-                </a:ln>
-                <a:solidFill>
-                  <a:schemeClr val="tx1"/>
-                </a:solidFill>
-                <a:effectLst/>
-                <a:latin typeface="Arial" panose="020B0604020202020204" pitchFamily="34" charset="0"/>
-                <a:ea typeface="SimSun" panose="02010600030101010101" pitchFamily="2" charset="-122"/>
-              </a:rPr>
-              <a:t>: Test your game frequently to identify bugs, refine gameplay mechanics, and optimize performance. Use Unity's built-in debugging tools to diagnose issues and make necessary adjustments.</a:t>
-            </a:r>
-            <a:endParaRPr kumimoji="0" lang="en-US" altLang="zh-CN" sz="500" b="0" i="0" u="none" strike="noStrike" cap="none" normalizeH="0" baseline="0" dirty="0">
-              <a:ln>
-                <a:noFill/>
-              </a:ln>
-              <a:solidFill>
-                <a:schemeClr val="tx1"/>
-              </a:solidFill>
-              <a:effectLst/>
-              <a:latin typeface="Arial" panose="020B0604020202020204" pitchFamily="34" charset="0"/>
-            </a:endParaRPr>
-          </a:p>
-          <a:p>
-            <a:pPr marL="0" marR="0" lvl="0" indent="0" algn="l" defTabSz="914400" rtl="0" eaLnBrk="0" fontAlgn="base" latinLnBrk="0" hangingPunct="0">
-              <a:lnSpc>
-                <a:spcPct val="100000"/>
-              </a:lnSpc>
-              <a:spcBef>
-                <a:spcPct val="0"/>
-              </a:spcBef>
-              <a:spcAft>
-                <a:spcPct val="0"/>
-              </a:spcAft>
-              <a:buClrTx/>
-              <a:buSzTx/>
-              <a:buFontTx/>
-              <a:buNone/>
-              <a:tabLst>
-                <a:tab pos="365125" algn="l"/>
-                <a:tab pos="5776913" algn="r"/>
-              </a:tabLst>
-            </a:pPr>
-            <a:r>
-              <a:rPr kumimoji="0" lang="en-US" altLang="zh-CN" sz="1800" b="1" i="0" u="sng" strike="noStrike" cap="none" normalizeH="0" baseline="0" dirty="0">
-                <a:ln>
-                  <a:noFill/>
-                </a:ln>
-                <a:solidFill>
-                  <a:schemeClr val="tx1"/>
-                </a:solidFill>
-                <a:effectLst/>
-                <a:latin typeface="Arial" panose="020B0604020202020204" pitchFamily="34" charset="0"/>
-                <a:ea typeface="SimSun" panose="02010600030101010101" pitchFamily="2" charset="-122"/>
-              </a:rPr>
-              <a:t>Conclusion:</a:t>
-            </a:r>
-            <a:endParaRPr kumimoji="0" lang="en-US" altLang="zh-CN" sz="1800" b="0" i="0" u="none" strike="noStrike" cap="none" normalizeH="0" baseline="0" dirty="0">
-              <a:ln>
-                <a:noFill/>
-              </a:ln>
-              <a:solidFill>
-                <a:schemeClr val="tx1"/>
-              </a:solidFill>
-              <a:effectLst/>
-              <a:latin typeface="Times New Roman" panose="02020603050405020304" pitchFamily="18" charset="0"/>
-              <a:ea typeface="SimSun" panose="02010600030101010101" pitchFamily="2" charset="-122"/>
-              <a:cs typeface="Times New Roman" panose="02020603050405020304" pitchFamily="18" charset="0"/>
-            </a:endParaRPr>
-          </a:p>
-          <a:p>
-            <a:pPr marL="0" marR="0" lvl="0" indent="0" algn="l" defTabSz="914400" rtl="0" eaLnBrk="0" fontAlgn="base" latinLnBrk="0" hangingPunct="0">
-              <a:lnSpc>
-                <a:spcPct val="100000"/>
-              </a:lnSpc>
-              <a:spcBef>
-                <a:spcPct val="0"/>
-              </a:spcBef>
-              <a:spcAft>
-                <a:spcPct val="0"/>
-              </a:spcAft>
-              <a:buClrTx/>
-              <a:buSzTx/>
-              <a:buFontTx/>
-              <a:buNone/>
-              <a:tabLst>
-                <a:tab pos="365125" algn="l"/>
-                <a:tab pos="5776913" algn="r"/>
-              </a:tabLst>
-            </a:pPr>
-            <a:r>
-              <a:rPr kumimoji="0" lang="en-US" altLang="zh-CN" sz="1800" b="0" i="0" u="none" strike="noStrike" cap="none" normalizeH="0" baseline="0" dirty="0">
-                <a:ln>
-                  <a:noFill/>
-                </a:ln>
-                <a:solidFill>
-                  <a:schemeClr val="tx1"/>
-                </a:solidFill>
-                <a:effectLst/>
-                <a:latin typeface="Times New Roman" panose="02020603050405020304" pitchFamily="18" charset="0"/>
-                <a:ea typeface="SimSun" panose="02010600030101010101" pitchFamily="2" charset="-122"/>
-                <a:cs typeface="Times New Roman" panose="02020603050405020304" pitchFamily="18" charset="0"/>
-              </a:rPr>
-              <a:t>    </a:t>
-            </a:r>
-            <a:r>
-              <a:rPr kumimoji="0" lang="en-US" altLang="zh-CN" sz="1400" b="0" i="0" u="none" strike="noStrike" cap="none" normalizeH="0" baseline="0" dirty="0">
-                <a:ln>
-                  <a:noFill/>
-                </a:ln>
-                <a:solidFill>
-                  <a:schemeClr val="tx1"/>
-                </a:solidFill>
-                <a:effectLst/>
-                <a:latin typeface="Times New Roman" panose="02020603050405020304" pitchFamily="18" charset="0"/>
-                <a:ea typeface="SimSun" panose="02010600030101010101" pitchFamily="2" charset="-122"/>
-                <a:cs typeface="Times New Roman" panose="02020603050405020304" pitchFamily="18" charset="0"/>
-              </a:rPr>
-              <a:t>With Unity 3D, an appropriate IDE, and essential Plugins/packages installed, you're ready to embark on the exciting journey of Gun Game development. Follow these setup instructions to create a captivating gaming experience where players must eliminate enemies to emerge victorious.</a:t>
-            </a:r>
-            <a:r>
-              <a:rPr kumimoji="0" lang="en-US" altLang="zh-CN" sz="500" b="0" i="0" u="none" strike="noStrike" cap="none" normalizeH="0" baseline="0" dirty="0">
-                <a:ln>
-                  <a:noFill/>
-                </a:ln>
-                <a:solidFill>
-                  <a:schemeClr val="tx1"/>
-                </a:solidFill>
-                <a:effectLst/>
-              </a:rPr>
-              <a:t> </a:t>
-            </a:r>
-            <a:endParaRPr kumimoji="0" lang="en-US" altLang="zh-CN" sz="1800" b="0" i="0" u="none" strike="noStrike" cap="none" normalizeH="0" baseline="0" dirty="0">
-              <a:ln>
-                <a:noFill/>
-              </a:ln>
-              <a:solidFill>
-                <a:schemeClr val="tx1"/>
-              </a:solidFill>
-              <a:effectLst/>
-              <a:latin typeface="Arial" panose="020B0604020202020204" pitchFamily="34" charset="0"/>
-            </a:endParaRPr>
-          </a:p>
-        </p:txBody>
-      </p:sp>
     </p:spTree>
   </p:cSld>
   <p:clrMapOvr>
@@ -9956,7 +10107,7 @@
         <p:spPr>
           <a:xfrm>
             <a:off x="304800" y="609600"/>
-            <a:ext cx="7010400" cy="7314823"/>
+            <a:ext cx="7010400" cy="9889887"/>
           </a:xfrm>
           <a:prstGeom prst="rect">
             <a:avLst/>
@@ -10103,38 +10254,6 @@
               </a:rPr>
               <a:t>Apply textures and foliage to the terrain to enhance visual appeal and provide cover for players and enemies.</a:t>
             </a:r>
-            <a:endParaRPr lang="en-US" sz="1400" dirty="0">
-              <a:effectLst/>
-              <a:latin typeface="Times New Roman" panose="02020603050405020304" pitchFamily="18" charset="0"/>
-              <a:ea typeface="Times New Roman" panose="02020603050405020304" pitchFamily="18" charset="0"/>
-            </a:endParaRPr>
-          </a:p>
-          <a:p>
-            <a:pPr marL="365125" marR="0" indent="-226060">
-              <a:spcBef>
-                <a:spcPts val="975"/>
-              </a:spcBef>
-              <a:spcAft>
-                <a:spcPts val="0"/>
-              </a:spcAft>
-              <a:tabLst>
-                <a:tab pos="365760" algn="l"/>
-                <a:tab pos="5776595" algn="r"/>
-              </a:tabLst>
-            </a:pPr>
-            <a:r>
-              <a:rPr lang="en-US" sz="1400" b="1" dirty="0">
-                <a:effectLst/>
-                <a:latin typeface="Times New Roman" panose="02020603050405020304" pitchFamily="18" charset="0"/>
-                <a:ea typeface="SimSun" panose="02010600030101010101" pitchFamily="2" charset="-122"/>
-              </a:rPr>
-              <a:t>2. Lighting Setup:</a:t>
-            </a:r>
-            <a:endParaRPr lang="en-US" sz="1400" dirty="0">
-              <a:effectLst/>
-              <a:latin typeface="Times New Roman" panose="02020603050405020304" pitchFamily="18" charset="0"/>
-              <a:ea typeface="Times New Roman" panose="02020603050405020304" pitchFamily="18" charset="0"/>
-            </a:endParaRPr>
           </a:p>
           <a:p>
             <a:pPr marL="342900" marR="0" lvl="0" indent="-342900">
@@ -10151,14 +10270,6 @@
                 <a:tab pos="5776595" algn="r"/>
               </a:tabLst>
             </a:pPr>
-            <a:r>
-              <a:rPr lang="en-US" sz="1400" dirty="0">
-                <a:effectLst/>
-                <a:latin typeface="Times New Roman" panose="02020603050405020304" pitchFamily="18" charset="0"/>
-                <a:ea typeface="SimSun" panose="02010600030101010101" pitchFamily="2" charset="-122"/>
-              </a:rPr>
-              <a:t>Add directional light to simulate sunlight and create shadows in the scene.</a:t>
-            </a:r>
             <a:endParaRPr lang="en-US" sz="1400" dirty="0">
               <a:effectLst/>
               <a:latin typeface="Times New Roman" panose="02020603050405020304" pitchFamily="18" charset="0"/>
@@ -10180,16 +10291,7 @@
                 <a:tab pos="5776595" algn="r"/>
               </a:tabLst>
             </a:pPr>
-            <a:r>
-              <a:rPr lang="en-US" sz="1400" dirty="0">
-                <a:effectLst/>
-                <a:latin typeface="Times New Roman" panose="02020603050405020304" pitchFamily="18" charset="0"/>
-                <a:ea typeface="SimSun" panose="02010600030101010101" pitchFamily="2" charset="-122"/>
-              </a:rPr>
-              <a:t>Adjust light settings such as intensity, color, and shadows to achieve the desired ambiance.</a:t>
-            </a:r>
             <a:endParaRPr lang="en-US" sz="1400" dirty="0">
-              <a:effectLst/>
               <a:latin typeface="Times New Roman" panose="02020603050405020304" pitchFamily="18" charset="0"/>
               <a:ea typeface="Times New Roman" panose="02020603050405020304" pitchFamily="18" charset="0"/>
             </a:endParaRPr>
@@ -10209,41 +10311,6 @@
                 <a:tab pos="5776595" algn="r"/>
               </a:tabLst>
             </a:pPr>
-            <a:r>
-              <a:rPr lang="en-US" sz="1400" dirty="0">
-                <a:effectLst/>
-                <a:latin typeface="Times New Roman" panose="02020603050405020304" pitchFamily="18" charset="0"/>
-                <a:ea typeface="SimSun" panose="02010600030101010101" pitchFamily="2" charset="-122"/>
-              </a:rPr>
-              <a:t>Utilize additional light sources (point lights, spotlights) to illuminate specific areas or enhance visual effects.</a:t>
-            </a:r>
-            <a:endParaRPr lang="en-US" sz="1400" dirty="0">
-              <a:effectLst/>
-              <a:latin typeface="Times New Roman" panose="02020603050405020304" pitchFamily="18" charset="0"/>
-              <a:ea typeface="Times New Roman" panose="02020603050405020304" pitchFamily="18" charset="0"/>
-            </a:endParaRPr>
-          </a:p>
-          <a:p>
-            <a:pPr marL="365125" marR="0" indent="-226060">
-              <a:spcBef>
-                <a:spcPts val="975"/>
-              </a:spcBef>
-              <a:spcAft>
-                <a:spcPts val="0"/>
-              </a:spcAft>
-              <a:tabLst>
-                <a:tab pos="365760" algn="l"/>
-                <a:tab pos="5776595" algn="r"/>
-              </a:tabLst>
-            </a:pPr>
-            <a:r>
-              <a:rPr lang="en-US" sz="1400" b="1" dirty="0">
-                <a:effectLst/>
-                <a:latin typeface="Times New Roman" panose="02020603050405020304" pitchFamily="18" charset="0"/>
-                <a:ea typeface="SimSun" panose="02010600030101010101" pitchFamily="2" charset="-122"/>
-              </a:rPr>
-              <a:t>3. Camera Setup:</a:t>
-            </a:r>
             <a:endParaRPr lang="en-US" sz="1400" dirty="0">
               <a:effectLst/>
               <a:latin typeface="Times New Roman" panose="02020603050405020304" pitchFamily="18" charset="0"/>
@@ -10265,16 +10332,7 @@
                 <a:tab pos="5776595" algn="r"/>
               </a:tabLst>
             </a:pPr>
-            <a:r>
-              <a:rPr lang="en-US" sz="1400" dirty="0">
-                <a:effectLst/>
-                <a:latin typeface="Times New Roman" panose="02020603050405020304" pitchFamily="18" charset="0"/>
-                <a:ea typeface="SimSun" panose="02010600030101010101" pitchFamily="2" charset="-122"/>
-              </a:rPr>
-              <a:t>Create a new camera Game Object to serve as the player's perspective.</a:t>
-            </a:r>
             <a:endParaRPr lang="en-US" sz="1400" dirty="0">
-              <a:effectLst/>
               <a:latin typeface="Times New Roman" panose="02020603050405020304" pitchFamily="18" charset="0"/>
               <a:ea typeface="Times New Roman" panose="02020603050405020304" pitchFamily="18" charset="0"/>
             </a:endParaRPr>
@@ -10294,14 +10352,6 @@
                 <a:tab pos="5776595" algn="r"/>
               </a:tabLst>
             </a:pPr>
-            <a:r>
-              <a:rPr lang="en-US" sz="1400" dirty="0">
-                <a:effectLst/>
-                <a:latin typeface="Times New Roman" panose="02020603050405020304" pitchFamily="18" charset="0"/>
-                <a:ea typeface="SimSun" panose="02010600030101010101" pitchFamily="2" charset="-122"/>
-              </a:rPr>
-              <a:t>Adjust the camera's position, rotation, and field of view to provide optimal visibility and gameplay experience.</a:t>
-            </a:r>
             <a:endParaRPr lang="en-US" sz="1400" dirty="0">
               <a:effectLst/>
               <a:latin typeface="Times New Roman" panose="02020603050405020304" pitchFamily="18" charset="0"/>
@@ -10323,43 +10373,7 @@
                 <a:tab pos="5776595" algn="r"/>
               </a:tabLst>
             </a:pPr>
-            <a:r>
-              <a:rPr lang="en-US" sz="1400" dirty="0">
-                <a:effectLst/>
-                <a:latin typeface="Times New Roman" panose="02020603050405020304" pitchFamily="18" charset="0"/>
-                <a:ea typeface="SimSun" panose="02010600030101010101" pitchFamily="2" charset="-122"/>
-              </a:rPr>
-              <a:t>Implement camera controls (e.g., mouse or joystick input) to enable players to move the camera view freely or focus on specific targets.</a:t>
-            </a:r>
             <a:endParaRPr lang="en-US" sz="1400" dirty="0">
-              <a:effectLst/>
-              <a:latin typeface="Times New Roman" panose="02020603050405020304" pitchFamily="18" charset="0"/>
-              <a:ea typeface="Times New Roman" panose="02020603050405020304" pitchFamily="18" charset="0"/>
-            </a:endParaRPr>
-          </a:p>
-          <a:p>
-            <a:pPr marL="365125" marR="0" indent="-226060">
-              <a:spcBef>
-                <a:spcPts val="975"/>
-              </a:spcBef>
-              <a:spcAft>
-                <a:spcPts val="0"/>
-              </a:spcAft>
-              <a:tabLst>
-                <a:tab pos="365760" algn="l"/>
-                <a:tab pos="5776595" algn="r"/>
-              </a:tabLst>
-            </a:pPr>
-            <a:r>
-              <a:rPr lang="en-US" sz="1400" b="1" dirty="0">
-                <a:effectLst/>
-                <a:latin typeface="Times New Roman" panose="02020603050405020304" pitchFamily="18" charset="0"/>
-                <a:ea typeface="SimSun" panose="02010600030101010101" pitchFamily="2" charset="-122"/>
-              </a:rPr>
-              <a:t>4. Environment Assets:</a:t>
-            </a:r>
-            <a:endParaRPr lang="en-US" sz="1400" dirty="0">
-              <a:effectLst/>
               <a:latin typeface="Times New Roman" panose="02020603050405020304" pitchFamily="18" charset="0"/>
               <a:ea typeface="Times New Roman" panose="02020603050405020304" pitchFamily="18" charset="0"/>
             </a:endParaRPr>
@@ -10379,13 +10393,51 @@
                 <a:tab pos="5776595" algn="r"/>
               </a:tabLst>
             </a:pPr>
-            <a:r>
-              <a:rPr lang="en-US" sz="1400" dirty="0">
+            <a:endParaRPr lang="en-US" sz="1400" dirty="0">
+              <a:effectLst/>
+              <a:latin typeface="Times New Roman" panose="02020603050405020304" pitchFamily="18" charset="0"/>
+              <a:ea typeface="Times New Roman" panose="02020603050405020304" pitchFamily="18" charset="0"/>
+            </a:endParaRPr>
+          </a:p>
+          <a:p>
+            <a:pPr marR="0" lvl="0">
+              <a:spcBef>
+                <a:spcPts val="975"/>
+              </a:spcBef>
+              <a:spcAft>
+                <a:spcPts val="0"/>
+              </a:spcAft>
+              <a:tabLst>
+                <a:tab pos="365760" algn="l"/>
+                <a:tab pos="5776595" algn="r"/>
+              </a:tabLst>
+            </a:pPr>
+            <a:endParaRPr lang="en-US" sz="1400" dirty="0">
+              <a:effectLst/>
+              <a:latin typeface="Times New Roman" panose="02020603050405020304" pitchFamily="18" charset="0"/>
+              <a:ea typeface="Times New Roman" panose="02020603050405020304" pitchFamily="18" charset="0"/>
+            </a:endParaRPr>
+          </a:p>
+          <a:p>
+            <a:pPr marL="365125" marR="0" indent="-226060">
+              <a:spcBef>
+                <a:spcPts val="975"/>
+              </a:spcBef>
+              <a:spcAft>
+                <a:spcPts val="0"/>
+              </a:spcAft>
+              <a:tabLst>
+                <a:tab pos="365760" algn="l"/>
+                <a:tab pos="5776595" algn="r"/>
+              </a:tabLst>
+            </a:pPr>
+            <a:r>
+              <a:rPr lang="en-US" sz="1400" b="1" dirty="0">
                 <a:effectLst/>
                 <a:latin typeface="Times New Roman" panose="02020603050405020304" pitchFamily="18" charset="0"/>
                 <a:ea typeface="SimSun" panose="02010600030101010101" pitchFamily="2" charset="-122"/>
               </a:rPr>
-              <a:t>Populate the scene with environmental assets such as buildings, foliage, rocks, and other props to create a realistic and immersive setting.</a:t>
+              <a:t>2. Lighting Setup:</a:t>
             </a:r>
             <a:endParaRPr lang="en-US" sz="1400" dirty="0">
               <a:effectLst/>
@@ -10414,7 +10466,7 @@
                 <a:latin typeface="Times New Roman" panose="02020603050405020304" pitchFamily="18" charset="0"/>
                 <a:ea typeface="SimSun" panose="02010600030101010101" pitchFamily="2" charset="-122"/>
               </a:rPr>
-              <a:t>Place interactive objects like doors, switches, or destructible elements to add depth to the gameplay and encourage exploration.</a:t>
+              <a:t>Add directional light to simulate sunlight and create shadows in the scene.</a:t>
             </a:r>
             <a:endParaRPr lang="en-US" sz="1400" dirty="0">
               <a:effectLst/>
@@ -10423,26 +10475,260 @@
             </a:endParaRPr>
           </a:p>
           <a:p>
-            <a:pPr marL="365125" marR="0" indent="-226060">
+            <a:pPr marL="342900" marR="0" lvl="0" indent="-342900">
               <a:spcBef>
                 <a:spcPts val="975"/>
               </a:spcBef>
               <a:spcAft>
                 <a:spcPts val="0"/>
               </a:spcAft>
-              <a:tabLst>
-                <a:tab pos="365760" algn="l"/>
-                <a:tab pos="5776595" algn="r"/>
-              </a:tabLst>
-            </a:pPr>
-            <a:r>
-              <a:rPr lang="en-US" sz="1400" b="1" dirty="0">
+              <a:buFont typeface="Symbol" panose="05050102010706020507" pitchFamily="18" charset="2"/>
+              <a:buChar char=""/>
+              <a:tabLst>
+                <a:tab pos="365760" algn="l"/>
+                <a:tab pos="5776595" algn="r"/>
+              </a:tabLst>
+            </a:pPr>
+            <a:r>
+              <a:rPr lang="en-US" sz="1400" dirty="0">
                 <a:effectLst/>
                 <a:latin typeface="Times New Roman" panose="02020603050405020304" pitchFamily="18" charset="0"/>
                 <a:ea typeface="SimSun" panose="02010600030101010101" pitchFamily="2" charset="-122"/>
               </a:rPr>
-              <a:t>5. Player and Enemy Spawning:</a:t>
-            </a:r>
+              <a:t>Adjust light settings such as intensity, color, and shadows to achieve the desired ambiance.</a:t>
+            </a:r>
+            <a:endParaRPr lang="en-US" sz="1400" dirty="0">
+              <a:effectLst/>
+              <a:latin typeface="Times New Roman" panose="02020603050405020304" pitchFamily="18" charset="0"/>
+              <a:ea typeface="Times New Roman" panose="02020603050405020304" pitchFamily="18" charset="0"/>
+            </a:endParaRPr>
+          </a:p>
+          <a:p>
+            <a:pPr marL="342900" marR="0" lvl="0" indent="-342900">
+              <a:spcBef>
+                <a:spcPts val="975"/>
+              </a:spcBef>
+              <a:spcAft>
+                <a:spcPts val="0"/>
+              </a:spcAft>
+              <a:buFont typeface="Symbol" panose="05050102010706020507" pitchFamily="18" charset="2"/>
+              <a:buChar char=""/>
+              <a:tabLst>
+                <a:tab pos="365760" algn="l"/>
+                <a:tab pos="5776595" algn="r"/>
+              </a:tabLst>
+            </a:pPr>
+            <a:r>
+              <a:rPr lang="en-US" sz="1400" dirty="0">
+                <a:effectLst/>
+                <a:latin typeface="Times New Roman" panose="02020603050405020304" pitchFamily="18" charset="0"/>
+                <a:ea typeface="SimSun" panose="02010600030101010101" pitchFamily="2" charset="-122"/>
+              </a:rPr>
+              <a:t>Utilize additional light sources (point lights, spotlights) to illuminate specific areas or enhance visual effects.</a:t>
+            </a:r>
+            <a:endParaRPr lang="en-US" sz="1400" dirty="0">
+              <a:latin typeface="Times New Roman" panose="02020603050405020304" pitchFamily="18" charset="0"/>
+              <a:ea typeface="SimSun" panose="02010600030101010101" pitchFamily="2" charset="-122"/>
+            </a:endParaRPr>
+          </a:p>
+          <a:p>
+            <a:pPr marL="342900" marR="0" lvl="0" indent="-342900">
+              <a:spcBef>
+                <a:spcPts val="975"/>
+              </a:spcBef>
+              <a:spcAft>
+                <a:spcPts val="0"/>
+              </a:spcAft>
+              <a:buFont typeface="Symbol" panose="05050102010706020507" pitchFamily="18" charset="2"/>
+              <a:buChar char=""/>
+              <a:tabLst>
+                <a:tab pos="365760" algn="l"/>
+                <a:tab pos="5776595" algn="r"/>
+              </a:tabLst>
+            </a:pPr>
+            <a:endParaRPr lang="en-US" sz="1400" dirty="0">
+              <a:effectLst/>
+              <a:latin typeface="Times New Roman" panose="02020603050405020304" pitchFamily="18" charset="0"/>
+              <a:ea typeface="SimSun" panose="02010600030101010101" pitchFamily="2" charset="-122"/>
+            </a:endParaRPr>
+          </a:p>
+          <a:p>
+            <a:pPr marL="342900" marR="0" lvl="0" indent="-342900">
+              <a:spcBef>
+                <a:spcPts val="975"/>
+              </a:spcBef>
+              <a:spcAft>
+                <a:spcPts val="0"/>
+              </a:spcAft>
+              <a:buFont typeface="Symbol" panose="05050102010706020507" pitchFamily="18" charset="2"/>
+              <a:buChar char=""/>
+              <a:tabLst>
+                <a:tab pos="365760" algn="l"/>
+                <a:tab pos="5776595" algn="r"/>
+              </a:tabLst>
+            </a:pPr>
+            <a:endParaRPr lang="en-US" sz="1400" dirty="0">
+              <a:latin typeface="Times New Roman" panose="02020603050405020304" pitchFamily="18" charset="0"/>
+              <a:ea typeface="SimSun" panose="02010600030101010101" pitchFamily="2" charset="-122"/>
+            </a:endParaRPr>
+          </a:p>
+          <a:p>
+            <a:pPr marL="342900" marR="0" lvl="0" indent="-342900">
+              <a:spcBef>
+                <a:spcPts val="975"/>
+              </a:spcBef>
+              <a:spcAft>
+                <a:spcPts val="0"/>
+              </a:spcAft>
+              <a:buFont typeface="Symbol" panose="05050102010706020507" pitchFamily="18" charset="2"/>
+              <a:buChar char=""/>
+              <a:tabLst>
+                <a:tab pos="365760" algn="l"/>
+                <a:tab pos="5776595" algn="r"/>
+              </a:tabLst>
+            </a:pPr>
+            <a:endParaRPr lang="en-US" sz="1400" dirty="0">
+              <a:effectLst/>
+              <a:latin typeface="Times New Roman" panose="02020603050405020304" pitchFamily="18" charset="0"/>
+              <a:ea typeface="Times New Roman" panose="02020603050405020304" pitchFamily="18" charset="0"/>
+            </a:endParaRPr>
+          </a:p>
+          <a:p>
+            <a:pPr marL="342900" marR="0" lvl="0" indent="-342900">
+              <a:spcBef>
+                <a:spcPts val="975"/>
+              </a:spcBef>
+              <a:spcAft>
+                <a:spcPts val="0"/>
+              </a:spcAft>
+              <a:buFont typeface="Symbol" panose="05050102010706020507" pitchFamily="18" charset="2"/>
+              <a:buChar char=""/>
+              <a:tabLst>
+                <a:tab pos="365760" algn="l"/>
+                <a:tab pos="5776595" algn="r"/>
+              </a:tabLst>
+            </a:pPr>
+            <a:endParaRPr lang="en-US" sz="1400" dirty="0">
+              <a:latin typeface="Times New Roman" panose="02020603050405020304" pitchFamily="18" charset="0"/>
+              <a:ea typeface="Times New Roman" panose="02020603050405020304" pitchFamily="18" charset="0"/>
+            </a:endParaRPr>
+          </a:p>
+          <a:p>
+            <a:pPr marL="342900" marR="0" lvl="0" indent="-342900">
+              <a:spcBef>
+                <a:spcPts val="975"/>
+              </a:spcBef>
+              <a:spcAft>
+                <a:spcPts val="0"/>
+              </a:spcAft>
+              <a:buFont typeface="Symbol" panose="05050102010706020507" pitchFamily="18" charset="2"/>
+              <a:buChar char=""/>
+              <a:tabLst>
+                <a:tab pos="365760" algn="l"/>
+                <a:tab pos="5776595" algn="r"/>
+              </a:tabLst>
+            </a:pPr>
+            <a:endParaRPr lang="en-US" sz="1400" dirty="0">
+              <a:effectLst/>
+              <a:latin typeface="Times New Roman" panose="02020603050405020304" pitchFamily="18" charset="0"/>
+              <a:ea typeface="Times New Roman" panose="02020603050405020304" pitchFamily="18" charset="0"/>
+            </a:endParaRPr>
+          </a:p>
+          <a:p>
+            <a:pPr marL="342900" marR="0" lvl="0" indent="-342900">
+              <a:spcBef>
+                <a:spcPts val="975"/>
+              </a:spcBef>
+              <a:spcAft>
+                <a:spcPts val="0"/>
+              </a:spcAft>
+              <a:buFont typeface="Symbol" panose="05050102010706020507" pitchFamily="18" charset="2"/>
+              <a:buChar char=""/>
+              <a:tabLst>
+                <a:tab pos="365760" algn="l"/>
+                <a:tab pos="5776595" algn="r"/>
+              </a:tabLst>
+            </a:pPr>
+            <a:endParaRPr lang="en-US" sz="1400" dirty="0">
+              <a:latin typeface="Times New Roman" panose="02020603050405020304" pitchFamily="18" charset="0"/>
+              <a:ea typeface="Times New Roman" panose="02020603050405020304" pitchFamily="18" charset="0"/>
+            </a:endParaRPr>
+          </a:p>
+          <a:p>
+            <a:pPr marL="342900" marR="0" lvl="0" indent="-342900">
+              <a:spcBef>
+                <a:spcPts val="975"/>
+              </a:spcBef>
+              <a:spcAft>
+                <a:spcPts val="0"/>
+              </a:spcAft>
+              <a:buFont typeface="Symbol" panose="05050102010706020507" pitchFamily="18" charset="2"/>
+              <a:buChar char=""/>
+              <a:tabLst>
+                <a:tab pos="365760" algn="l"/>
+                <a:tab pos="5776595" algn="r"/>
+              </a:tabLst>
+            </a:pPr>
+            <a:endParaRPr lang="en-US" sz="1400" dirty="0">
+              <a:effectLst/>
+              <a:latin typeface="Times New Roman" panose="02020603050405020304" pitchFamily="18" charset="0"/>
+              <a:ea typeface="Times New Roman" panose="02020603050405020304" pitchFamily="18" charset="0"/>
+            </a:endParaRPr>
+          </a:p>
+          <a:p>
+            <a:pPr marL="342900" marR="0" lvl="0" indent="-342900">
+              <a:spcBef>
+                <a:spcPts val="975"/>
+              </a:spcBef>
+              <a:spcAft>
+                <a:spcPts val="0"/>
+              </a:spcAft>
+              <a:buFont typeface="Symbol" panose="05050102010706020507" pitchFamily="18" charset="2"/>
+              <a:buChar char=""/>
+              <a:tabLst>
+                <a:tab pos="365760" algn="l"/>
+                <a:tab pos="5776595" algn="r"/>
+              </a:tabLst>
+            </a:pPr>
+            <a:endParaRPr lang="en-US" sz="1400" dirty="0">
+              <a:latin typeface="Times New Roman" panose="02020603050405020304" pitchFamily="18" charset="0"/>
+              <a:ea typeface="Times New Roman" panose="02020603050405020304" pitchFamily="18" charset="0"/>
+            </a:endParaRPr>
+          </a:p>
+          <a:p>
+            <a:pPr marL="342900" marR="0" lvl="0" indent="-342900">
+              <a:spcBef>
+                <a:spcPts val="975"/>
+              </a:spcBef>
+              <a:spcAft>
+                <a:spcPts val="0"/>
+              </a:spcAft>
+              <a:buFont typeface="Symbol" panose="05050102010706020507" pitchFamily="18" charset="2"/>
+              <a:buChar char=""/>
+              <a:tabLst>
+                <a:tab pos="365760" algn="l"/>
+                <a:tab pos="5776595" algn="r"/>
+              </a:tabLst>
+            </a:pPr>
+            <a:endParaRPr lang="en-US" sz="1400" dirty="0">
+              <a:effectLst/>
+              <a:latin typeface="Times New Roman" panose="02020603050405020304" pitchFamily="18" charset="0"/>
+              <a:ea typeface="Times New Roman" panose="02020603050405020304" pitchFamily="18" charset="0"/>
+            </a:endParaRPr>
+          </a:p>
+          <a:p>
+            <a:pPr marL="365125" marR="0" indent="-226060">
+              <a:spcBef>
+                <a:spcPts val="975"/>
+              </a:spcBef>
+              <a:spcAft>
+                <a:spcPts val="0"/>
+              </a:spcAft>
+              <a:tabLst>
+                <a:tab pos="365760" algn="l"/>
+                <a:tab pos="5776595" algn="r"/>
+              </a:tabLst>
+            </a:pPr>
             <a:endParaRPr lang="en-US" sz="1400" dirty="0">
               <a:effectLst/>
               <a:latin typeface="Times New Roman" panose="02020603050405020304" pitchFamily="18" charset="0"/>
@@ -10451,6 +10737,66 @@
           </a:p>
         </p:txBody>
       </p:sp>
+      <p:pic>
+        <p:nvPicPr>
+          <p:cNvPr id="2" name="Picture 1">
+            <a:extLst>
+              <a:ext uri="{FF2B5EF4-FFF2-40B4-BE49-F238E27FC236}">
+                <a16:creationId xmlns:a16="http://schemas.microsoft.com/office/drawing/2014/main" id="{FE6135AE-CE74-0C67-4552-E698A232EA93}"/>
+              </a:ext>
+            </a:extLst>
+          </p:cNvPr>
+          <p:cNvPicPr>
+            <a:picLocks noChangeAspect="1"/>
+          </p:cNvPicPr>
+          <p:nvPr/>
+        </p:nvPicPr>
+        <p:blipFill>
+          <a:blip r:embed="rId2"/>
+          <a:stretch>
+            <a:fillRect/>
+          </a:stretch>
+        </p:blipFill>
+        <p:spPr>
+          <a:xfrm>
+            <a:off x="762000" y="2895600"/>
+            <a:ext cx="2181225" cy="2400300"/>
+          </a:xfrm>
+          <a:prstGeom prst="rect">
+            <a:avLst/>
+          </a:prstGeom>
+        </p:spPr>
+      </p:pic>
+      <p:pic>
+        <p:nvPicPr>
+          <p:cNvPr id="3" name="Picture 2" descr="A screenshot of a video game&#10;&#10;Description automatically generated">
+            <a:extLst>
+              <a:ext uri="{FF2B5EF4-FFF2-40B4-BE49-F238E27FC236}">
+                <a16:creationId xmlns:a16="http://schemas.microsoft.com/office/drawing/2014/main" id="{FCA3FD95-3579-01AC-C3CA-72824642FC7D}"/>
+              </a:ext>
+            </a:extLst>
+          </p:cNvPr>
+          <p:cNvPicPr>
+            <a:picLocks noChangeAspect="1"/>
+          </p:cNvPicPr>
+          <p:nvPr/>
+        </p:nvPicPr>
+        <p:blipFill>
+          <a:blip r:embed="rId3"/>
+          <a:stretch>
+            <a:fillRect/>
+          </a:stretch>
+        </p:blipFill>
+        <p:spPr>
+          <a:xfrm>
+            <a:off x="731520" y="7010400"/>
+            <a:ext cx="5943600" cy="2811780"/>
+          </a:xfrm>
+          <a:prstGeom prst="rect">
+            <a:avLst/>
+          </a:prstGeom>
+        </p:spPr>
+      </p:pic>
     </p:spTree>
   </p:cSld>
   <p:clrMapOvr>
